--- a/TNAWRA_4-10-2019/jones_randall_pyfluv.pptx
+++ b/TNAWRA_4-10-2019/jones_randall_pyfluv.pptx
@@ -14,6 +14,17 @@
     <p:sldId id="263" r:id="rId8"/>
     <p:sldId id="264" r:id="rId9"/>
     <p:sldId id="265" r:id="rId10"/>
+    <p:sldId id="266" r:id="rId11"/>
+    <p:sldId id="267" r:id="rId12"/>
+    <p:sldId id="268" r:id="rId13"/>
+    <p:sldId id="269" r:id="rId14"/>
+    <p:sldId id="270" r:id="rId15"/>
+    <p:sldId id="271" r:id="rId16"/>
+    <p:sldId id="272" r:id="rId17"/>
+    <p:sldId id="273" r:id="rId18"/>
+    <p:sldId id="274" r:id="rId19"/>
+    <p:sldId id="276" r:id="rId20"/>
+    <p:sldId id="275" r:id="rId21"/>
   </p:sldIdLst>
   <p:sldSz cx="12192000" cy="6858000"/>
   <p:notesSz cx="6858000" cy="9144000"/>
@@ -112,6 +123,11 @@
       </a:defRPr>
     </a:lvl9pPr>
   </p:defaultTextStyle>
+  <p:extLst>
+    <p:ext uri="{EFAFB233-063F-42B5-8137-9DF3F51BA10A}">
+      <p15:sldGuideLst xmlns:p15="http://schemas.microsoft.com/office/powerpoint/2012/main"/>
+    </p:ext>
+  </p:extLst>
 </p:presentation>
 </file>
 
@@ -3104,6 +3120,4472 @@
 </p:sld>
 </file>
 
+<file path=ppt/slides/slide10.xml><?xml version="1.0" encoding="utf-8"?>
+<p:sld xmlns:a="http://schemas.openxmlformats.org/drawingml/2006/main" xmlns:r="http://schemas.openxmlformats.org/officeDocument/2006/relationships" xmlns:p="http://schemas.openxmlformats.org/presentationml/2006/main">
+  <p:cSld>
+    <p:spTree>
+      <p:nvGrpSpPr>
+        <p:cNvPr id="1" name=""/>
+        <p:cNvGrpSpPr/>
+        <p:nvPr/>
+      </p:nvGrpSpPr>
+      <p:grpSpPr>
+        <a:xfrm>
+          <a:off x="0" y="0"/>
+          <a:ext cx="0" cy="0"/>
+          <a:chOff x="0" y="0"/>
+          <a:chExt cx="0" cy="0"/>
+        </a:xfrm>
+      </p:grpSpPr>
+      <p:sp>
+        <p:nvSpPr>
+          <p:cNvPr id="12" name="Rectangle 11"/>
+          <p:cNvSpPr/>
+          <p:nvPr/>
+        </p:nvSpPr>
+        <p:spPr>
+          <a:xfrm>
+            <a:off x="6988865" y="1850175"/>
+            <a:ext cx="2141067" cy="394438"/>
+          </a:xfrm>
+          <a:prstGeom prst="rect">
+            <a:avLst/>
+          </a:prstGeom>
+          <a:solidFill>
+            <a:srgbClr val="FFC000"/>
+          </a:solidFill>
+        </p:spPr>
+        <p:style>
+          <a:lnRef idx="2">
+            <a:schemeClr val="accent1">
+              <a:shade val="50000"/>
+            </a:schemeClr>
+          </a:lnRef>
+          <a:fillRef idx="1">
+            <a:schemeClr val="accent1"/>
+          </a:fillRef>
+          <a:effectRef idx="0">
+            <a:schemeClr val="accent1"/>
+          </a:effectRef>
+          <a:fontRef idx="minor">
+            <a:schemeClr val="lt1"/>
+          </a:fontRef>
+        </p:style>
+        <p:txBody>
+          <a:bodyPr rtlCol="0" anchor="ctr"/>
+          <a:lstStyle/>
+          <a:p>
+            <a:pPr algn="ctr"/>
+            <a:endParaRPr lang="en-US"/>
+          </a:p>
+        </p:txBody>
+      </p:sp>
+      <p:sp>
+        <p:nvSpPr>
+          <p:cNvPr id="11" name="Rectangle 10"/>
+          <p:cNvSpPr/>
+          <p:nvPr/>
+        </p:nvSpPr>
+        <p:spPr>
+          <a:xfrm>
+            <a:off x="6096000" y="2244613"/>
+            <a:ext cx="2021058" cy="386045"/>
+          </a:xfrm>
+          <a:prstGeom prst="rect">
+            <a:avLst/>
+          </a:prstGeom>
+          <a:solidFill>
+            <a:srgbClr val="FFC000"/>
+          </a:solidFill>
+        </p:spPr>
+        <p:style>
+          <a:lnRef idx="2">
+            <a:schemeClr val="accent1">
+              <a:shade val="50000"/>
+            </a:schemeClr>
+          </a:lnRef>
+          <a:fillRef idx="1">
+            <a:schemeClr val="accent1"/>
+          </a:fillRef>
+          <a:effectRef idx="0">
+            <a:schemeClr val="accent1"/>
+          </a:effectRef>
+          <a:fontRef idx="minor">
+            <a:schemeClr val="lt1"/>
+          </a:fontRef>
+        </p:style>
+        <p:txBody>
+          <a:bodyPr rtlCol="0" anchor="ctr"/>
+          <a:lstStyle/>
+          <a:p>
+            <a:pPr algn="ctr"/>
+            <a:endParaRPr lang="en-US"/>
+          </a:p>
+        </p:txBody>
+      </p:sp>
+      <p:sp>
+        <p:nvSpPr>
+          <p:cNvPr id="10" name="Rectangle 9"/>
+          <p:cNvSpPr/>
+          <p:nvPr/>
+        </p:nvSpPr>
+        <p:spPr>
+          <a:xfrm>
+            <a:off x="1350499" y="4037429"/>
+            <a:ext cx="2332225" cy="337623"/>
+          </a:xfrm>
+          <a:prstGeom prst="rect">
+            <a:avLst/>
+          </a:prstGeom>
+          <a:solidFill>
+            <a:srgbClr val="FFC000"/>
+          </a:solidFill>
+        </p:spPr>
+        <p:style>
+          <a:lnRef idx="2">
+            <a:schemeClr val="accent1">
+              <a:shade val="50000"/>
+            </a:schemeClr>
+          </a:lnRef>
+          <a:fillRef idx="1">
+            <a:schemeClr val="accent1"/>
+          </a:fillRef>
+          <a:effectRef idx="0">
+            <a:schemeClr val="accent1"/>
+          </a:effectRef>
+          <a:fontRef idx="minor">
+            <a:schemeClr val="lt1"/>
+          </a:fontRef>
+        </p:style>
+        <p:txBody>
+          <a:bodyPr rtlCol="0" anchor="ctr"/>
+          <a:lstStyle/>
+          <a:p>
+            <a:pPr algn="ctr"/>
+            <a:endParaRPr lang="en-US"/>
+          </a:p>
+        </p:txBody>
+      </p:sp>
+      <p:sp>
+        <p:nvSpPr>
+          <p:cNvPr id="2" name="Title 1"/>
+          <p:cNvSpPr>
+            <a:spLocks noGrp="1"/>
+          </p:cNvSpPr>
+          <p:nvPr>
+            <p:ph type="title"/>
+          </p:nvPr>
+        </p:nvSpPr>
+        <p:spPr/>
+        <p:txBody>
+          <a:bodyPr/>
+          <a:lstStyle/>
+          <a:p>
+            <a:r>
+              <a:rPr lang="en-US" dirty="0" smtClean="0"/>
+              <a:t>Extracting statistics</a:t>
+            </a:r>
+            <a:endParaRPr lang="en-US" dirty="0"/>
+          </a:p>
+        </p:txBody>
+      </p:sp>
+      <p:sp>
+        <p:nvSpPr>
+          <p:cNvPr id="3" name="Content Placeholder 2"/>
+          <p:cNvSpPr>
+            <a:spLocks noGrp="1"/>
+          </p:cNvSpPr>
+          <p:nvPr>
+            <p:ph idx="1"/>
+          </p:nvPr>
+        </p:nvSpPr>
+        <p:spPr>
+          <a:xfrm>
+            <a:off x="838200" y="1825625"/>
+            <a:ext cx="3438378" cy="4351338"/>
+          </a:xfrm>
+        </p:spPr>
+        <p:txBody>
+          <a:bodyPr>
+            <a:normAutofit fontScale="85000" lnSpcReduction="20000"/>
+          </a:bodyPr>
+          <a:lstStyle/>
+          <a:p>
+            <a:r>
+              <a:rPr lang="en-US" dirty="0" err="1" smtClean="0"/>
+              <a:t>CrossSections</a:t>
+            </a:r>
+            <a:endParaRPr lang="en-US" dirty="0" smtClean="0"/>
+          </a:p>
+          <a:p>
+            <a:pPr lvl="1"/>
+            <a:r>
+              <a:rPr lang="en-US" dirty="0" smtClean="0"/>
+              <a:t>Area</a:t>
+            </a:r>
+          </a:p>
+          <a:p>
+            <a:pPr lvl="1"/>
+            <a:r>
+              <a:rPr lang="en-US" dirty="0" smtClean="0"/>
+              <a:t>Width</a:t>
+            </a:r>
+          </a:p>
+          <a:p>
+            <a:pPr lvl="1"/>
+            <a:r>
+              <a:rPr lang="en-US" dirty="0" smtClean="0"/>
+              <a:t>Hydraulic radius</a:t>
+            </a:r>
+          </a:p>
+          <a:p>
+            <a:pPr lvl="1"/>
+            <a:r>
+              <a:rPr lang="en-US" dirty="0" smtClean="0"/>
+              <a:t>Shear stress</a:t>
+            </a:r>
+          </a:p>
+          <a:p>
+            <a:pPr lvl="1"/>
+            <a:r>
+              <a:rPr lang="en-US" dirty="0" smtClean="0"/>
+              <a:t>Shear velocity</a:t>
+            </a:r>
+          </a:p>
+          <a:p>
+            <a:pPr lvl="1"/>
+            <a:r>
+              <a:rPr lang="en-US" dirty="0" smtClean="0"/>
+              <a:t>Stream power</a:t>
+            </a:r>
+          </a:p>
+          <a:p>
+            <a:pPr lvl="1"/>
+            <a:r>
+              <a:rPr lang="en-US" dirty="0" smtClean="0"/>
+              <a:t>Flood prone elevation</a:t>
+            </a:r>
+          </a:p>
+          <a:p>
+            <a:pPr lvl="1"/>
+            <a:r>
+              <a:rPr lang="en-US" dirty="0" smtClean="0"/>
+              <a:t>Entrenchment ratio</a:t>
+            </a:r>
+          </a:p>
+          <a:p>
+            <a:pPr lvl="1"/>
+            <a:r>
+              <a:rPr lang="en-US" dirty="0" smtClean="0"/>
+              <a:t>Mean and max depth</a:t>
+            </a:r>
+          </a:p>
+          <a:p>
+            <a:pPr lvl="1"/>
+            <a:r>
+              <a:rPr lang="en-US" dirty="0" smtClean="0"/>
+              <a:t>Flow velocity</a:t>
+            </a:r>
+          </a:p>
+          <a:p>
+            <a:pPr lvl="1"/>
+            <a:r>
+              <a:rPr lang="en-US" dirty="0" smtClean="0"/>
+              <a:t>Discharge rate</a:t>
+            </a:r>
+          </a:p>
+          <a:p>
+            <a:pPr lvl="1"/>
+            <a:r>
+              <a:rPr lang="en-US" dirty="0" smtClean="0"/>
+              <a:t>Width/depth ratio</a:t>
+            </a:r>
+          </a:p>
+          <a:p>
+            <a:pPr lvl="1"/>
+            <a:r>
+              <a:rPr lang="en-US" dirty="0" smtClean="0"/>
+              <a:t>Froude number</a:t>
+            </a:r>
+          </a:p>
+          <a:p>
+            <a:pPr lvl="1"/>
+            <a:r>
+              <a:rPr lang="en-US" dirty="0" smtClean="0"/>
+              <a:t>Bank slopes*</a:t>
+            </a:r>
+            <a:endParaRPr lang="en-US" dirty="0"/>
+          </a:p>
+        </p:txBody>
+      </p:sp>
+      <p:sp>
+        <p:nvSpPr>
+          <p:cNvPr id="4" name="Content Placeholder 2"/>
+          <p:cNvSpPr txBox="1">
+            <a:spLocks/>
+          </p:cNvSpPr>
+          <p:nvPr/>
+        </p:nvSpPr>
+        <p:spPr>
+          <a:xfrm>
+            <a:off x="5576666" y="1825625"/>
+            <a:ext cx="4917831" cy="4351338"/>
+          </a:xfrm>
+          <a:prstGeom prst="rect">
+            <a:avLst/>
+          </a:prstGeom>
+        </p:spPr>
+        <p:txBody>
+          <a:bodyPr vert="horz" lIns="91440" tIns="45720" rIns="91440" bIns="45720" rtlCol="0">
+            <a:normAutofit/>
+          </a:bodyPr>
+          <a:lstStyle>
+            <a:lvl1pPr marL="228600" indent="-228600" algn="l" defTabSz="914400" rtl="0" eaLnBrk="1" latinLnBrk="0" hangingPunct="1">
+              <a:lnSpc>
+                <a:spcPct val="90000"/>
+              </a:lnSpc>
+              <a:spcBef>
+                <a:spcPts val="1000"/>
+              </a:spcBef>
+              <a:buFont typeface="Arial" panose="020B0604020202020204" pitchFamily="34" charset="0"/>
+              <a:buChar char="•"/>
+              <a:defRPr sz="2800" kern="1200">
+                <a:solidFill>
+                  <a:schemeClr val="tx1"/>
+                </a:solidFill>
+                <a:latin typeface="+mn-lt"/>
+                <a:ea typeface="+mn-ea"/>
+                <a:cs typeface="+mn-cs"/>
+              </a:defRPr>
+            </a:lvl1pPr>
+            <a:lvl2pPr marL="685800" indent="-228600" algn="l" defTabSz="914400" rtl="0" eaLnBrk="1" latinLnBrk="0" hangingPunct="1">
+              <a:lnSpc>
+                <a:spcPct val="90000"/>
+              </a:lnSpc>
+              <a:spcBef>
+                <a:spcPts val="500"/>
+              </a:spcBef>
+              <a:buFont typeface="Arial" panose="020B0604020202020204" pitchFamily="34" charset="0"/>
+              <a:buChar char="•"/>
+              <a:defRPr sz="2400" kern="1200">
+                <a:solidFill>
+                  <a:schemeClr val="tx1"/>
+                </a:solidFill>
+                <a:latin typeface="+mn-lt"/>
+                <a:ea typeface="+mn-ea"/>
+                <a:cs typeface="+mn-cs"/>
+              </a:defRPr>
+            </a:lvl2pPr>
+            <a:lvl3pPr marL="1143000" indent="-228600" algn="l" defTabSz="914400" rtl="0" eaLnBrk="1" latinLnBrk="0" hangingPunct="1">
+              <a:lnSpc>
+                <a:spcPct val="90000"/>
+              </a:lnSpc>
+              <a:spcBef>
+                <a:spcPts val="500"/>
+              </a:spcBef>
+              <a:buFont typeface="Arial" panose="020B0604020202020204" pitchFamily="34" charset="0"/>
+              <a:buChar char="•"/>
+              <a:defRPr sz="2000" kern="1200">
+                <a:solidFill>
+                  <a:schemeClr val="tx1"/>
+                </a:solidFill>
+                <a:latin typeface="+mn-lt"/>
+                <a:ea typeface="+mn-ea"/>
+                <a:cs typeface="+mn-cs"/>
+              </a:defRPr>
+            </a:lvl3pPr>
+            <a:lvl4pPr marL="1600200" indent="-228600" algn="l" defTabSz="914400" rtl="0" eaLnBrk="1" latinLnBrk="0" hangingPunct="1">
+              <a:lnSpc>
+                <a:spcPct val="90000"/>
+              </a:lnSpc>
+              <a:spcBef>
+                <a:spcPts val="500"/>
+              </a:spcBef>
+              <a:buFont typeface="Arial" panose="020B0604020202020204" pitchFamily="34" charset="0"/>
+              <a:buChar char="•"/>
+              <a:defRPr sz="1800" kern="1200">
+                <a:solidFill>
+                  <a:schemeClr val="tx1"/>
+                </a:solidFill>
+                <a:latin typeface="+mn-lt"/>
+                <a:ea typeface="+mn-ea"/>
+                <a:cs typeface="+mn-cs"/>
+              </a:defRPr>
+            </a:lvl4pPr>
+            <a:lvl5pPr marL="2057400" indent="-228600" algn="l" defTabSz="914400" rtl="0" eaLnBrk="1" latinLnBrk="0" hangingPunct="1">
+              <a:lnSpc>
+                <a:spcPct val="90000"/>
+              </a:lnSpc>
+              <a:spcBef>
+                <a:spcPts val="500"/>
+              </a:spcBef>
+              <a:buFont typeface="Arial" panose="020B0604020202020204" pitchFamily="34" charset="0"/>
+              <a:buChar char="•"/>
+              <a:defRPr sz="1800" kern="1200">
+                <a:solidFill>
+                  <a:schemeClr val="tx1"/>
+                </a:solidFill>
+                <a:latin typeface="+mn-lt"/>
+                <a:ea typeface="+mn-ea"/>
+                <a:cs typeface="+mn-cs"/>
+              </a:defRPr>
+            </a:lvl5pPr>
+            <a:lvl6pPr marL="2514600" indent="-228600" algn="l" defTabSz="914400" rtl="0" eaLnBrk="1" latinLnBrk="0" hangingPunct="1">
+              <a:lnSpc>
+                <a:spcPct val="90000"/>
+              </a:lnSpc>
+              <a:spcBef>
+                <a:spcPts val="500"/>
+              </a:spcBef>
+              <a:buFont typeface="Arial" panose="020B0604020202020204" pitchFamily="34" charset="0"/>
+              <a:buChar char="•"/>
+              <a:defRPr sz="1800" kern="1200">
+                <a:solidFill>
+                  <a:schemeClr val="tx1"/>
+                </a:solidFill>
+                <a:latin typeface="+mn-lt"/>
+                <a:ea typeface="+mn-ea"/>
+                <a:cs typeface="+mn-cs"/>
+              </a:defRPr>
+            </a:lvl6pPr>
+            <a:lvl7pPr marL="2971800" indent="-228600" algn="l" defTabSz="914400" rtl="0" eaLnBrk="1" latinLnBrk="0" hangingPunct="1">
+              <a:lnSpc>
+                <a:spcPct val="90000"/>
+              </a:lnSpc>
+              <a:spcBef>
+                <a:spcPts val="500"/>
+              </a:spcBef>
+              <a:buFont typeface="Arial" panose="020B0604020202020204" pitchFamily="34" charset="0"/>
+              <a:buChar char="•"/>
+              <a:defRPr sz="1800" kern="1200">
+                <a:solidFill>
+                  <a:schemeClr val="tx1"/>
+                </a:solidFill>
+                <a:latin typeface="+mn-lt"/>
+                <a:ea typeface="+mn-ea"/>
+                <a:cs typeface="+mn-cs"/>
+              </a:defRPr>
+            </a:lvl7pPr>
+            <a:lvl8pPr marL="3429000" indent="-228600" algn="l" defTabSz="914400" rtl="0" eaLnBrk="1" latinLnBrk="0" hangingPunct="1">
+              <a:lnSpc>
+                <a:spcPct val="90000"/>
+              </a:lnSpc>
+              <a:spcBef>
+                <a:spcPts val="500"/>
+              </a:spcBef>
+              <a:buFont typeface="Arial" panose="020B0604020202020204" pitchFamily="34" charset="0"/>
+              <a:buChar char="•"/>
+              <a:defRPr sz="1800" kern="1200">
+                <a:solidFill>
+                  <a:schemeClr val="tx1"/>
+                </a:solidFill>
+                <a:latin typeface="+mn-lt"/>
+                <a:ea typeface="+mn-ea"/>
+                <a:cs typeface="+mn-cs"/>
+              </a:defRPr>
+            </a:lvl8pPr>
+            <a:lvl9pPr marL="3886200" indent="-228600" algn="l" defTabSz="914400" rtl="0" eaLnBrk="1" latinLnBrk="0" hangingPunct="1">
+              <a:lnSpc>
+                <a:spcPct val="90000"/>
+              </a:lnSpc>
+              <a:spcBef>
+                <a:spcPts val="500"/>
+              </a:spcBef>
+              <a:buFont typeface="Arial" panose="020B0604020202020204" pitchFamily="34" charset="0"/>
+              <a:buChar char="•"/>
+              <a:defRPr sz="1800" kern="1200">
+                <a:solidFill>
+                  <a:schemeClr val="tx1"/>
+                </a:solidFill>
+                <a:latin typeface="+mn-lt"/>
+                <a:ea typeface="+mn-ea"/>
+                <a:cs typeface="+mn-cs"/>
+              </a:defRPr>
+            </a:lvl9pPr>
+          </a:lstStyle>
+          <a:p>
+            <a:r>
+              <a:rPr lang="en-US" dirty="0" smtClean="0"/>
+              <a:t>Profiles (and Features)</a:t>
+            </a:r>
+          </a:p>
+          <a:p>
+            <a:pPr lvl="1"/>
+            <a:r>
+              <a:rPr lang="en-US" sz="2000" dirty="0" smtClean="0"/>
+              <a:t>Feature spacing</a:t>
+            </a:r>
+          </a:p>
+          <a:p>
+            <a:pPr lvl="1"/>
+            <a:r>
+              <a:rPr lang="en-US" sz="2000" dirty="0" smtClean="0"/>
+              <a:t>Sinuosity</a:t>
+            </a:r>
+          </a:p>
+          <a:p>
+            <a:pPr lvl="1"/>
+            <a:r>
+              <a:rPr lang="en-US" sz="2000" dirty="0" smtClean="0"/>
+              <a:t>Length</a:t>
+            </a:r>
+          </a:p>
+          <a:p>
+            <a:pPr lvl="1"/>
+            <a:r>
+              <a:rPr lang="en-US" sz="2000" dirty="0" smtClean="0"/>
+              <a:t>Slopes (water, </a:t>
+            </a:r>
+            <a:r>
+              <a:rPr lang="en-US" sz="2000" dirty="0" err="1" smtClean="0"/>
+              <a:t>bankfull</a:t>
+            </a:r>
+            <a:r>
+              <a:rPr lang="en-US" sz="2000" dirty="0" smtClean="0"/>
+              <a:t>, etc.)</a:t>
+            </a:r>
+          </a:p>
+          <a:p>
+            <a:pPr lvl="1"/>
+            <a:r>
+              <a:rPr lang="en-US" sz="2000" dirty="0" smtClean="0"/>
+              <a:t>Max depth</a:t>
+            </a:r>
+          </a:p>
+          <a:p>
+            <a:pPr lvl="1"/>
+            <a:r>
+              <a:rPr lang="en-US" sz="2000" dirty="0" smtClean="0"/>
+              <a:t>Planform geometry*</a:t>
+            </a:r>
+          </a:p>
+          <a:p>
+            <a:pPr lvl="1"/>
+            <a:endParaRPr lang="en-US" dirty="0" smtClean="0"/>
+          </a:p>
+        </p:txBody>
+      </p:sp>
+      <p:pic>
+        <p:nvPicPr>
+          <p:cNvPr id="6" name="Picture 5"/>
+          <p:cNvPicPr>
+            <a:picLocks noChangeAspect="1"/>
+          </p:cNvPicPr>
+          <p:nvPr/>
+        </p:nvPicPr>
+        <p:blipFill>
+          <a:blip r:embed="rId2">
+            <a:extLst>
+              <a:ext uri="{28A0092B-C50C-407E-A947-70E740481C1C}">
+                <a14:useLocalDpi xmlns:a14="http://schemas.microsoft.com/office/drawing/2010/main" val="0"/>
+              </a:ext>
+            </a:extLst>
+          </a:blip>
+          <a:stretch>
+            <a:fillRect/>
+          </a:stretch>
+        </p:blipFill>
+        <p:spPr>
+          <a:xfrm>
+            <a:off x="4999892" y="4444820"/>
+            <a:ext cx="4000406" cy="491048"/>
+          </a:xfrm>
+          <a:prstGeom prst="rect">
+            <a:avLst/>
+          </a:prstGeom>
+        </p:spPr>
+      </p:pic>
+      <p:pic>
+        <p:nvPicPr>
+          <p:cNvPr id="8" name="Picture 7"/>
+          <p:cNvPicPr>
+            <a:picLocks noChangeAspect="1"/>
+          </p:cNvPicPr>
+          <p:nvPr/>
+        </p:nvPicPr>
+        <p:blipFill>
+          <a:blip r:embed="rId3">
+            <a:extLst>
+              <a:ext uri="{28A0092B-C50C-407E-A947-70E740481C1C}">
+                <a14:useLocalDpi xmlns:a14="http://schemas.microsoft.com/office/drawing/2010/main" val="0"/>
+              </a:ext>
+            </a:extLst>
+          </a:blip>
+          <a:stretch>
+            <a:fillRect/>
+          </a:stretch>
+        </p:blipFill>
+        <p:spPr>
+          <a:xfrm>
+            <a:off x="4999891" y="5231830"/>
+            <a:ext cx="6366805" cy="649165"/>
+          </a:xfrm>
+          <a:prstGeom prst="rect">
+            <a:avLst/>
+          </a:prstGeom>
+        </p:spPr>
+      </p:pic>
+      <p:pic>
+        <p:nvPicPr>
+          <p:cNvPr id="9" name="Picture 8"/>
+          <p:cNvPicPr>
+            <a:picLocks noChangeAspect="1"/>
+          </p:cNvPicPr>
+          <p:nvPr/>
+        </p:nvPicPr>
+        <p:blipFill>
+          <a:blip r:embed="rId4">
+            <a:extLst>
+              <a:ext uri="{28A0092B-C50C-407E-A947-70E740481C1C}">
+                <a14:useLocalDpi xmlns:a14="http://schemas.microsoft.com/office/drawing/2010/main" val="0"/>
+              </a:ext>
+            </a:extLst>
+          </a:blip>
+          <a:stretch>
+            <a:fillRect/>
+          </a:stretch>
+        </p:blipFill>
+        <p:spPr>
+          <a:xfrm>
+            <a:off x="4999891" y="6176959"/>
+            <a:ext cx="6811774" cy="492913"/>
+          </a:xfrm>
+          <a:prstGeom prst="rect">
+            <a:avLst/>
+          </a:prstGeom>
+        </p:spPr>
+      </p:pic>
+    </p:spTree>
+    <p:extLst>
+      <p:ext uri="{BB962C8B-B14F-4D97-AF65-F5344CB8AC3E}">
+        <p14:creationId xmlns:p14="http://schemas.microsoft.com/office/powerpoint/2010/main" val="1700757883"/>
+      </p:ext>
+    </p:extLst>
+  </p:cSld>
+  <p:clrMapOvr>
+    <a:masterClrMapping/>
+  </p:clrMapOvr>
+  <p:timing>
+    <p:tnLst>
+      <p:par>
+        <p:cTn id="1" dur="indefinite" restart="never" nodeType="tmRoot">
+          <p:childTnLst>
+            <p:seq concurrent="1" nextAc="seek">
+              <p:cTn id="2" dur="indefinite" nodeType="mainSeq">
+                <p:childTnLst>
+                  <p:par>
+                    <p:cTn id="3" fill="hold">
+                      <p:stCondLst>
+                        <p:cond delay="indefinite"/>
+                      </p:stCondLst>
+                      <p:childTnLst>
+                        <p:par>
+                          <p:cTn id="4" fill="hold">
+                            <p:stCondLst>
+                              <p:cond delay="0"/>
+                            </p:stCondLst>
+                            <p:childTnLst>
+                              <p:par>
+                                <p:cTn id="5" presetID="1" presetClass="entr" presetSubtype="0" fill="hold" grpId="0" nodeType="clickEffect">
+                                  <p:stCondLst>
+                                    <p:cond delay="0"/>
+                                  </p:stCondLst>
+                                  <p:childTnLst>
+                                    <p:set>
+                                      <p:cBhvr>
+                                        <p:cTn id="6" dur="1" fill="hold">
+                                          <p:stCondLst>
+                                            <p:cond delay="0"/>
+                                          </p:stCondLst>
+                                        </p:cTn>
+                                        <p:tgtEl>
+                                          <p:spTgt spid="3">
+                                            <p:txEl>
+                                              <p:pRg st="0" end="0"/>
+                                            </p:txEl>
+                                          </p:spTgt>
+                                        </p:tgtEl>
+                                        <p:attrNameLst>
+                                          <p:attrName>style.visibility</p:attrName>
+                                        </p:attrNameLst>
+                                      </p:cBhvr>
+                                      <p:to>
+                                        <p:strVal val="visible"/>
+                                      </p:to>
+                                    </p:set>
+                                  </p:childTnLst>
+                                </p:cTn>
+                              </p:par>
+                              <p:par>
+                                <p:cTn id="7" presetID="1" presetClass="entr" presetSubtype="0" fill="hold" grpId="0" nodeType="withEffect">
+                                  <p:stCondLst>
+                                    <p:cond delay="0"/>
+                                  </p:stCondLst>
+                                  <p:childTnLst>
+                                    <p:set>
+                                      <p:cBhvr>
+                                        <p:cTn id="8" dur="1" fill="hold">
+                                          <p:stCondLst>
+                                            <p:cond delay="0"/>
+                                          </p:stCondLst>
+                                        </p:cTn>
+                                        <p:tgtEl>
+                                          <p:spTgt spid="3">
+                                            <p:txEl>
+                                              <p:pRg st="1" end="1"/>
+                                            </p:txEl>
+                                          </p:spTgt>
+                                        </p:tgtEl>
+                                        <p:attrNameLst>
+                                          <p:attrName>style.visibility</p:attrName>
+                                        </p:attrNameLst>
+                                      </p:cBhvr>
+                                      <p:to>
+                                        <p:strVal val="visible"/>
+                                      </p:to>
+                                    </p:set>
+                                  </p:childTnLst>
+                                </p:cTn>
+                              </p:par>
+                              <p:par>
+                                <p:cTn id="9" presetID="1" presetClass="entr" presetSubtype="0" fill="hold" grpId="0" nodeType="withEffect">
+                                  <p:stCondLst>
+                                    <p:cond delay="0"/>
+                                  </p:stCondLst>
+                                  <p:childTnLst>
+                                    <p:set>
+                                      <p:cBhvr>
+                                        <p:cTn id="10" dur="1" fill="hold">
+                                          <p:stCondLst>
+                                            <p:cond delay="0"/>
+                                          </p:stCondLst>
+                                        </p:cTn>
+                                        <p:tgtEl>
+                                          <p:spTgt spid="3">
+                                            <p:txEl>
+                                              <p:pRg st="2" end="2"/>
+                                            </p:txEl>
+                                          </p:spTgt>
+                                        </p:tgtEl>
+                                        <p:attrNameLst>
+                                          <p:attrName>style.visibility</p:attrName>
+                                        </p:attrNameLst>
+                                      </p:cBhvr>
+                                      <p:to>
+                                        <p:strVal val="visible"/>
+                                      </p:to>
+                                    </p:set>
+                                  </p:childTnLst>
+                                </p:cTn>
+                              </p:par>
+                              <p:par>
+                                <p:cTn id="11" presetID="1" presetClass="entr" presetSubtype="0" fill="hold" grpId="0" nodeType="withEffect">
+                                  <p:stCondLst>
+                                    <p:cond delay="0"/>
+                                  </p:stCondLst>
+                                  <p:childTnLst>
+                                    <p:set>
+                                      <p:cBhvr>
+                                        <p:cTn id="12" dur="1" fill="hold">
+                                          <p:stCondLst>
+                                            <p:cond delay="0"/>
+                                          </p:stCondLst>
+                                        </p:cTn>
+                                        <p:tgtEl>
+                                          <p:spTgt spid="3">
+                                            <p:txEl>
+                                              <p:pRg st="3" end="3"/>
+                                            </p:txEl>
+                                          </p:spTgt>
+                                        </p:tgtEl>
+                                        <p:attrNameLst>
+                                          <p:attrName>style.visibility</p:attrName>
+                                        </p:attrNameLst>
+                                      </p:cBhvr>
+                                      <p:to>
+                                        <p:strVal val="visible"/>
+                                      </p:to>
+                                    </p:set>
+                                  </p:childTnLst>
+                                </p:cTn>
+                              </p:par>
+                              <p:par>
+                                <p:cTn id="13" presetID="1" presetClass="entr" presetSubtype="0" fill="hold" grpId="0" nodeType="withEffect">
+                                  <p:stCondLst>
+                                    <p:cond delay="0"/>
+                                  </p:stCondLst>
+                                  <p:childTnLst>
+                                    <p:set>
+                                      <p:cBhvr>
+                                        <p:cTn id="14" dur="1" fill="hold">
+                                          <p:stCondLst>
+                                            <p:cond delay="0"/>
+                                          </p:stCondLst>
+                                        </p:cTn>
+                                        <p:tgtEl>
+                                          <p:spTgt spid="3">
+                                            <p:txEl>
+                                              <p:pRg st="4" end="4"/>
+                                            </p:txEl>
+                                          </p:spTgt>
+                                        </p:tgtEl>
+                                        <p:attrNameLst>
+                                          <p:attrName>style.visibility</p:attrName>
+                                        </p:attrNameLst>
+                                      </p:cBhvr>
+                                      <p:to>
+                                        <p:strVal val="visible"/>
+                                      </p:to>
+                                    </p:set>
+                                  </p:childTnLst>
+                                </p:cTn>
+                              </p:par>
+                              <p:par>
+                                <p:cTn id="15" presetID="1" presetClass="entr" presetSubtype="0" fill="hold" grpId="0" nodeType="withEffect">
+                                  <p:stCondLst>
+                                    <p:cond delay="0"/>
+                                  </p:stCondLst>
+                                  <p:childTnLst>
+                                    <p:set>
+                                      <p:cBhvr>
+                                        <p:cTn id="16" dur="1" fill="hold">
+                                          <p:stCondLst>
+                                            <p:cond delay="0"/>
+                                          </p:stCondLst>
+                                        </p:cTn>
+                                        <p:tgtEl>
+                                          <p:spTgt spid="3">
+                                            <p:txEl>
+                                              <p:pRg st="5" end="5"/>
+                                            </p:txEl>
+                                          </p:spTgt>
+                                        </p:tgtEl>
+                                        <p:attrNameLst>
+                                          <p:attrName>style.visibility</p:attrName>
+                                        </p:attrNameLst>
+                                      </p:cBhvr>
+                                      <p:to>
+                                        <p:strVal val="visible"/>
+                                      </p:to>
+                                    </p:set>
+                                  </p:childTnLst>
+                                </p:cTn>
+                              </p:par>
+                              <p:par>
+                                <p:cTn id="17" presetID="1" presetClass="entr" presetSubtype="0" fill="hold" grpId="0" nodeType="withEffect">
+                                  <p:stCondLst>
+                                    <p:cond delay="0"/>
+                                  </p:stCondLst>
+                                  <p:childTnLst>
+                                    <p:set>
+                                      <p:cBhvr>
+                                        <p:cTn id="18" dur="1" fill="hold">
+                                          <p:stCondLst>
+                                            <p:cond delay="0"/>
+                                          </p:stCondLst>
+                                        </p:cTn>
+                                        <p:tgtEl>
+                                          <p:spTgt spid="3">
+                                            <p:txEl>
+                                              <p:pRg st="6" end="6"/>
+                                            </p:txEl>
+                                          </p:spTgt>
+                                        </p:tgtEl>
+                                        <p:attrNameLst>
+                                          <p:attrName>style.visibility</p:attrName>
+                                        </p:attrNameLst>
+                                      </p:cBhvr>
+                                      <p:to>
+                                        <p:strVal val="visible"/>
+                                      </p:to>
+                                    </p:set>
+                                  </p:childTnLst>
+                                </p:cTn>
+                              </p:par>
+                              <p:par>
+                                <p:cTn id="19" presetID="1" presetClass="entr" presetSubtype="0" fill="hold" grpId="0" nodeType="withEffect">
+                                  <p:stCondLst>
+                                    <p:cond delay="0"/>
+                                  </p:stCondLst>
+                                  <p:childTnLst>
+                                    <p:set>
+                                      <p:cBhvr>
+                                        <p:cTn id="20" dur="1" fill="hold">
+                                          <p:stCondLst>
+                                            <p:cond delay="0"/>
+                                          </p:stCondLst>
+                                        </p:cTn>
+                                        <p:tgtEl>
+                                          <p:spTgt spid="3">
+                                            <p:txEl>
+                                              <p:pRg st="7" end="7"/>
+                                            </p:txEl>
+                                          </p:spTgt>
+                                        </p:tgtEl>
+                                        <p:attrNameLst>
+                                          <p:attrName>style.visibility</p:attrName>
+                                        </p:attrNameLst>
+                                      </p:cBhvr>
+                                      <p:to>
+                                        <p:strVal val="visible"/>
+                                      </p:to>
+                                    </p:set>
+                                  </p:childTnLst>
+                                </p:cTn>
+                              </p:par>
+                              <p:par>
+                                <p:cTn id="21" presetID="1" presetClass="entr" presetSubtype="0" fill="hold" grpId="0" nodeType="withEffect">
+                                  <p:stCondLst>
+                                    <p:cond delay="0"/>
+                                  </p:stCondLst>
+                                  <p:childTnLst>
+                                    <p:set>
+                                      <p:cBhvr>
+                                        <p:cTn id="22" dur="1" fill="hold">
+                                          <p:stCondLst>
+                                            <p:cond delay="0"/>
+                                          </p:stCondLst>
+                                        </p:cTn>
+                                        <p:tgtEl>
+                                          <p:spTgt spid="3">
+                                            <p:txEl>
+                                              <p:pRg st="8" end="8"/>
+                                            </p:txEl>
+                                          </p:spTgt>
+                                        </p:tgtEl>
+                                        <p:attrNameLst>
+                                          <p:attrName>style.visibility</p:attrName>
+                                        </p:attrNameLst>
+                                      </p:cBhvr>
+                                      <p:to>
+                                        <p:strVal val="visible"/>
+                                      </p:to>
+                                    </p:set>
+                                  </p:childTnLst>
+                                </p:cTn>
+                              </p:par>
+                              <p:par>
+                                <p:cTn id="23" presetID="1" presetClass="entr" presetSubtype="0" fill="hold" grpId="0" nodeType="withEffect">
+                                  <p:stCondLst>
+                                    <p:cond delay="0"/>
+                                  </p:stCondLst>
+                                  <p:childTnLst>
+                                    <p:set>
+                                      <p:cBhvr>
+                                        <p:cTn id="24" dur="1" fill="hold">
+                                          <p:stCondLst>
+                                            <p:cond delay="0"/>
+                                          </p:stCondLst>
+                                        </p:cTn>
+                                        <p:tgtEl>
+                                          <p:spTgt spid="3">
+                                            <p:txEl>
+                                              <p:pRg st="9" end="9"/>
+                                            </p:txEl>
+                                          </p:spTgt>
+                                        </p:tgtEl>
+                                        <p:attrNameLst>
+                                          <p:attrName>style.visibility</p:attrName>
+                                        </p:attrNameLst>
+                                      </p:cBhvr>
+                                      <p:to>
+                                        <p:strVal val="visible"/>
+                                      </p:to>
+                                    </p:set>
+                                  </p:childTnLst>
+                                </p:cTn>
+                              </p:par>
+                              <p:par>
+                                <p:cTn id="25" presetID="1" presetClass="entr" presetSubtype="0" fill="hold" grpId="0" nodeType="withEffect">
+                                  <p:stCondLst>
+                                    <p:cond delay="0"/>
+                                  </p:stCondLst>
+                                  <p:childTnLst>
+                                    <p:set>
+                                      <p:cBhvr>
+                                        <p:cTn id="26" dur="1" fill="hold">
+                                          <p:stCondLst>
+                                            <p:cond delay="0"/>
+                                          </p:stCondLst>
+                                        </p:cTn>
+                                        <p:tgtEl>
+                                          <p:spTgt spid="3">
+                                            <p:txEl>
+                                              <p:pRg st="10" end="10"/>
+                                            </p:txEl>
+                                          </p:spTgt>
+                                        </p:tgtEl>
+                                        <p:attrNameLst>
+                                          <p:attrName>style.visibility</p:attrName>
+                                        </p:attrNameLst>
+                                      </p:cBhvr>
+                                      <p:to>
+                                        <p:strVal val="visible"/>
+                                      </p:to>
+                                    </p:set>
+                                  </p:childTnLst>
+                                </p:cTn>
+                              </p:par>
+                              <p:par>
+                                <p:cTn id="27" presetID="1" presetClass="entr" presetSubtype="0" fill="hold" grpId="0" nodeType="withEffect">
+                                  <p:stCondLst>
+                                    <p:cond delay="0"/>
+                                  </p:stCondLst>
+                                  <p:childTnLst>
+                                    <p:set>
+                                      <p:cBhvr>
+                                        <p:cTn id="28" dur="1" fill="hold">
+                                          <p:stCondLst>
+                                            <p:cond delay="0"/>
+                                          </p:stCondLst>
+                                        </p:cTn>
+                                        <p:tgtEl>
+                                          <p:spTgt spid="3">
+                                            <p:txEl>
+                                              <p:pRg st="11" end="11"/>
+                                            </p:txEl>
+                                          </p:spTgt>
+                                        </p:tgtEl>
+                                        <p:attrNameLst>
+                                          <p:attrName>style.visibility</p:attrName>
+                                        </p:attrNameLst>
+                                      </p:cBhvr>
+                                      <p:to>
+                                        <p:strVal val="visible"/>
+                                      </p:to>
+                                    </p:set>
+                                  </p:childTnLst>
+                                </p:cTn>
+                              </p:par>
+                              <p:par>
+                                <p:cTn id="29" presetID="1" presetClass="entr" presetSubtype="0" fill="hold" grpId="0" nodeType="withEffect">
+                                  <p:stCondLst>
+                                    <p:cond delay="0"/>
+                                  </p:stCondLst>
+                                  <p:childTnLst>
+                                    <p:set>
+                                      <p:cBhvr>
+                                        <p:cTn id="30" dur="1" fill="hold">
+                                          <p:stCondLst>
+                                            <p:cond delay="0"/>
+                                          </p:stCondLst>
+                                        </p:cTn>
+                                        <p:tgtEl>
+                                          <p:spTgt spid="3">
+                                            <p:txEl>
+                                              <p:pRg st="12" end="12"/>
+                                            </p:txEl>
+                                          </p:spTgt>
+                                        </p:tgtEl>
+                                        <p:attrNameLst>
+                                          <p:attrName>style.visibility</p:attrName>
+                                        </p:attrNameLst>
+                                      </p:cBhvr>
+                                      <p:to>
+                                        <p:strVal val="visible"/>
+                                      </p:to>
+                                    </p:set>
+                                  </p:childTnLst>
+                                </p:cTn>
+                              </p:par>
+                              <p:par>
+                                <p:cTn id="31" presetID="1" presetClass="entr" presetSubtype="0" fill="hold" grpId="0" nodeType="withEffect">
+                                  <p:stCondLst>
+                                    <p:cond delay="0"/>
+                                  </p:stCondLst>
+                                  <p:childTnLst>
+                                    <p:set>
+                                      <p:cBhvr>
+                                        <p:cTn id="32" dur="1" fill="hold">
+                                          <p:stCondLst>
+                                            <p:cond delay="0"/>
+                                          </p:stCondLst>
+                                        </p:cTn>
+                                        <p:tgtEl>
+                                          <p:spTgt spid="3">
+                                            <p:txEl>
+                                              <p:pRg st="13" end="13"/>
+                                            </p:txEl>
+                                          </p:spTgt>
+                                        </p:tgtEl>
+                                        <p:attrNameLst>
+                                          <p:attrName>style.visibility</p:attrName>
+                                        </p:attrNameLst>
+                                      </p:cBhvr>
+                                      <p:to>
+                                        <p:strVal val="visible"/>
+                                      </p:to>
+                                    </p:set>
+                                  </p:childTnLst>
+                                </p:cTn>
+                              </p:par>
+                              <p:par>
+                                <p:cTn id="33" presetID="1" presetClass="entr" presetSubtype="0" fill="hold" grpId="0" nodeType="withEffect">
+                                  <p:stCondLst>
+                                    <p:cond delay="0"/>
+                                  </p:stCondLst>
+                                  <p:childTnLst>
+                                    <p:set>
+                                      <p:cBhvr>
+                                        <p:cTn id="34" dur="1" fill="hold">
+                                          <p:stCondLst>
+                                            <p:cond delay="0"/>
+                                          </p:stCondLst>
+                                        </p:cTn>
+                                        <p:tgtEl>
+                                          <p:spTgt spid="3">
+                                            <p:txEl>
+                                              <p:pRg st="14" end="14"/>
+                                            </p:txEl>
+                                          </p:spTgt>
+                                        </p:tgtEl>
+                                        <p:attrNameLst>
+                                          <p:attrName>style.visibility</p:attrName>
+                                        </p:attrNameLst>
+                                      </p:cBhvr>
+                                      <p:to>
+                                        <p:strVal val="visible"/>
+                                      </p:to>
+                                    </p:set>
+                                  </p:childTnLst>
+                                </p:cTn>
+                              </p:par>
+                            </p:childTnLst>
+                          </p:cTn>
+                        </p:par>
+                      </p:childTnLst>
+                    </p:cTn>
+                  </p:par>
+                  <p:par>
+                    <p:cTn id="35" fill="hold">
+                      <p:stCondLst>
+                        <p:cond delay="indefinite"/>
+                      </p:stCondLst>
+                      <p:childTnLst>
+                        <p:par>
+                          <p:cTn id="36" fill="hold">
+                            <p:stCondLst>
+                              <p:cond delay="0"/>
+                            </p:stCondLst>
+                            <p:childTnLst>
+                              <p:par>
+                                <p:cTn id="37" presetID="1" presetClass="entr" presetSubtype="0" fill="hold" grpId="0" nodeType="clickEffect">
+                                  <p:stCondLst>
+                                    <p:cond delay="0"/>
+                                  </p:stCondLst>
+                                  <p:childTnLst>
+                                    <p:set>
+                                      <p:cBhvr>
+                                        <p:cTn id="38" dur="1" fill="hold">
+                                          <p:stCondLst>
+                                            <p:cond delay="0"/>
+                                          </p:stCondLst>
+                                        </p:cTn>
+                                        <p:tgtEl>
+                                          <p:spTgt spid="4"/>
+                                        </p:tgtEl>
+                                        <p:attrNameLst>
+                                          <p:attrName>style.visibility</p:attrName>
+                                        </p:attrNameLst>
+                                      </p:cBhvr>
+                                      <p:to>
+                                        <p:strVal val="visible"/>
+                                      </p:to>
+                                    </p:set>
+                                  </p:childTnLst>
+                                </p:cTn>
+                              </p:par>
+                            </p:childTnLst>
+                          </p:cTn>
+                        </p:par>
+                      </p:childTnLst>
+                    </p:cTn>
+                  </p:par>
+                  <p:par>
+                    <p:cTn id="39" fill="hold">
+                      <p:stCondLst>
+                        <p:cond delay="indefinite"/>
+                      </p:stCondLst>
+                      <p:childTnLst>
+                        <p:par>
+                          <p:cTn id="40" fill="hold">
+                            <p:stCondLst>
+                              <p:cond delay="0"/>
+                            </p:stCondLst>
+                            <p:childTnLst>
+                              <p:par>
+                                <p:cTn id="41" presetID="1" presetClass="entr" presetSubtype="0" fill="hold" grpId="0" nodeType="clickEffect">
+                                  <p:stCondLst>
+                                    <p:cond delay="0"/>
+                                  </p:stCondLst>
+                                  <p:childTnLst>
+                                    <p:set>
+                                      <p:cBhvr>
+                                        <p:cTn id="42" dur="1" fill="hold">
+                                          <p:stCondLst>
+                                            <p:cond delay="0"/>
+                                          </p:stCondLst>
+                                        </p:cTn>
+                                        <p:tgtEl>
+                                          <p:spTgt spid="10"/>
+                                        </p:tgtEl>
+                                        <p:attrNameLst>
+                                          <p:attrName>style.visibility</p:attrName>
+                                        </p:attrNameLst>
+                                      </p:cBhvr>
+                                      <p:to>
+                                        <p:strVal val="visible"/>
+                                      </p:to>
+                                    </p:set>
+                                  </p:childTnLst>
+                                </p:cTn>
+                              </p:par>
+                            </p:childTnLst>
+                          </p:cTn>
+                        </p:par>
+                      </p:childTnLst>
+                    </p:cTn>
+                  </p:par>
+                  <p:par>
+                    <p:cTn id="43" fill="hold">
+                      <p:stCondLst>
+                        <p:cond delay="indefinite"/>
+                      </p:stCondLst>
+                      <p:childTnLst>
+                        <p:par>
+                          <p:cTn id="44" fill="hold">
+                            <p:stCondLst>
+                              <p:cond delay="0"/>
+                            </p:stCondLst>
+                            <p:childTnLst>
+                              <p:par>
+                                <p:cTn id="45" presetID="1" presetClass="entr" presetSubtype="0" fill="hold" nodeType="clickEffect">
+                                  <p:stCondLst>
+                                    <p:cond delay="0"/>
+                                  </p:stCondLst>
+                                  <p:childTnLst>
+                                    <p:set>
+                                      <p:cBhvr>
+                                        <p:cTn id="46" dur="1" fill="hold">
+                                          <p:stCondLst>
+                                            <p:cond delay="0"/>
+                                          </p:stCondLst>
+                                        </p:cTn>
+                                        <p:tgtEl>
+                                          <p:spTgt spid="6"/>
+                                        </p:tgtEl>
+                                        <p:attrNameLst>
+                                          <p:attrName>style.visibility</p:attrName>
+                                        </p:attrNameLst>
+                                      </p:cBhvr>
+                                      <p:to>
+                                        <p:strVal val="visible"/>
+                                      </p:to>
+                                    </p:set>
+                                  </p:childTnLst>
+                                </p:cTn>
+                              </p:par>
+                            </p:childTnLst>
+                          </p:cTn>
+                        </p:par>
+                      </p:childTnLst>
+                    </p:cTn>
+                  </p:par>
+                  <p:par>
+                    <p:cTn id="47" fill="hold">
+                      <p:stCondLst>
+                        <p:cond delay="indefinite"/>
+                      </p:stCondLst>
+                      <p:childTnLst>
+                        <p:par>
+                          <p:cTn id="48" fill="hold">
+                            <p:stCondLst>
+                              <p:cond delay="0"/>
+                            </p:stCondLst>
+                            <p:childTnLst>
+                              <p:par>
+                                <p:cTn id="49" presetID="1" presetClass="entr" presetSubtype="0" fill="hold" grpId="0" nodeType="clickEffect">
+                                  <p:stCondLst>
+                                    <p:cond delay="0"/>
+                                  </p:stCondLst>
+                                  <p:childTnLst>
+                                    <p:set>
+                                      <p:cBhvr>
+                                        <p:cTn id="50" dur="1" fill="hold">
+                                          <p:stCondLst>
+                                            <p:cond delay="0"/>
+                                          </p:stCondLst>
+                                        </p:cTn>
+                                        <p:tgtEl>
+                                          <p:spTgt spid="11"/>
+                                        </p:tgtEl>
+                                        <p:attrNameLst>
+                                          <p:attrName>style.visibility</p:attrName>
+                                        </p:attrNameLst>
+                                      </p:cBhvr>
+                                      <p:to>
+                                        <p:strVal val="visible"/>
+                                      </p:to>
+                                    </p:set>
+                                  </p:childTnLst>
+                                </p:cTn>
+                              </p:par>
+                            </p:childTnLst>
+                          </p:cTn>
+                        </p:par>
+                      </p:childTnLst>
+                    </p:cTn>
+                  </p:par>
+                  <p:par>
+                    <p:cTn id="51" fill="hold">
+                      <p:stCondLst>
+                        <p:cond delay="indefinite"/>
+                      </p:stCondLst>
+                      <p:childTnLst>
+                        <p:par>
+                          <p:cTn id="52" fill="hold">
+                            <p:stCondLst>
+                              <p:cond delay="0"/>
+                            </p:stCondLst>
+                            <p:childTnLst>
+                              <p:par>
+                                <p:cTn id="53" presetID="1" presetClass="entr" presetSubtype="0" fill="hold" nodeType="clickEffect">
+                                  <p:stCondLst>
+                                    <p:cond delay="0"/>
+                                  </p:stCondLst>
+                                  <p:childTnLst>
+                                    <p:set>
+                                      <p:cBhvr>
+                                        <p:cTn id="54" dur="1" fill="hold">
+                                          <p:stCondLst>
+                                            <p:cond delay="0"/>
+                                          </p:stCondLst>
+                                        </p:cTn>
+                                        <p:tgtEl>
+                                          <p:spTgt spid="8"/>
+                                        </p:tgtEl>
+                                        <p:attrNameLst>
+                                          <p:attrName>style.visibility</p:attrName>
+                                        </p:attrNameLst>
+                                      </p:cBhvr>
+                                      <p:to>
+                                        <p:strVal val="visible"/>
+                                      </p:to>
+                                    </p:set>
+                                  </p:childTnLst>
+                                </p:cTn>
+                              </p:par>
+                            </p:childTnLst>
+                          </p:cTn>
+                        </p:par>
+                      </p:childTnLst>
+                    </p:cTn>
+                  </p:par>
+                  <p:par>
+                    <p:cTn id="55" fill="hold">
+                      <p:stCondLst>
+                        <p:cond delay="indefinite"/>
+                      </p:stCondLst>
+                      <p:childTnLst>
+                        <p:par>
+                          <p:cTn id="56" fill="hold">
+                            <p:stCondLst>
+                              <p:cond delay="0"/>
+                            </p:stCondLst>
+                            <p:childTnLst>
+                              <p:par>
+                                <p:cTn id="57" presetID="1" presetClass="entr" presetSubtype="0" fill="hold" grpId="0" nodeType="clickEffect">
+                                  <p:stCondLst>
+                                    <p:cond delay="0"/>
+                                  </p:stCondLst>
+                                  <p:childTnLst>
+                                    <p:set>
+                                      <p:cBhvr>
+                                        <p:cTn id="58" dur="1" fill="hold">
+                                          <p:stCondLst>
+                                            <p:cond delay="0"/>
+                                          </p:stCondLst>
+                                        </p:cTn>
+                                        <p:tgtEl>
+                                          <p:spTgt spid="12"/>
+                                        </p:tgtEl>
+                                        <p:attrNameLst>
+                                          <p:attrName>style.visibility</p:attrName>
+                                        </p:attrNameLst>
+                                      </p:cBhvr>
+                                      <p:to>
+                                        <p:strVal val="visible"/>
+                                      </p:to>
+                                    </p:set>
+                                  </p:childTnLst>
+                                </p:cTn>
+                              </p:par>
+                            </p:childTnLst>
+                          </p:cTn>
+                        </p:par>
+                      </p:childTnLst>
+                    </p:cTn>
+                  </p:par>
+                  <p:par>
+                    <p:cTn id="59" fill="hold">
+                      <p:stCondLst>
+                        <p:cond delay="indefinite"/>
+                      </p:stCondLst>
+                      <p:childTnLst>
+                        <p:par>
+                          <p:cTn id="60" fill="hold">
+                            <p:stCondLst>
+                              <p:cond delay="0"/>
+                            </p:stCondLst>
+                            <p:childTnLst>
+                              <p:par>
+                                <p:cTn id="61" presetID="1" presetClass="entr" presetSubtype="0" fill="hold" nodeType="clickEffect">
+                                  <p:stCondLst>
+                                    <p:cond delay="0"/>
+                                  </p:stCondLst>
+                                  <p:childTnLst>
+                                    <p:set>
+                                      <p:cBhvr>
+                                        <p:cTn id="62" dur="1" fill="hold">
+                                          <p:stCondLst>
+                                            <p:cond delay="0"/>
+                                          </p:stCondLst>
+                                        </p:cTn>
+                                        <p:tgtEl>
+                                          <p:spTgt spid="9"/>
+                                        </p:tgtEl>
+                                        <p:attrNameLst>
+                                          <p:attrName>style.visibility</p:attrName>
+                                        </p:attrNameLst>
+                                      </p:cBhvr>
+                                      <p:to>
+                                        <p:strVal val="visible"/>
+                                      </p:to>
+                                    </p:set>
+                                  </p:childTnLst>
+                                </p:cTn>
+                              </p:par>
+                            </p:childTnLst>
+                          </p:cTn>
+                        </p:par>
+                      </p:childTnLst>
+                    </p:cTn>
+                  </p:par>
+                </p:childTnLst>
+              </p:cTn>
+              <p:prevCondLst>
+                <p:cond evt="onPrev" delay="0">
+                  <p:tgtEl>
+                    <p:sldTgt/>
+                  </p:tgtEl>
+                </p:cond>
+              </p:prevCondLst>
+              <p:nextCondLst>
+                <p:cond evt="onNext" delay="0">
+                  <p:tgtEl>
+                    <p:sldTgt/>
+                  </p:tgtEl>
+                </p:cond>
+              </p:nextCondLst>
+            </p:seq>
+          </p:childTnLst>
+        </p:cTn>
+      </p:par>
+    </p:tnLst>
+    <p:bldLst>
+      <p:bldP spid="12" grpId="0" animBg="1"/>
+      <p:bldP spid="11" grpId="0" animBg="1"/>
+      <p:bldP spid="10" grpId="0" animBg="1"/>
+      <p:bldP spid="3" grpId="0" build="p"/>
+      <p:bldP spid="4" grpId="0"/>
+    </p:bldLst>
+  </p:timing>
+</p:sld>
+</file>
+
+<file path=ppt/slides/slide11.xml><?xml version="1.0" encoding="utf-8"?>
+<p:sld xmlns:a="http://schemas.openxmlformats.org/drawingml/2006/main" xmlns:r="http://schemas.openxmlformats.org/officeDocument/2006/relationships" xmlns:p="http://schemas.openxmlformats.org/presentationml/2006/main">
+  <p:cSld>
+    <p:spTree>
+      <p:nvGrpSpPr>
+        <p:cNvPr id="1" name=""/>
+        <p:cNvGrpSpPr/>
+        <p:nvPr/>
+      </p:nvGrpSpPr>
+      <p:grpSpPr>
+        <a:xfrm>
+          <a:off x="0" y="0"/>
+          <a:ext cx="0" cy="0"/>
+          <a:chOff x="0" y="0"/>
+          <a:chExt cx="0" cy="0"/>
+        </a:xfrm>
+      </p:grpSpPr>
+      <p:sp>
+        <p:nvSpPr>
+          <p:cNvPr id="2" name="Title 1"/>
+          <p:cNvSpPr>
+            <a:spLocks noGrp="1"/>
+          </p:cNvSpPr>
+          <p:nvPr>
+            <p:ph type="title"/>
+          </p:nvPr>
+        </p:nvSpPr>
+        <p:spPr/>
+        <p:txBody>
+          <a:bodyPr/>
+          <a:lstStyle/>
+          <a:p>
+            <a:r>
+              <a:rPr lang="en-US" dirty="0" smtClean="0"/>
+              <a:t>Profile modification</a:t>
+            </a:r>
+            <a:endParaRPr lang="en-US" dirty="0"/>
+          </a:p>
+        </p:txBody>
+      </p:sp>
+      <p:sp>
+        <p:nvSpPr>
+          <p:cNvPr id="3" name="Content Placeholder 2"/>
+          <p:cNvSpPr>
+            <a:spLocks noGrp="1"/>
+          </p:cNvSpPr>
+          <p:nvPr>
+            <p:ph idx="1"/>
+          </p:nvPr>
+        </p:nvSpPr>
+        <p:spPr>
+          <a:xfrm>
+            <a:off x="838200" y="1825625"/>
+            <a:ext cx="3719732" cy="4351338"/>
+          </a:xfrm>
+        </p:spPr>
+        <p:txBody>
+          <a:bodyPr/>
+          <a:lstStyle/>
+          <a:p>
+            <a:r>
+              <a:rPr lang="en-US" dirty="0" smtClean="0"/>
+              <a:t>Interpolating Features</a:t>
+            </a:r>
+          </a:p>
+          <a:p>
+            <a:r>
+              <a:rPr lang="en-US" dirty="0" smtClean="0"/>
+              <a:t>Repairing slopes</a:t>
+            </a:r>
+            <a:endParaRPr lang="en-US" dirty="0"/>
+          </a:p>
+        </p:txBody>
+      </p:sp>
+      <p:pic>
+        <p:nvPicPr>
+          <p:cNvPr id="9" name="Picture 8"/>
+          <p:cNvPicPr>
+            <a:picLocks noChangeAspect="1"/>
+          </p:cNvPicPr>
+          <p:nvPr/>
+        </p:nvPicPr>
+        <p:blipFill>
+          <a:blip r:embed="rId2" cstate="print">
+            <a:extLst>
+              <a:ext uri="{28A0092B-C50C-407E-A947-70E740481C1C}">
+                <a14:useLocalDpi xmlns:a14="http://schemas.microsoft.com/office/drawing/2010/main" val="0"/>
+              </a:ext>
+            </a:extLst>
+          </a:blip>
+          <a:stretch>
+            <a:fillRect/>
+          </a:stretch>
+        </p:blipFill>
+        <p:spPr>
+          <a:xfrm>
+            <a:off x="6409691" y="571555"/>
+            <a:ext cx="5041937" cy="2508139"/>
+          </a:xfrm>
+          <a:prstGeom prst="rect">
+            <a:avLst/>
+          </a:prstGeom>
+        </p:spPr>
+      </p:pic>
+      <p:pic>
+        <p:nvPicPr>
+          <p:cNvPr id="10" name="Picture 9"/>
+          <p:cNvPicPr>
+            <a:picLocks noChangeAspect="1"/>
+          </p:cNvPicPr>
+          <p:nvPr/>
+        </p:nvPicPr>
+        <p:blipFill>
+          <a:blip r:embed="rId3" cstate="print">
+            <a:extLst>
+              <a:ext uri="{28A0092B-C50C-407E-A947-70E740481C1C}">
+                <a14:useLocalDpi xmlns:a14="http://schemas.microsoft.com/office/drawing/2010/main" val="0"/>
+              </a:ext>
+            </a:extLst>
+          </a:blip>
+          <a:stretch>
+            <a:fillRect/>
+          </a:stretch>
+        </p:blipFill>
+        <p:spPr>
+          <a:xfrm>
+            <a:off x="6409691" y="3763923"/>
+            <a:ext cx="5041936" cy="2493404"/>
+          </a:xfrm>
+          <a:prstGeom prst="rect">
+            <a:avLst/>
+          </a:prstGeom>
+        </p:spPr>
+      </p:pic>
+      <p:pic>
+        <p:nvPicPr>
+          <p:cNvPr id="11" name="Picture 10"/>
+          <p:cNvPicPr>
+            <a:picLocks noChangeAspect="1"/>
+          </p:cNvPicPr>
+          <p:nvPr/>
+        </p:nvPicPr>
+        <p:blipFill>
+          <a:blip r:embed="rId4">
+            <a:extLst>
+              <a:ext uri="{28A0092B-C50C-407E-A947-70E740481C1C}">
+                <a14:useLocalDpi xmlns:a14="http://schemas.microsoft.com/office/drawing/2010/main" val="0"/>
+              </a:ext>
+            </a:extLst>
+          </a:blip>
+          <a:stretch>
+            <a:fillRect/>
+          </a:stretch>
+        </p:blipFill>
+        <p:spPr>
+          <a:xfrm>
+            <a:off x="838199" y="2896385"/>
+            <a:ext cx="4240133" cy="1731885"/>
+          </a:xfrm>
+          <a:prstGeom prst="rect">
+            <a:avLst/>
+          </a:prstGeom>
+        </p:spPr>
+      </p:pic>
+    </p:spTree>
+    <p:extLst>
+      <p:ext uri="{BB962C8B-B14F-4D97-AF65-F5344CB8AC3E}">
+        <p14:creationId xmlns:p14="http://schemas.microsoft.com/office/powerpoint/2010/main" val="2563360096"/>
+      </p:ext>
+    </p:extLst>
+  </p:cSld>
+  <p:clrMapOvr>
+    <a:masterClrMapping/>
+  </p:clrMapOvr>
+  <p:timing>
+    <p:tnLst>
+      <p:par>
+        <p:cTn id="1" dur="indefinite" restart="never" nodeType="tmRoot"/>
+      </p:par>
+    </p:tnLst>
+  </p:timing>
+</p:sld>
+</file>
+
+<file path=ppt/slides/slide12.xml><?xml version="1.0" encoding="utf-8"?>
+<p:sld xmlns:a="http://schemas.openxmlformats.org/drawingml/2006/main" xmlns:r="http://schemas.openxmlformats.org/officeDocument/2006/relationships" xmlns:p="http://schemas.openxmlformats.org/presentationml/2006/main">
+  <p:cSld>
+    <p:spTree>
+      <p:nvGrpSpPr>
+        <p:cNvPr id="1" name=""/>
+        <p:cNvGrpSpPr/>
+        <p:nvPr/>
+      </p:nvGrpSpPr>
+      <p:grpSpPr>
+        <a:xfrm>
+          <a:off x="0" y="0"/>
+          <a:ext cx="0" cy="0"/>
+          <a:chOff x="0" y="0"/>
+          <a:chExt cx="0" cy="0"/>
+        </a:xfrm>
+      </p:grpSpPr>
+      <p:sp>
+        <p:nvSpPr>
+          <p:cNvPr id="2" name="Title 1"/>
+          <p:cNvSpPr>
+            <a:spLocks noGrp="1"/>
+          </p:cNvSpPr>
+          <p:nvPr>
+            <p:ph type="title"/>
+          </p:nvPr>
+        </p:nvSpPr>
+        <p:spPr/>
+        <p:txBody>
+          <a:bodyPr/>
+          <a:lstStyle/>
+          <a:p>
+            <a:r>
+              <a:rPr lang="en-US" dirty="0" err="1" smtClean="0"/>
+              <a:t>CrossSection</a:t>
+            </a:r>
+            <a:r>
+              <a:rPr lang="en-US" dirty="0" smtClean="0"/>
+              <a:t> modification</a:t>
+            </a:r>
+            <a:endParaRPr lang="en-US" dirty="0"/>
+          </a:p>
+        </p:txBody>
+      </p:sp>
+      <p:pic>
+        <p:nvPicPr>
+          <p:cNvPr id="4" name="Content Placeholder 3"/>
+          <p:cNvPicPr>
+            <a:picLocks noGrp="1" noChangeAspect="1"/>
+          </p:cNvPicPr>
+          <p:nvPr>
+            <p:ph idx="1"/>
+          </p:nvPr>
+        </p:nvPicPr>
+        <p:blipFill>
+          <a:blip r:embed="rId2">
+            <a:extLst>
+              <a:ext uri="{28A0092B-C50C-407E-A947-70E740481C1C}">
+                <a14:useLocalDpi xmlns:a14="http://schemas.microsoft.com/office/drawing/2010/main" val="0"/>
+              </a:ext>
+            </a:extLst>
+          </a:blip>
+          <a:stretch>
+            <a:fillRect/>
+          </a:stretch>
+        </p:blipFill>
+        <p:spPr>
+          <a:xfrm>
+            <a:off x="838200" y="1860112"/>
+            <a:ext cx="5653129" cy="1076333"/>
+          </a:xfrm>
+        </p:spPr>
+      </p:pic>
+      <p:pic>
+        <p:nvPicPr>
+          <p:cNvPr id="5" name="Picture 4"/>
+          <p:cNvPicPr>
+            <a:picLocks noChangeAspect="1"/>
+          </p:cNvPicPr>
+          <p:nvPr/>
+        </p:nvPicPr>
+        <p:blipFill>
+          <a:blip r:embed="rId3" cstate="print">
+            <a:extLst>
+              <a:ext uri="{28A0092B-C50C-407E-A947-70E740481C1C}">
+                <a14:useLocalDpi xmlns:a14="http://schemas.microsoft.com/office/drawing/2010/main" val="0"/>
+              </a:ext>
+            </a:extLst>
+          </a:blip>
+          <a:stretch>
+            <a:fillRect/>
+          </a:stretch>
+        </p:blipFill>
+        <p:spPr>
+          <a:xfrm>
+            <a:off x="6167770" y="3422547"/>
+            <a:ext cx="5916637" cy="2896687"/>
+          </a:xfrm>
+          <a:prstGeom prst="rect">
+            <a:avLst/>
+          </a:prstGeom>
+        </p:spPr>
+      </p:pic>
+      <p:pic>
+        <p:nvPicPr>
+          <p:cNvPr id="6" name="Picture 5"/>
+          <p:cNvPicPr>
+            <a:picLocks noChangeAspect="1"/>
+          </p:cNvPicPr>
+          <p:nvPr/>
+        </p:nvPicPr>
+        <p:blipFill>
+          <a:blip r:embed="rId4" cstate="print">
+            <a:extLst>
+              <a:ext uri="{28A0092B-C50C-407E-A947-70E740481C1C}">
+                <a14:useLocalDpi xmlns:a14="http://schemas.microsoft.com/office/drawing/2010/main" val="0"/>
+              </a:ext>
+            </a:extLst>
+          </a:blip>
+          <a:stretch>
+            <a:fillRect/>
+          </a:stretch>
+        </p:blipFill>
+        <p:spPr>
+          <a:xfrm>
+            <a:off x="65593" y="3422547"/>
+            <a:ext cx="5916637" cy="2896687"/>
+          </a:xfrm>
+          <a:prstGeom prst="rect">
+            <a:avLst/>
+          </a:prstGeom>
+        </p:spPr>
+      </p:pic>
+    </p:spTree>
+    <p:extLst>
+      <p:ext uri="{BB962C8B-B14F-4D97-AF65-F5344CB8AC3E}">
+        <p14:creationId xmlns:p14="http://schemas.microsoft.com/office/powerpoint/2010/main" val="1461472788"/>
+      </p:ext>
+    </p:extLst>
+  </p:cSld>
+  <p:clrMapOvr>
+    <a:masterClrMapping/>
+  </p:clrMapOvr>
+  <p:timing>
+    <p:tnLst>
+      <p:par>
+        <p:cTn id="1" dur="indefinite" restart="never" nodeType="tmRoot"/>
+      </p:par>
+    </p:tnLst>
+  </p:timing>
+</p:sld>
+</file>
+
+<file path=ppt/slides/slide13.xml><?xml version="1.0" encoding="utf-8"?>
+<p:sld xmlns:a="http://schemas.openxmlformats.org/drawingml/2006/main" xmlns:r="http://schemas.openxmlformats.org/officeDocument/2006/relationships" xmlns:p="http://schemas.openxmlformats.org/presentationml/2006/main">
+  <p:cSld>
+    <p:spTree>
+      <p:nvGrpSpPr>
+        <p:cNvPr id="1" name=""/>
+        <p:cNvGrpSpPr/>
+        <p:nvPr/>
+      </p:nvGrpSpPr>
+      <p:grpSpPr>
+        <a:xfrm>
+          <a:off x="0" y="0"/>
+          <a:ext cx="0" cy="0"/>
+          <a:chOff x="0" y="0"/>
+          <a:chExt cx="0" cy="0"/>
+        </a:xfrm>
+      </p:grpSpPr>
+      <p:sp>
+        <p:nvSpPr>
+          <p:cNvPr id="7" name="Rectangle 6"/>
+          <p:cNvSpPr/>
+          <p:nvPr/>
+        </p:nvSpPr>
+        <p:spPr>
+          <a:xfrm>
+            <a:off x="1308295" y="4065563"/>
+            <a:ext cx="1420837" cy="351692"/>
+          </a:xfrm>
+          <a:prstGeom prst="rect">
+            <a:avLst/>
+          </a:prstGeom>
+          <a:solidFill>
+            <a:srgbClr val="FFC000"/>
+          </a:solidFill>
+        </p:spPr>
+        <p:style>
+          <a:lnRef idx="2">
+            <a:schemeClr val="accent1">
+              <a:shade val="50000"/>
+            </a:schemeClr>
+          </a:lnRef>
+          <a:fillRef idx="1">
+            <a:schemeClr val="accent1"/>
+          </a:fillRef>
+          <a:effectRef idx="0">
+            <a:schemeClr val="accent1"/>
+          </a:effectRef>
+          <a:fontRef idx="minor">
+            <a:schemeClr val="lt1"/>
+          </a:fontRef>
+        </p:style>
+        <p:txBody>
+          <a:bodyPr rtlCol="0" anchor="ctr"/>
+          <a:lstStyle/>
+          <a:p>
+            <a:pPr algn="ctr"/>
+            <a:endParaRPr lang="en-US"/>
+          </a:p>
+        </p:txBody>
+      </p:sp>
+      <p:sp>
+        <p:nvSpPr>
+          <p:cNvPr id="9" name="Rectangle 8"/>
+          <p:cNvSpPr/>
+          <p:nvPr/>
+        </p:nvSpPr>
+        <p:spPr>
+          <a:xfrm>
+            <a:off x="1308295" y="5385580"/>
+            <a:ext cx="1420836" cy="351692"/>
+          </a:xfrm>
+          <a:prstGeom prst="rect">
+            <a:avLst/>
+          </a:prstGeom>
+          <a:solidFill>
+            <a:srgbClr val="FFC000"/>
+          </a:solidFill>
+        </p:spPr>
+        <p:style>
+          <a:lnRef idx="2">
+            <a:schemeClr val="accent1">
+              <a:shade val="50000"/>
+            </a:schemeClr>
+          </a:lnRef>
+          <a:fillRef idx="1">
+            <a:schemeClr val="accent1"/>
+          </a:fillRef>
+          <a:effectRef idx="0">
+            <a:schemeClr val="accent1"/>
+          </a:effectRef>
+          <a:fontRef idx="minor">
+            <a:schemeClr val="lt1"/>
+          </a:fontRef>
+        </p:style>
+        <p:txBody>
+          <a:bodyPr rtlCol="0" anchor="ctr"/>
+          <a:lstStyle/>
+          <a:p>
+            <a:pPr algn="ctr"/>
+            <a:endParaRPr lang="en-US"/>
+          </a:p>
+        </p:txBody>
+      </p:sp>
+      <p:sp>
+        <p:nvSpPr>
+          <p:cNvPr id="2" name="Title 1"/>
+          <p:cNvSpPr>
+            <a:spLocks noGrp="1"/>
+          </p:cNvSpPr>
+          <p:nvPr>
+            <p:ph type="title"/>
+          </p:nvPr>
+        </p:nvSpPr>
+        <p:spPr/>
+        <p:txBody>
+          <a:bodyPr/>
+          <a:lstStyle/>
+          <a:p>
+            <a:r>
+              <a:rPr lang="en-US" dirty="0" smtClean="0"/>
+              <a:t>Other features</a:t>
+            </a:r>
+            <a:endParaRPr lang="en-US" dirty="0"/>
+          </a:p>
+        </p:txBody>
+      </p:sp>
+      <p:sp>
+        <p:nvSpPr>
+          <p:cNvPr id="3" name="Content Placeholder 2"/>
+          <p:cNvSpPr>
+            <a:spLocks noGrp="1"/>
+          </p:cNvSpPr>
+          <p:nvPr>
+            <p:ph idx="1"/>
+          </p:nvPr>
+        </p:nvSpPr>
+        <p:spPr>
+          <a:xfrm>
+            <a:off x="838200" y="1572491"/>
+            <a:ext cx="10515600" cy="4351338"/>
+          </a:xfrm>
+        </p:spPr>
+        <p:txBody>
+          <a:bodyPr>
+            <a:normAutofit fontScale="92500" lnSpcReduction="20000"/>
+          </a:bodyPr>
+          <a:lstStyle/>
+          <a:p>
+            <a:r>
+              <a:rPr lang="en-US" dirty="0" smtClean="0"/>
+              <a:t>Rating curve generation*</a:t>
+            </a:r>
+          </a:p>
+          <a:p>
+            <a:r>
+              <a:rPr lang="en-US" dirty="0" smtClean="0"/>
+              <a:t>Profile interpolation and smoothing</a:t>
+            </a:r>
+          </a:p>
+          <a:p>
+            <a:r>
+              <a:rPr lang="en-US" dirty="0" err="1" smtClean="0"/>
+              <a:t>Trendline</a:t>
+            </a:r>
+            <a:r>
+              <a:rPr lang="en-US" dirty="0" smtClean="0"/>
+              <a:t> fitting</a:t>
+            </a:r>
+          </a:p>
+          <a:p>
+            <a:endParaRPr lang="en-US" dirty="0" smtClean="0"/>
+          </a:p>
+          <a:p>
+            <a:r>
+              <a:rPr lang="en-US" dirty="0" smtClean="0"/>
+              <a:t>Grain size analysis</a:t>
+            </a:r>
+          </a:p>
+          <a:p>
+            <a:pPr lvl="1"/>
+            <a:r>
+              <a:rPr lang="en-US" dirty="0" err="1" smtClean="0"/>
+              <a:t>dX</a:t>
+            </a:r>
+            <a:r>
+              <a:rPr lang="en-US" dirty="0" smtClean="0"/>
+              <a:t> particle size</a:t>
+            </a:r>
+          </a:p>
+          <a:p>
+            <a:pPr lvl="1"/>
+            <a:r>
+              <a:rPr lang="en-US" dirty="0" smtClean="0"/>
+              <a:t>Sorting, skewness, kurtosis</a:t>
+            </a:r>
+          </a:p>
+          <a:p>
+            <a:pPr lvl="1"/>
+            <a:r>
+              <a:rPr lang="en-US" dirty="0" smtClean="0"/>
+              <a:t>Plotting</a:t>
+            </a:r>
+          </a:p>
+          <a:p>
+            <a:r>
+              <a:rPr lang="en-US" dirty="0" smtClean="0"/>
+              <a:t>Reference reach analysis</a:t>
+            </a:r>
+          </a:p>
+          <a:p>
+            <a:pPr lvl="1"/>
+            <a:r>
+              <a:rPr lang="en-US" dirty="0" smtClean="0"/>
+              <a:t>Lines of best fit</a:t>
+            </a:r>
+          </a:p>
+          <a:p>
+            <a:pPr lvl="1"/>
+            <a:r>
+              <a:rPr lang="en-US" dirty="0" smtClean="0"/>
+              <a:t>Confidence intervals</a:t>
+            </a:r>
+          </a:p>
+          <a:p>
+            <a:pPr lvl="1"/>
+            <a:r>
+              <a:rPr lang="en-US" dirty="0" smtClean="0"/>
+              <a:t>Plotting</a:t>
+            </a:r>
+          </a:p>
+          <a:p>
+            <a:endParaRPr lang="en-US" dirty="0" smtClean="0"/>
+          </a:p>
+        </p:txBody>
+      </p:sp>
+      <p:pic>
+        <p:nvPicPr>
+          <p:cNvPr id="12" name="Picture 11"/>
+          <p:cNvPicPr>
+            <a:picLocks noChangeAspect="1"/>
+          </p:cNvPicPr>
+          <p:nvPr/>
+        </p:nvPicPr>
+        <p:blipFill>
+          <a:blip r:embed="rId2" cstate="print">
+            <a:extLst>
+              <a:ext uri="{28A0092B-C50C-407E-A947-70E740481C1C}">
+                <a14:useLocalDpi xmlns:a14="http://schemas.microsoft.com/office/drawing/2010/main" val="0"/>
+              </a:ext>
+            </a:extLst>
+          </a:blip>
+          <a:stretch>
+            <a:fillRect/>
+          </a:stretch>
+        </p:blipFill>
+        <p:spPr>
+          <a:xfrm>
+            <a:off x="6006903" y="3539454"/>
+            <a:ext cx="6093071" cy="3064778"/>
+          </a:xfrm>
+          <a:prstGeom prst="rect">
+            <a:avLst/>
+          </a:prstGeom>
+        </p:spPr>
+      </p:pic>
+      <p:pic>
+        <p:nvPicPr>
+          <p:cNvPr id="13" name="Picture 12"/>
+          <p:cNvPicPr>
+            <a:picLocks noChangeAspect="1"/>
+          </p:cNvPicPr>
+          <p:nvPr/>
+        </p:nvPicPr>
+        <p:blipFill>
+          <a:blip r:embed="rId3" cstate="print">
+            <a:extLst>
+              <a:ext uri="{28A0092B-C50C-407E-A947-70E740481C1C}">
+                <a14:useLocalDpi xmlns:a14="http://schemas.microsoft.com/office/drawing/2010/main" val="0"/>
+              </a:ext>
+            </a:extLst>
+          </a:blip>
+          <a:stretch>
+            <a:fillRect/>
+          </a:stretch>
+        </p:blipFill>
+        <p:spPr>
+          <a:xfrm>
+            <a:off x="6006902" y="331142"/>
+            <a:ext cx="6093073" cy="3049072"/>
+          </a:xfrm>
+          <a:prstGeom prst="rect">
+            <a:avLst/>
+          </a:prstGeom>
+        </p:spPr>
+      </p:pic>
+    </p:spTree>
+    <p:extLst>
+      <p:ext uri="{BB962C8B-B14F-4D97-AF65-F5344CB8AC3E}">
+        <p14:creationId xmlns:p14="http://schemas.microsoft.com/office/powerpoint/2010/main" val="644922632"/>
+      </p:ext>
+    </p:extLst>
+  </p:cSld>
+  <p:clrMapOvr>
+    <a:masterClrMapping/>
+  </p:clrMapOvr>
+  <p:timing>
+    <p:tnLst>
+      <p:par>
+        <p:cTn id="1" dur="indefinite" restart="never" nodeType="tmRoot">
+          <p:childTnLst>
+            <p:seq concurrent="1" nextAc="seek">
+              <p:cTn id="2" dur="indefinite" nodeType="mainSeq">
+                <p:childTnLst>
+                  <p:par>
+                    <p:cTn id="3" fill="hold">
+                      <p:stCondLst>
+                        <p:cond delay="indefinite"/>
+                      </p:stCondLst>
+                      <p:childTnLst>
+                        <p:par>
+                          <p:cTn id="4" fill="hold">
+                            <p:stCondLst>
+                              <p:cond delay="0"/>
+                            </p:stCondLst>
+                            <p:childTnLst>
+                              <p:par>
+                                <p:cTn id="5" presetID="1" presetClass="entr" presetSubtype="0" fill="hold" grpId="0" nodeType="clickEffect">
+                                  <p:stCondLst>
+                                    <p:cond delay="0"/>
+                                  </p:stCondLst>
+                                  <p:childTnLst>
+                                    <p:set>
+                                      <p:cBhvr>
+                                        <p:cTn id="6" dur="1" fill="hold">
+                                          <p:stCondLst>
+                                            <p:cond delay="0"/>
+                                          </p:stCondLst>
+                                        </p:cTn>
+                                        <p:tgtEl>
+                                          <p:spTgt spid="7"/>
+                                        </p:tgtEl>
+                                        <p:attrNameLst>
+                                          <p:attrName>style.visibility</p:attrName>
+                                        </p:attrNameLst>
+                                      </p:cBhvr>
+                                      <p:to>
+                                        <p:strVal val="visible"/>
+                                      </p:to>
+                                    </p:set>
+                                  </p:childTnLst>
+                                </p:cTn>
+                              </p:par>
+                            </p:childTnLst>
+                          </p:cTn>
+                        </p:par>
+                      </p:childTnLst>
+                    </p:cTn>
+                  </p:par>
+                  <p:par>
+                    <p:cTn id="7" fill="hold">
+                      <p:stCondLst>
+                        <p:cond delay="indefinite"/>
+                      </p:stCondLst>
+                      <p:childTnLst>
+                        <p:par>
+                          <p:cTn id="8" fill="hold">
+                            <p:stCondLst>
+                              <p:cond delay="0"/>
+                            </p:stCondLst>
+                            <p:childTnLst>
+                              <p:par>
+                                <p:cTn id="9" presetID="1" presetClass="entr" presetSubtype="0" fill="hold" nodeType="clickEffect">
+                                  <p:stCondLst>
+                                    <p:cond delay="0"/>
+                                  </p:stCondLst>
+                                  <p:childTnLst>
+                                    <p:set>
+                                      <p:cBhvr>
+                                        <p:cTn id="10" dur="1" fill="hold">
+                                          <p:stCondLst>
+                                            <p:cond delay="0"/>
+                                          </p:stCondLst>
+                                        </p:cTn>
+                                        <p:tgtEl>
+                                          <p:spTgt spid="13"/>
+                                        </p:tgtEl>
+                                        <p:attrNameLst>
+                                          <p:attrName>style.visibility</p:attrName>
+                                        </p:attrNameLst>
+                                      </p:cBhvr>
+                                      <p:to>
+                                        <p:strVal val="visible"/>
+                                      </p:to>
+                                    </p:set>
+                                  </p:childTnLst>
+                                </p:cTn>
+                              </p:par>
+                            </p:childTnLst>
+                          </p:cTn>
+                        </p:par>
+                      </p:childTnLst>
+                    </p:cTn>
+                  </p:par>
+                  <p:par>
+                    <p:cTn id="11" fill="hold">
+                      <p:stCondLst>
+                        <p:cond delay="indefinite"/>
+                      </p:stCondLst>
+                      <p:childTnLst>
+                        <p:par>
+                          <p:cTn id="12" fill="hold">
+                            <p:stCondLst>
+                              <p:cond delay="0"/>
+                            </p:stCondLst>
+                            <p:childTnLst>
+                              <p:par>
+                                <p:cTn id="13" presetID="1" presetClass="entr" presetSubtype="0" fill="hold" grpId="0" nodeType="clickEffect">
+                                  <p:stCondLst>
+                                    <p:cond delay="0"/>
+                                  </p:stCondLst>
+                                  <p:childTnLst>
+                                    <p:set>
+                                      <p:cBhvr>
+                                        <p:cTn id="14" dur="1" fill="hold">
+                                          <p:stCondLst>
+                                            <p:cond delay="0"/>
+                                          </p:stCondLst>
+                                        </p:cTn>
+                                        <p:tgtEl>
+                                          <p:spTgt spid="9"/>
+                                        </p:tgtEl>
+                                        <p:attrNameLst>
+                                          <p:attrName>style.visibility</p:attrName>
+                                        </p:attrNameLst>
+                                      </p:cBhvr>
+                                      <p:to>
+                                        <p:strVal val="visible"/>
+                                      </p:to>
+                                    </p:set>
+                                  </p:childTnLst>
+                                </p:cTn>
+                              </p:par>
+                            </p:childTnLst>
+                          </p:cTn>
+                        </p:par>
+                      </p:childTnLst>
+                    </p:cTn>
+                  </p:par>
+                  <p:par>
+                    <p:cTn id="15" fill="hold">
+                      <p:stCondLst>
+                        <p:cond delay="indefinite"/>
+                      </p:stCondLst>
+                      <p:childTnLst>
+                        <p:par>
+                          <p:cTn id="16" fill="hold">
+                            <p:stCondLst>
+                              <p:cond delay="0"/>
+                            </p:stCondLst>
+                            <p:childTnLst>
+                              <p:par>
+                                <p:cTn id="17" presetID="1" presetClass="entr" presetSubtype="0" fill="hold" nodeType="clickEffect">
+                                  <p:stCondLst>
+                                    <p:cond delay="0"/>
+                                  </p:stCondLst>
+                                  <p:childTnLst>
+                                    <p:set>
+                                      <p:cBhvr>
+                                        <p:cTn id="18" dur="1" fill="hold">
+                                          <p:stCondLst>
+                                            <p:cond delay="0"/>
+                                          </p:stCondLst>
+                                        </p:cTn>
+                                        <p:tgtEl>
+                                          <p:spTgt spid="12"/>
+                                        </p:tgtEl>
+                                        <p:attrNameLst>
+                                          <p:attrName>style.visibility</p:attrName>
+                                        </p:attrNameLst>
+                                      </p:cBhvr>
+                                      <p:to>
+                                        <p:strVal val="visible"/>
+                                      </p:to>
+                                    </p:set>
+                                  </p:childTnLst>
+                                </p:cTn>
+                              </p:par>
+                            </p:childTnLst>
+                          </p:cTn>
+                        </p:par>
+                      </p:childTnLst>
+                    </p:cTn>
+                  </p:par>
+                </p:childTnLst>
+              </p:cTn>
+              <p:prevCondLst>
+                <p:cond evt="onPrev" delay="0">
+                  <p:tgtEl>
+                    <p:sldTgt/>
+                  </p:tgtEl>
+                </p:cond>
+              </p:prevCondLst>
+              <p:nextCondLst>
+                <p:cond evt="onNext" delay="0">
+                  <p:tgtEl>
+                    <p:sldTgt/>
+                  </p:tgtEl>
+                </p:cond>
+              </p:nextCondLst>
+            </p:seq>
+          </p:childTnLst>
+        </p:cTn>
+      </p:par>
+    </p:tnLst>
+    <p:bldLst>
+      <p:bldP spid="7" grpId="0" animBg="1"/>
+      <p:bldP spid="9" grpId="0" animBg="1"/>
+    </p:bldLst>
+  </p:timing>
+</p:sld>
+</file>
+
+<file path=ppt/slides/slide14.xml><?xml version="1.0" encoding="utf-8"?>
+<p:sld xmlns:a="http://schemas.openxmlformats.org/drawingml/2006/main" xmlns:r="http://schemas.openxmlformats.org/officeDocument/2006/relationships" xmlns:p="http://schemas.openxmlformats.org/presentationml/2006/main">
+  <p:cSld>
+    <p:spTree>
+      <p:nvGrpSpPr>
+        <p:cNvPr id="1" name=""/>
+        <p:cNvGrpSpPr/>
+        <p:nvPr/>
+      </p:nvGrpSpPr>
+      <p:grpSpPr>
+        <a:xfrm>
+          <a:off x="0" y="0"/>
+          <a:ext cx="0" cy="0"/>
+          <a:chOff x="0" y="0"/>
+          <a:chExt cx="0" cy="0"/>
+        </a:xfrm>
+      </p:grpSpPr>
+      <p:sp>
+        <p:nvSpPr>
+          <p:cNvPr id="2" name="Title 1"/>
+          <p:cNvSpPr>
+            <a:spLocks noGrp="1"/>
+          </p:cNvSpPr>
+          <p:nvPr>
+            <p:ph type="title"/>
+          </p:nvPr>
+        </p:nvSpPr>
+        <p:spPr/>
+        <p:txBody>
+          <a:bodyPr/>
+          <a:lstStyle/>
+          <a:p>
+            <a:r>
+              <a:rPr lang="en-US" dirty="0" smtClean="0"/>
+              <a:t>Predictive algorithms</a:t>
+            </a:r>
+            <a:endParaRPr lang="en-US" dirty="0"/>
+          </a:p>
+        </p:txBody>
+      </p:sp>
+      <p:sp>
+        <p:nvSpPr>
+          <p:cNvPr id="3" name="Content Placeholder 2"/>
+          <p:cNvSpPr>
+            <a:spLocks noGrp="1"/>
+          </p:cNvSpPr>
+          <p:nvPr>
+            <p:ph idx="1"/>
+          </p:nvPr>
+        </p:nvSpPr>
+        <p:spPr/>
+        <p:txBody>
+          <a:bodyPr/>
+          <a:lstStyle/>
+          <a:p>
+            <a:r>
+              <a:rPr lang="en-US" dirty="0" smtClean="0"/>
+              <a:t>Algorithms meant to facilitate the analysis of stream data that is lacking field callouts and cannot be manually inspected</a:t>
+            </a:r>
+          </a:p>
+          <a:p>
+            <a:pPr lvl="1"/>
+            <a:r>
+              <a:rPr lang="en-US" dirty="0" smtClean="0"/>
+              <a:t>Large amounts of remotely sensed data</a:t>
+            </a:r>
+          </a:p>
+          <a:p>
+            <a:pPr lvl="1"/>
+            <a:r>
+              <a:rPr lang="en-US" dirty="0" smtClean="0"/>
+              <a:t>Meta-analyses that include data with irregularly formatted/inconsistent callouts</a:t>
+            </a:r>
+          </a:p>
+        </p:txBody>
+      </p:sp>
+    </p:spTree>
+    <p:extLst>
+      <p:ext uri="{BB962C8B-B14F-4D97-AF65-F5344CB8AC3E}">
+        <p14:creationId xmlns:p14="http://schemas.microsoft.com/office/powerpoint/2010/main" val="640441948"/>
+      </p:ext>
+    </p:extLst>
+  </p:cSld>
+  <p:clrMapOvr>
+    <a:masterClrMapping/>
+  </p:clrMapOvr>
+  <p:timing>
+    <p:tnLst>
+      <p:par>
+        <p:cTn id="1" dur="indefinite" restart="never" nodeType="tmRoot">
+          <p:childTnLst>
+            <p:seq concurrent="1" nextAc="seek">
+              <p:cTn id="2" dur="indefinite" nodeType="mainSeq">
+                <p:childTnLst>
+                  <p:par>
+                    <p:cTn id="3" fill="hold">
+                      <p:stCondLst>
+                        <p:cond delay="indefinite"/>
+                      </p:stCondLst>
+                      <p:childTnLst>
+                        <p:par>
+                          <p:cTn id="4" fill="hold">
+                            <p:stCondLst>
+                              <p:cond delay="0"/>
+                            </p:stCondLst>
+                            <p:childTnLst>
+                              <p:par>
+                                <p:cTn id="5" presetID="1" presetClass="entr" presetSubtype="0" fill="hold" nodeType="clickEffect">
+                                  <p:stCondLst>
+                                    <p:cond delay="0"/>
+                                  </p:stCondLst>
+                                  <p:childTnLst>
+                                    <p:set>
+                                      <p:cBhvr>
+                                        <p:cTn id="6" dur="1" fill="hold">
+                                          <p:stCondLst>
+                                            <p:cond delay="0"/>
+                                          </p:stCondLst>
+                                        </p:cTn>
+                                        <p:tgtEl>
+                                          <p:spTgt spid="3">
+                                            <p:txEl>
+                                              <p:pRg st="1" end="1"/>
+                                            </p:txEl>
+                                          </p:spTgt>
+                                        </p:tgtEl>
+                                        <p:attrNameLst>
+                                          <p:attrName>style.visibility</p:attrName>
+                                        </p:attrNameLst>
+                                      </p:cBhvr>
+                                      <p:to>
+                                        <p:strVal val="visible"/>
+                                      </p:to>
+                                    </p:set>
+                                  </p:childTnLst>
+                                </p:cTn>
+                              </p:par>
+                              <p:par>
+                                <p:cTn id="7" presetID="1" presetClass="entr" presetSubtype="0" fill="hold" nodeType="withEffect">
+                                  <p:stCondLst>
+                                    <p:cond delay="0"/>
+                                  </p:stCondLst>
+                                  <p:childTnLst>
+                                    <p:set>
+                                      <p:cBhvr>
+                                        <p:cTn id="8" dur="1" fill="hold">
+                                          <p:stCondLst>
+                                            <p:cond delay="0"/>
+                                          </p:stCondLst>
+                                        </p:cTn>
+                                        <p:tgtEl>
+                                          <p:spTgt spid="3">
+                                            <p:txEl>
+                                              <p:pRg st="2" end="2"/>
+                                            </p:txEl>
+                                          </p:spTgt>
+                                        </p:tgtEl>
+                                        <p:attrNameLst>
+                                          <p:attrName>style.visibility</p:attrName>
+                                        </p:attrNameLst>
+                                      </p:cBhvr>
+                                      <p:to>
+                                        <p:strVal val="visible"/>
+                                      </p:to>
+                                    </p:set>
+                                  </p:childTnLst>
+                                </p:cTn>
+                              </p:par>
+                            </p:childTnLst>
+                          </p:cTn>
+                        </p:par>
+                      </p:childTnLst>
+                    </p:cTn>
+                  </p:par>
+                </p:childTnLst>
+              </p:cTn>
+              <p:prevCondLst>
+                <p:cond evt="onPrev" delay="0">
+                  <p:tgtEl>
+                    <p:sldTgt/>
+                  </p:tgtEl>
+                </p:cond>
+              </p:prevCondLst>
+              <p:nextCondLst>
+                <p:cond evt="onNext" delay="0">
+                  <p:tgtEl>
+                    <p:sldTgt/>
+                  </p:tgtEl>
+                </p:cond>
+              </p:nextCondLst>
+            </p:seq>
+          </p:childTnLst>
+        </p:cTn>
+      </p:par>
+    </p:tnLst>
+  </p:timing>
+</p:sld>
+</file>
+
+<file path=ppt/slides/slide15.xml><?xml version="1.0" encoding="utf-8"?>
+<p:sld xmlns:a="http://schemas.openxmlformats.org/drawingml/2006/main" xmlns:r="http://schemas.openxmlformats.org/officeDocument/2006/relationships" xmlns:p="http://schemas.openxmlformats.org/presentationml/2006/main">
+  <p:cSld>
+    <p:spTree>
+      <p:nvGrpSpPr>
+        <p:cNvPr id="1" name=""/>
+        <p:cNvGrpSpPr/>
+        <p:nvPr/>
+      </p:nvGrpSpPr>
+      <p:grpSpPr>
+        <a:xfrm>
+          <a:off x="0" y="0"/>
+          <a:ext cx="0" cy="0"/>
+          <a:chOff x="0" y="0"/>
+          <a:chExt cx="0" cy="0"/>
+        </a:xfrm>
+      </p:grpSpPr>
+      <p:sp>
+        <p:nvSpPr>
+          <p:cNvPr id="2" name="Title 1"/>
+          <p:cNvSpPr>
+            <a:spLocks noGrp="1"/>
+          </p:cNvSpPr>
+          <p:nvPr>
+            <p:ph type="title"/>
+          </p:nvPr>
+        </p:nvSpPr>
+        <p:spPr/>
+        <p:txBody>
+          <a:bodyPr/>
+          <a:lstStyle/>
+          <a:p>
+            <a:r>
+              <a:rPr lang="en-US" dirty="0" smtClean="0"/>
+              <a:t>Predictive algorithms</a:t>
+            </a:r>
+            <a:endParaRPr lang="en-US" dirty="0"/>
+          </a:p>
+        </p:txBody>
+      </p:sp>
+      <p:sp>
+        <p:nvSpPr>
+          <p:cNvPr id="3" name="Content Placeholder 2"/>
+          <p:cNvSpPr>
+            <a:spLocks noGrp="1"/>
+          </p:cNvSpPr>
+          <p:nvPr>
+            <p:ph idx="1"/>
+          </p:nvPr>
+        </p:nvSpPr>
+        <p:spPr/>
+        <p:txBody>
+          <a:bodyPr/>
+          <a:lstStyle/>
+          <a:p>
+            <a:r>
+              <a:rPr lang="en-US" dirty="0" smtClean="0"/>
+              <a:t>Top of bank identification</a:t>
+            </a:r>
+          </a:p>
+          <a:p>
+            <a:pPr lvl="1"/>
+            <a:r>
+              <a:rPr lang="en-US" dirty="0" smtClean="0"/>
+              <a:t>Find the elevation of maximum flow release in a cross section</a:t>
+            </a:r>
+          </a:p>
+          <a:p>
+            <a:r>
+              <a:rPr lang="en-US" dirty="0" smtClean="0"/>
+              <a:t>Substrate differentiation*</a:t>
+            </a:r>
+          </a:p>
+          <a:p>
+            <a:pPr lvl="1"/>
+            <a:r>
+              <a:rPr lang="en-US" dirty="0" smtClean="0"/>
+              <a:t>Identify the points in a cross section where channel substrate transitions to channel bank</a:t>
+            </a:r>
+          </a:p>
+          <a:p>
+            <a:r>
+              <a:rPr lang="en-US" dirty="0" smtClean="0"/>
+              <a:t>Feature classification</a:t>
+            </a:r>
+          </a:p>
+          <a:p>
+            <a:pPr lvl="1"/>
+            <a:r>
+              <a:rPr lang="en-US" dirty="0" smtClean="0"/>
+              <a:t>Identify pools and riffles in a profile based on water slope and depth</a:t>
+            </a:r>
+          </a:p>
+          <a:p>
+            <a:r>
+              <a:rPr lang="en-US" dirty="0" smtClean="0"/>
+              <a:t>Breakpoint detection*</a:t>
+            </a:r>
+          </a:p>
+          <a:p>
+            <a:pPr lvl="1"/>
+            <a:r>
+              <a:rPr lang="en-US" dirty="0" smtClean="0"/>
+              <a:t>Split a profile into multiple profiles based on changes in profile statistics</a:t>
+            </a:r>
+          </a:p>
+          <a:p>
+            <a:endParaRPr lang="en-US" dirty="0"/>
+          </a:p>
+        </p:txBody>
+      </p:sp>
+    </p:spTree>
+    <p:extLst>
+      <p:ext uri="{BB962C8B-B14F-4D97-AF65-F5344CB8AC3E}">
+        <p14:creationId xmlns:p14="http://schemas.microsoft.com/office/powerpoint/2010/main" val="2882502874"/>
+      </p:ext>
+    </p:extLst>
+  </p:cSld>
+  <p:clrMapOvr>
+    <a:masterClrMapping/>
+  </p:clrMapOvr>
+  <p:timing>
+    <p:tnLst>
+      <p:par>
+        <p:cTn id="1" dur="indefinite" restart="never" nodeType="tmRoot">
+          <p:childTnLst>
+            <p:seq concurrent="1" nextAc="seek">
+              <p:cTn id="2" dur="indefinite" nodeType="mainSeq">
+                <p:childTnLst>
+                  <p:par>
+                    <p:cTn id="3" fill="hold">
+                      <p:stCondLst>
+                        <p:cond delay="indefinite"/>
+                      </p:stCondLst>
+                      <p:childTnLst>
+                        <p:par>
+                          <p:cTn id="4" fill="hold">
+                            <p:stCondLst>
+                              <p:cond delay="0"/>
+                            </p:stCondLst>
+                            <p:childTnLst>
+                              <p:par>
+                                <p:cTn id="5" presetID="1" presetClass="entr" presetSubtype="0" fill="hold" nodeType="clickEffect">
+                                  <p:stCondLst>
+                                    <p:cond delay="0"/>
+                                  </p:stCondLst>
+                                  <p:childTnLst>
+                                    <p:set>
+                                      <p:cBhvr>
+                                        <p:cTn id="6" dur="1" fill="hold">
+                                          <p:stCondLst>
+                                            <p:cond delay="0"/>
+                                          </p:stCondLst>
+                                        </p:cTn>
+                                        <p:tgtEl>
+                                          <p:spTgt spid="3">
+                                            <p:txEl>
+                                              <p:pRg st="0" end="0"/>
+                                            </p:txEl>
+                                          </p:spTgt>
+                                        </p:tgtEl>
+                                        <p:attrNameLst>
+                                          <p:attrName>style.visibility</p:attrName>
+                                        </p:attrNameLst>
+                                      </p:cBhvr>
+                                      <p:to>
+                                        <p:strVal val="visible"/>
+                                      </p:to>
+                                    </p:set>
+                                  </p:childTnLst>
+                                </p:cTn>
+                              </p:par>
+                              <p:par>
+                                <p:cTn id="7" presetID="1" presetClass="entr" presetSubtype="0" fill="hold" nodeType="withEffect">
+                                  <p:stCondLst>
+                                    <p:cond delay="0"/>
+                                  </p:stCondLst>
+                                  <p:childTnLst>
+                                    <p:set>
+                                      <p:cBhvr>
+                                        <p:cTn id="8" dur="1" fill="hold">
+                                          <p:stCondLst>
+                                            <p:cond delay="0"/>
+                                          </p:stCondLst>
+                                        </p:cTn>
+                                        <p:tgtEl>
+                                          <p:spTgt spid="3">
+                                            <p:txEl>
+                                              <p:pRg st="1" end="1"/>
+                                            </p:txEl>
+                                          </p:spTgt>
+                                        </p:tgtEl>
+                                        <p:attrNameLst>
+                                          <p:attrName>style.visibility</p:attrName>
+                                        </p:attrNameLst>
+                                      </p:cBhvr>
+                                      <p:to>
+                                        <p:strVal val="visible"/>
+                                      </p:to>
+                                    </p:set>
+                                  </p:childTnLst>
+                                </p:cTn>
+                              </p:par>
+                            </p:childTnLst>
+                          </p:cTn>
+                        </p:par>
+                      </p:childTnLst>
+                    </p:cTn>
+                  </p:par>
+                  <p:par>
+                    <p:cTn id="9" fill="hold">
+                      <p:stCondLst>
+                        <p:cond delay="indefinite"/>
+                      </p:stCondLst>
+                      <p:childTnLst>
+                        <p:par>
+                          <p:cTn id="10" fill="hold">
+                            <p:stCondLst>
+                              <p:cond delay="0"/>
+                            </p:stCondLst>
+                            <p:childTnLst>
+                              <p:par>
+                                <p:cTn id="11" presetID="1" presetClass="entr" presetSubtype="0" fill="hold" nodeType="clickEffect">
+                                  <p:stCondLst>
+                                    <p:cond delay="0"/>
+                                  </p:stCondLst>
+                                  <p:childTnLst>
+                                    <p:set>
+                                      <p:cBhvr>
+                                        <p:cTn id="12" dur="1" fill="hold">
+                                          <p:stCondLst>
+                                            <p:cond delay="0"/>
+                                          </p:stCondLst>
+                                        </p:cTn>
+                                        <p:tgtEl>
+                                          <p:spTgt spid="3">
+                                            <p:txEl>
+                                              <p:pRg st="2" end="2"/>
+                                            </p:txEl>
+                                          </p:spTgt>
+                                        </p:tgtEl>
+                                        <p:attrNameLst>
+                                          <p:attrName>style.visibility</p:attrName>
+                                        </p:attrNameLst>
+                                      </p:cBhvr>
+                                      <p:to>
+                                        <p:strVal val="visible"/>
+                                      </p:to>
+                                    </p:set>
+                                  </p:childTnLst>
+                                </p:cTn>
+                              </p:par>
+                              <p:par>
+                                <p:cTn id="13" presetID="1" presetClass="entr" presetSubtype="0" fill="hold" nodeType="withEffect">
+                                  <p:stCondLst>
+                                    <p:cond delay="0"/>
+                                  </p:stCondLst>
+                                  <p:childTnLst>
+                                    <p:set>
+                                      <p:cBhvr>
+                                        <p:cTn id="14" dur="1" fill="hold">
+                                          <p:stCondLst>
+                                            <p:cond delay="0"/>
+                                          </p:stCondLst>
+                                        </p:cTn>
+                                        <p:tgtEl>
+                                          <p:spTgt spid="3">
+                                            <p:txEl>
+                                              <p:pRg st="3" end="3"/>
+                                            </p:txEl>
+                                          </p:spTgt>
+                                        </p:tgtEl>
+                                        <p:attrNameLst>
+                                          <p:attrName>style.visibility</p:attrName>
+                                        </p:attrNameLst>
+                                      </p:cBhvr>
+                                      <p:to>
+                                        <p:strVal val="visible"/>
+                                      </p:to>
+                                    </p:set>
+                                  </p:childTnLst>
+                                </p:cTn>
+                              </p:par>
+                            </p:childTnLst>
+                          </p:cTn>
+                        </p:par>
+                      </p:childTnLst>
+                    </p:cTn>
+                  </p:par>
+                  <p:par>
+                    <p:cTn id="15" fill="hold">
+                      <p:stCondLst>
+                        <p:cond delay="indefinite"/>
+                      </p:stCondLst>
+                      <p:childTnLst>
+                        <p:par>
+                          <p:cTn id="16" fill="hold">
+                            <p:stCondLst>
+                              <p:cond delay="0"/>
+                            </p:stCondLst>
+                            <p:childTnLst>
+                              <p:par>
+                                <p:cTn id="17" presetID="1" presetClass="entr" presetSubtype="0" fill="hold" nodeType="clickEffect">
+                                  <p:stCondLst>
+                                    <p:cond delay="0"/>
+                                  </p:stCondLst>
+                                  <p:childTnLst>
+                                    <p:set>
+                                      <p:cBhvr>
+                                        <p:cTn id="18" dur="1" fill="hold">
+                                          <p:stCondLst>
+                                            <p:cond delay="0"/>
+                                          </p:stCondLst>
+                                        </p:cTn>
+                                        <p:tgtEl>
+                                          <p:spTgt spid="3">
+                                            <p:txEl>
+                                              <p:pRg st="4" end="4"/>
+                                            </p:txEl>
+                                          </p:spTgt>
+                                        </p:tgtEl>
+                                        <p:attrNameLst>
+                                          <p:attrName>style.visibility</p:attrName>
+                                        </p:attrNameLst>
+                                      </p:cBhvr>
+                                      <p:to>
+                                        <p:strVal val="visible"/>
+                                      </p:to>
+                                    </p:set>
+                                  </p:childTnLst>
+                                </p:cTn>
+                              </p:par>
+                              <p:par>
+                                <p:cTn id="19" presetID="1" presetClass="entr" presetSubtype="0" fill="hold" nodeType="withEffect">
+                                  <p:stCondLst>
+                                    <p:cond delay="0"/>
+                                  </p:stCondLst>
+                                  <p:childTnLst>
+                                    <p:set>
+                                      <p:cBhvr>
+                                        <p:cTn id="20" dur="1" fill="hold">
+                                          <p:stCondLst>
+                                            <p:cond delay="0"/>
+                                          </p:stCondLst>
+                                        </p:cTn>
+                                        <p:tgtEl>
+                                          <p:spTgt spid="3">
+                                            <p:txEl>
+                                              <p:pRg st="5" end="5"/>
+                                            </p:txEl>
+                                          </p:spTgt>
+                                        </p:tgtEl>
+                                        <p:attrNameLst>
+                                          <p:attrName>style.visibility</p:attrName>
+                                        </p:attrNameLst>
+                                      </p:cBhvr>
+                                      <p:to>
+                                        <p:strVal val="visible"/>
+                                      </p:to>
+                                    </p:set>
+                                  </p:childTnLst>
+                                </p:cTn>
+                              </p:par>
+                            </p:childTnLst>
+                          </p:cTn>
+                        </p:par>
+                      </p:childTnLst>
+                    </p:cTn>
+                  </p:par>
+                  <p:par>
+                    <p:cTn id="21" fill="hold">
+                      <p:stCondLst>
+                        <p:cond delay="indefinite"/>
+                      </p:stCondLst>
+                      <p:childTnLst>
+                        <p:par>
+                          <p:cTn id="22" fill="hold">
+                            <p:stCondLst>
+                              <p:cond delay="0"/>
+                            </p:stCondLst>
+                            <p:childTnLst>
+                              <p:par>
+                                <p:cTn id="23" presetID="1" presetClass="entr" presetSubtype="0" fill="hold" nodeType="clickEffect">
+                                  <p:stCondLst>
+                                    <p:cond delay="0"/>
+                                  </p:stCondLst>
+                                  <p:childTnLst>
+                                    <p:set>
+                                      <p:cBhvr>
+                                        <p:cTn id="24" dur="1" fill="hold">
+                                          <p:stCondLst>
+                                            <p:cond delay="0"/>
+                                          </p:stCondLst>
+                                        </p:cTn>
+                                        <p:tgtEl>
+                                          <p:spTgt spid="3">
+                                            <p:txEl>
+                                              <p:pRg st="6" end="6"/>
+                                            </p:txEl>
+                                          </p:spTgt>
+                                        </p:tgtEl>
+                                        <p:attrNameLst>
+                                          <p:attrName>style.visibility</p:attrName>
+                                        </p:attrNameLst>
+                                      </p:cBhvr>
+                                      <p:to>
+                                        <p:strVal val="visible"/>
+                                      </p:to>
+                                    </p:set>
+                                  </p:childTnLst>
+                                </p:cTn>
+                              </p:par>
+                              <p:par>
+                                <p:cTn id="25" presetID="1" presetClass="entr" presetSubtype="0" fill="hold" nodeType="withEffect">
+                                  <p:stCondLst>
+                                    <p:cond delay="0"/>
+                                  </p:stCondLst>
+                                  <p:childTnLst>
+                                    <p:set>
+                                      <p:cBhvr>
+                                        <p:cTn id="26" dur="1" fill="hold">
+                                          <p:stCondLst>
+                                            <p:cond delay="0"/>
+                                          </p:stCondLst>
+                                        </p:cTn>
+                                        <p:tgtEl>
+                                          <p:spTgt spid="3">
+                                            <p:txEl>
+                                              <p:pRg st="7" end="7"/>
+                                            </p:txEl>
+                                          </p:spTgt>
+                                        </p:tgtEl>
+                                        <p:attrNameLst>
+                                          <p:attrName>style.visibility</p:attrName>
+                                        </p:attrNameLst>
+                                      </p:cBhvr>
+                                      <p:to>
+                                        <p:strVal val="visible"/>
+                                      </p:to>
+                                    </p:set>
+                                  </p:childTnLst>
+                                </p:cTn>
+                              </p:par>
+                            </p:childTnLst>
+                          </p:cTn>
+                        </p:par>
+                      </p:childTnLst>
+                    </p:cTn>
+                  </p:par>
+                </p:childTnLst>
+              </p:cTn>
+              <p:prevCondLst>
+                <p:cond evt="onPrev" delay="0">
+                  <p:tgtEl>
+                    <p:sldTgt/>
+                  </p:tgtEl>
+                </p:cond>
+              </p:prevCondLst>
+              <p:nextCondLst>
+                <p:cond evt="onNext" delay="0">
+                  <p:tgtEl>
+                    <p:sldTgt/>
+                  </p:tgtEl>
+                </p:cond>
+              </p:nextCondLst>
+            </p:seq>
+          </p:childTnLst>
+        </p:cTn>
+      </p:par>
+    </p:tnLst>
+  </p:timing>
+</p:sld>
+</file>
+
+<file path=ppt/slides/slide16.xml><?xml version="1.0" encoding="utf-8"?>
+<p:sld xmlns:a="http://schemas.openxmlformats.org/drawingml/2006/main" xmlns:r="http://schemas.openxmlformats.org/officeDocument/2006/relationships" xmlns:p="http://schemas.openxmlformats.org/presentationml/2006/main">
+  <p:cSld>
+    <p:spTree>
+      <p:nvGrpSpPr>
+        <p:cNvPr id="1" name=""/>
+        <p:cNvGrpSpPr/>
+        <p:nvPr/>
+      </p:nvGrpSpPr>
+      <p:grpSpPr>
+        <a:xfrm>
+          <a:off x="0" y="0"/>
+          <a:ext cx="0" cy="0"/>
+          <a:chOff x="0" y="0"/>
+          <a:chExt cx="0" cy="0"/>
+        </a:xfrm>
+      </p:grpSpPr>
+      <p:sp>
+        <p:nvSpPr>
+          <p:cNvPr id="7" name="Rectangle 6"/>
+          <p:cNvSpPr/>
+          <p:nvPr/>
+        </p:nvSpPr>
+        <p:spPr>
+          <a:xfrm>
+            <a:off x="1575582" y="2222695"/>
+            <a:ext cx="6049107" cy="393896"/>
+          </a:xfrm>
+          <a:prstGeom prst="rect">
+            <a:avLst/>
+          </a:prstGeom>
+          <a:solidFill>
+            <a:srgbClr val="FFC000"/>
+          </a:solidFill>
+        </p:spPr>
+        <p:style>
+          <a:lnRef idx="2">
+            <a:schemeClr val="accent1">
+              <a:shade val="50000"/>
+            </a:schemeClr>
+          </a:lnRef>
+          <a:fillRef idx="1">
+            <a:schemeClr val="accent1"/>
+          </a:fillRef>
+          <a:effectRef idx="0">
+            <a:schemeClr val="accent1"/>
+          </a:effectRef>
+          <a:fontRef idx="minor">
+            <a:schemeClr val="lt1"/>
+          </a:fontRef>
+        </p:style>
+        <p:txBody>
+          <a:bodyPr rtlCol="0" anchor="ctr"/>
+          <a:lstStyle/>
+          <a:p>
+            <a:pPr algn="ctr"/>
+            <a:endParaRPr lang="en-US"/>
+          </a:p>
+        </p:txBody>
+      </p:sp>
+      <p:sp>
+        <p:nvSpPr>
+          <p:cNvPr id="2" name="Title 1"/>
+          <p:cNvSpPr>
+            <a:spLocks noGrp="1"/>
+          </p:cNvSpPr>
+          <p:nvPr>
+            <p:ph type="title"/>
+          </p:nvPr>
+        </p:nvSpPr>
+        <p:spPr/>
+        <p:txBody>
+          <a:bodyPr/>
+          <a:lstStyle/>
+          <a:p>
+            <a:r>
+              <a:rPr lang="en-US" dirty="0" smtClean="0"/>
+              <a:t>Top of bank identification</a:t>
+            </a:r>
+            <a:endParaRPr lang="en-US" dirty="0"/>
+          </a:p>
+        </p:txBody>
+      </p:sp>
+      <p:sp>
+        <p:nvSpPr>
+          <p:cNvPr id="3" name="Content Placeholder 2"/>
+          <p:cNvSpPr>
+            <a:spLocks noGrp="1"/>
+          </p:cNvSpPr>
+          <p:nvPr>
+            <p:ph idx="1"/>
+          </p:nvPr>
+        </p:nvSpPr>
+        <p:spPr>
+          <a:xfrm>
+            <a:off x="838200" y="1375459"/>
+            <a:ext cx="10515600" cy="4351338"/>
+          </a:xfrm>
+        </p:spPr>
+        <p:txBody>
+          <a:bodyPr/>
+          <a:lstStyle/>
+          <a:p>
+            <a:r>
+              <a:rPr lang="en-US" dirty="0" smtClean="0"/>
+              <a:t>Can be estimated as the point where a key derivative is maximized</a:t>
+            </a:r>
+          </a:p>
+          <a:p>
+            <a:pPr lvl="1"/>
+            <a:r>
+              <a:rPr lang="en-US" dirty="0"/>
+              <a:t>1</a:t>
+            </a:r>
+            <a:r>
+              <a:rPr lang="en-US" baseline="30000" dirty="0"/>
+              <a:t>st</a:t>
+            </a:r>
+            <a:r>
+              <a:rPr lang="en-US" dirty="0"/>
+              <a:t> derivative of hydraulic radius with respect to </a:t>
+            </a:r>
+            <a:r>
+              <a:rPr lang="en-US" dirty="0" smtClean="0"/>
+              <a:t>elevation</a:t>
+            </a:r>
+          </a:p>
+          <a:p>
+            <a:pPr lvl="1"/>
+            <a:r>
+              <a:rPr lang="en-US" dirty="0" smtClean="0"/>
+              <a:t>2</a:t>
+            </a:r>
+            <a:r>
+              <a:rPr lang="en-US" baseline="30000" dirty="0" smtClean="0"/>
+              <a:t>nd</a:t>
+            </a:r>
+            <a:r>
+              <a:rPr lang="en-US" dirty="0" smtClean="0"/>
+              <a:t> </a:t>
+            </a:r>
+            <a:r>
+              <a:rPr lang="en-US" dirty="0"/>
+              <a:t>derivative </a:t>
+            </a:r>
+            <a:r>
+              <a:rPr lang="en-US" dirty="0" smtClean="0"/>
+              <a:t>of width with </a:t>
+            </a:r>
+            <a:r>
+              <a:rPr lang="en-US" dirty="0"/>
+              <a:t>respect to </a:t>
+            </a:r>
+            <a:r>
+              <a:rPr lang="en-US" dirty="0" smtClean="0"/>
+              <a:t>elevation</a:t>
+            </a:r>
+          </a:p>
+          <a:p>
+            <a:pPr lvl="1"/>
+            <a:r>
+              <a:rPr lang="en-US" dirty="0" smtClean="0"/>
+              <a:t>3</a:t>
+            </a:r>
+            <a:r>
+              <a:rPr lang="en-US" baseline="30000" dirty="0" smtClean="0"/>
+              <a:t>rd</a:t>
+            </a:r>
+            <a:r>
+              <a:rPr lang="en-US" dirty="0" smtClean="0"/>
+              <a:t> derivative of area with </a:t>
+            </a:r>
+            <a:r>
+              <a:rPr lang="en-US" dirty="0"/>
+              <a:t>respect to elevation</a:t>
+            </a:r>
+          </a:p>
+        </p:txBody>
+      </p:sp>
+      <p:pic>
+        <p:nvPicPr>
+          <p:cNvPr id="4" name="Picture 3"/>
+          <p:cNvPicPr>
+            <a:picLocks noChangeAspect="1"/>
+          </p:cNvPicPr>
+          <p:nvPr/>
+        </p:nvPicPr>
+        <p:blipFill>
+          <a:blip r:embed="rId2">
+            <a:extLst>
+              <a:ext uri="{28A0092B-C50C-407E-A947-70E740481C1C}">
+                <a14:useLocalDpi xmlns:a14="http://schemas.microsoft.com/office/drawing/2010/main" val="0"/>
+              </a:ext>
+            </a:extLst>
+          </a:blip>
+          <a:stretch>
+            <a:fillRect/>
+          </a:stretch>
+        </p:blipFill>
+        <p:spPr>
+          <a:xfrm>
+            <a:off x="3211193" y="3162036"/>
+            <a:ext cx="4258752" cy="1008782"/>
+          </a:xfrm>
+          <a:prstGeom prst="rect">
+            <a:avLst/>
+          </a:prstGeom>
+        </p:spPr>
+      </p:pic>
+      <p:pic>
+        <p:nvPicPr>
+          <p:cNvPr id="5" name="Picture 4"/>
+          <p:cNvPicPr>
+            <a:picLocks noChangeAspect="1"/>
+          </p:cNvPicPr>
+          <p:nvPr/>
+        </p:nvPicPr>
+        <p:blipFill>
+          <a:blip r:embed="rId3" cstate="print">
+            <a:extLst>
+              <a:ext uri="{28A0092B-C50C-407E-A947-70E740481C1C}">
+                <a14:useLocalDpi xmlns:a14="http://schemas.microsoft.com/office/drawing/2010/main" val="0"/>
+              </a:ext>
+            </a:extLst>
+          </a:blip>
+          <a:stretch>
+            <a:fillRect/>
+          </a:stretch>
+        </p:blipFill>
+        <p:spPr>
+          <a:xfrm>
+            <a:off x="447450" y="4248869"/>
+            <a:ext cx="5116379" cy="2564760"/>
+          </a:xfrm>
+          <a:prstGeom prst="rect">
+            <a:avLst/>
+          </a:prstGeom>
+        </p:spPr>
+      </p:pic>
+      <p:pic>
+        <p:nvPicPr>
+          <p:cNvPr id="6" name="Picture 5"/>
+          <p:cNvPicPr>
+            <a:picLocks noChangeAspect="1"/>
+          </p:cNvPicPr>
+          <p:nvPr/>
+        </p:nvPicPr>
+        <p:blipFill>
+          <a:blip r:embed="rId4" cstate="print">
+            <a:extLst>
+              <a:ext uri="{28A0092B-C50C-407E-A947-70E740481C1C}">
+                <a14:useLocalDpi xmlns:a14="http://schemas.microsoft.com/office/drawing/2010/main" val="0"/>
+              </a:ext>
+            </a:extLst>
+          </a:blip>
+          <a:stretch>
+            <a:fillRect/>
+          </a:stretch>
+        </p:blipFill>
+        <p:spPr>
+          <a:xfrm>
+            <a:off x="5772333" y="4248868"/>
+            <a:ext cx="5241321" cy="2564761"/>
+          </a:xfrm>
+          <a:prstGeom prst="rect">
+            <a:avLst/>
+          </a:prstGeom>
+        </p:spPr>
+      </p:pic>
+    </p:spTree>
+    <p:extLst>
+      <p:ext uri="{BB962C8B-B14F-4D97-AF65-F5344CB8AC3E}">
+        <p14:creationId xmlns:p14="http://schemas.microsoft.com/office/powerpoint/2010/main" val="4239803618"/>
+      </p:ext>
+    </p:extLst>
+  </p:cSld>
+  <p:clrMapOvr>
+    <a:masterClrMapping/>
+  </p:clrMapOvr>
+  <p:timing>
+    <p:tnLst>
+      <p:par>
+        <p:cTn id="1" dur="indefinite" restart="never" nodeType="tmRoot">
+          <p:childTnLst>
+            <p:seq concurrent="1" nextAc="seek">
+              <p:cTn id="2" dur="indefinite" nodeType="mainSeq">
+                <p:childTnLst>
+                  <p:par>
+                    <p:cTn id="3" fill="hold">
+                      <p:stCondLst>
+                        <p:cond delay="indefinite"/>
+                      </p:stCondLst>
+                      <p:childTnLst>
+                        <p:par>
+                          <p:cTn id="4" fill="hold">
+                            <p:stCondLst>
+                              <p:cond delay="0"/>
+                            </p:stCondLst>
+                            <p:childTnLst>
+                              <p:par>
+                                <p:cTn id="5" presetID="1" presetClass="entr" presetSubtype="0" fill="hold" grpId="0" nodeType="clickEffect">
+                                  <p:stCondLst>
+                                    <p:cond delay="0"/>
+                                  </p:stCondLst>
+                                  <p:childTnLst>
+                                    <p:set>
+                                      <p:cBhvr>
+                                        <p:cTn id="6" dur="1" fill="hold">
+                                          <p:stCondLst>
+                                            <p:cond delay="0"/>
+                                          </p:stCondLst>
+                                        </p:cTn>
+                                        <p:tgtEl>
+                                          <p:spTgt spid="7"/>
+                                        </p:tgtEl>
+                                        <p:attrNameLst>
+                                          <p:attrName>style.visibility</p:attrName>
+                                        </p:attrNameLst>
+                                      </p:cBhvr>
+                                      <p:to>
+                                        <p:strVal val="visible"/>
+                                      </p:to>
+                                    </p:set>
+                                  </p:childTnLst>
+                                </p:cTn>
+                              </p:par>
+                            </p:childTnLst>
+                          </p:cTn>
+                        </p:par>
+                      </p:childTnLst>
+                    </p:cTn>
+                  </p:par>
+                  <p:par>
+                    <p:cTn id="7" fill="hold">
+                      <p:stCondLst>
+                        <p:cond delay="indefinite"/>
+                      </p:stCondLst>
+                      <p:childTnLst>
+                        <p:par>
+                          <p:cTn id="8" fill="hold">
+                            <p:stCondLst>
+                              <p:cond delay="0"/>
+                            </p:stCondLst>
+                            <p:childTnLst>
+                              <p:par>
+                                <p:cTn id="9" presetID="1" presetClass="entr" presetSubtype="0" fill="hold" nodeType="clickEffect">
+                                  <p:stCondLst>
+                                    <p:cond delay="0"/>
+                                  </p:stCondLst>
+                                  <p:childTnLst>
+                                    <p:set>
+                                      <p:cBhvr>
+                                        <p:cTn id="10" dur="1" fill="hold">
+                                          <p:stCondLst>
+                                            <p:cond delay="0"/>
+                                          </p:stCondLst>
+                                        </p:cTn>
+                                        <p:tgtEl>
+                                          <p:spTgt spid="4"/>
+                                        </p:tgtEl>
+                                        <p:attrNameLst>
+                                          <p:attrName>style.visibility</p:attrName>
+                                        </p:attrNameLst>
+                                      </p:cBhvr>
+                                      <p:to>
+                                        <p:strVal val="visible"/>
+                                      </p:to>
+                                    </p:set>
+                                  </p:childTnLst>
+                                </p:cTn>
+                              </p:par>
+                              <p:par>
+                                <p:cTn id="11" presetID="1" presetClass="entr" presetSubtype="0" fill="hold" nodeType="withEffect">
+                                  <p:stCondLst>
+                                    <p:cond delay="0"/>
+                                  </p:stCondLst>
+                                  <p:childTnLst>
+                                    <p:set>
+                                      <p:cBhvr>
+                                        <p:cTn id="12" dur="1" fill="hold">
+                                          <p:stCondLst>
+                                            <p:cond delay="0"/>
+                                          </p:stCondLst>
+                                        </p:cTn>
+                                        <p:tgtEl>
+                                          <p:spTgt spid="5"/>
+                                        </p:tgtEl>
+                                        <p:attrNameLst>
+                                          <p:attrName>style.visibility</p:attrName>
+                                        </p:attrNameLst>
+                                      </p:cBhvr>
+                                      <p:to>
+                                        <p:strVal val="visible"/>
+                                      </p:to>
+                                    </p:set>
+                                  </p:childTnLst>
+                                </p:cTn>
+                              </p:par>
+                              <p:par>
+                                <p:cTn id="13" presetID="1" presetClass="entr" presetSubtype="0" fill="hold" nodeType="withEffect">
+                                  <p:stCondLst>
+                                    <p:cond delay="0"/>
+                                  </p:stCondLst>
+                                  <p:childTnLst>
+                                    <p:set>
+                                      <p:cBhvr>
+                                        <p:cTn id="14" dur="1" fill="hold">
+                                          <p:stCondLst>
+                                            <p:cond delay="0"/>
+                                          </p:stCondLst>
+                                        </p:cTn>
+                                        <p:tgtEl>
+                                          <p:spTgt spid="6"/>
+                                        </p:tgtEl>
+                                        <p:attrNameLst>
+                                          <p:attrName>style.visibility</p:attrName>
+                                        </p:attrNameLst>
+                                      </p:cBhvr>
+                                      <p:to>
+                                        <p:strVal val="visible"/>
+                                      </p:to>
+                                    </p:set>
+                                  </p:childTnLst>
+                                </p:cTn>
+                              </p:par>
+                            </p:childTnLst>
+                          </p:cTn>
+                        </p:par>
+                      </p:childTnLst>
+                    </p:cTn>
+                  </p:par>
+                </p:childTnLst>
+              </p:cTn>
+              <p:prevCondLst>
+                <p:cond evt="onPrev" delay="0">
+                  <p:tgtEl>
+                    <p:sldTgt/>
+                  </p:tgtEl>
+                </p:cond>
+              </p:prevCondLst>
+              <p:nextCondLst>
+                <p:cond evt="onNext" delay="0">
+                  <p:tgtEl>
+                    <p:sldTgt/>
+                  </p:tgtEl>
+                </p:cond>
+              </p:nextCondLst>
+            </p:seq>
+          </p:childTnLst>
+        </p:cTn>
+      </p:par>
+    </p:tnLst>
+    <p:bldLst>
+      <p:bldP spid="7" grpId="0" animBg="1"/>
+    </p:bldLst>
+  </p:timing>
+</p:sld>
+</file>
+
+<file path=ppt/slides/slide17.xml><?xml version="1.0" encoding="utf-8"?>
+<p:sld xmlns:a="http://schemas.openxmlformats.org/drawingml/2006/main" xmlns:r="http://schemas.openxmlformats.org/officeDocument/2006/relationships" xmlns:p="http://schemas.openxmlformats.org/presentationml/2006/main">
+  <p:cSld>
+    <p:spTree>
+      <p:nvGrpSpPr>
+        <p:cNvPr id="1" name=""/>
+        <p:cNvGrpSpPr/>
+        <p:nvPr/>
+      </p:nvGrpSpPr>
+      <p:grpSpPr>
+        <a:xfrm>
+          <a:off x="0" y="0"/>
+          <a:ext cx="0" cy="0"/>
+          <a:chOff x="0" y="0"/>
+          <a:chExt cx="0" cy="0"/>
+        </a:xfrm>
+      </p:grpSpPr>
+      <p:sp>
+        <p:nvSpPr>
+          <p:cNvPr id="2" name="Title 1"/>
+          <p:cNvSpPr>
+            <a:spLocks noGrp="1"/>
+          </p:cNvSpPr>
+          <p:nvPr>
+            <p:ph type="title"/>
+          </p:nvPr>
+        </p:nvSpPr>
+        <p:spPr/>
+        <p:txBody>
+          <a:bodyPr/>
+          <a:lstStyle/>
+          <a:p>
+            <a:r>
+              <a:rPr lang="en-US" dirty="0" smtClean="0"/>
+              <a:t>Substrate differentiation</a:t>
+            </a:r>
+            <a:endParaRPr lang="en-US" dirty="0"/>
+          </a:p>
+        </p:txBody>
+      </p:sp>
+      <p:sp>
+        <p:nvSpPr>
+          <p:cNvPr id="3" name="Content Placeholder 2"/>
+          <p:cNvSpPr>
+            <a:spLocks noGrp="1"/>
+          </p:cNvSpPr>
+          <p:nvPr>
+            <p:ph idx="1"/>
+          </p:nvPr>
+        </p:nvSpPr>
+        <p:spPr/>
+        <p:txBody>
+          <a:bodyPr/>
+          <a:lstStyle/>
+          <a:p>
+            <a:r>
+              <a:rPr lang="en-US" dirty="0" smtClean="0"/>
+              <a:t>Most channels can be approximated by 3-5 points**</a:t>
+            </a:r>
+          </a:p>
+          <a:p>
+            <a:r>
+              <a:rPr lang="en-US" dirty="0" smtClean="0"/>
+              <a:t>The outermost line segments represent channel banks</a:t>
+            </a:r>
+          </a:p>
+          <a:p>
+            <a:endParaRPr lang="en-US" dirty="0"/>
+          </a:p>
+        </p:txBody>
+      </p:sp>
+      <p:pic>
+        <p:nvPicPr>
+          <p:cNvPr id="4" name="Picture 3"/>
+          <p:cNvPicPr>
+            <a:picLocks noChangeAspect="1"/>
+          </p:cNvPicPr>
+          <p:nvPr/>
+        </p:nvPicPr>
+        <p:blipFill>
+          <a:blip r:embed="rId2" cstate="print">
+            <a:extLst>
+              <a:ext uri="{28A0092B-C50C-407E-A947-70E740481C1C}">
+                <a14:useLocalDpi xmlns:a14="http://schemas.microsoft.com/office/drawing/2010/main" val="0"/>
+              </a:ext>
+            </a:extLst>
+          </a:blip>
+          <a:stretch>
+            <a:fillRect/>
+          </a:stretch>
+        </p:blipFill>
+        <p:spPr>
+          <a:xfrm>
+            <a:off x="4403187" y="3085767"/>
+            <a:ext cx="7413674" cy="3675739"/>
+          </a:xfrm>
+          <a:prstGeom prst="rect">
+            <a:avLst/>
+          </a:prstGeom>
+        </p:spPr>
+      </p:pic>
+      <p:pic>
+        <p:nvPicPr>
+          <p:cNvPr id="5" name="Picture 4"/>
+          <p:cNvPicPr>
+            <a:picLocks noChangeAspect="1"/>
+          </p:cNvPicPr>
+          <p:nvPr/>
+        </p:nvPicPr>
+        <p:blipFill>
+          <a:blip r:embed="rId3">
+            <a:extLst>
+              <a:ext uri="{28A0092B-C50C-407E-A947-70E740481C1C}">
+                <a14:useLocalDpi xmlns:a14="http://schemas.microsoft.com/office/drawing/2010/main" val="0"/>
+              </a:ext>
+            </a:extLst>
+          </a:blip>
+          <a:stretch>
+            <a:fillRect/>
+          </a:stretch>
+        </p:blipFill>
+        <p:spPr>
+          <a:xfrm>
+            <a:off x="258349" y="3085767"/>
+            <a:ext cx="3912626" cy="636102"/>
+          </a:xfrm>
+          <a:prstGeom prst="rect">
+            <a:avLst/>
+          </a:prstGeom>
+        </p:spPr>
+      </p:pic>
+      <p:sp>
+        <p:nvSpPr>
+          <p:cNvPr id="6" name="Rectangle 5"/>
+          <p:cNvSpPr/>
+          <p:nvPr/>
+        </p:nvSpPr>
+        <p:spPr>
+          <a:xfrm>
+            <a:off x="481770" y="4133574"/>
+            <a:ext cx="2518117" cy="646331"/>
+          </a:xfrm>
+          <a:prstGeom prst="rect">
+            <a:avLst/>
+          </a:prstGeom>
+        </p:spPr>
+        <p:txBody>
+          <a:bodyPr wrap="square">
+            <a:spAutoFit/>
+          </a:bodyPr>
+          <a:lstStyle/>
+          <a:p>
+            <a:r>
+              <a:rPr lang="en-US" dirty="0" smtClean="0"/>
+              <a:t>**Optimal solution to this problem is very slow</a:t>
+            </a:r>
+            <a:endParaRPr lang="en-US" dirty="0"/>
+          </a:p>
+        </p:txBody>
+      </p:sp>
+    </p:spTree>
+    <p:extLst>
+      <p:ext uri="{BB962C8B-B14F-4D97-AF65-F5344CB8AC3E}">
+        <p14:creationId xmlns:p14="http://schemas.microsoft.com/office/powerpoint/2010/main" val="3654743132"/>
+      </p:ext>
+    </p:extLst>
+  </p:cSld>
+  <p:clrMapOvr>
+    <a:masterClrMapping/>
+  </p:clrMapOvr>
+  <p:timing>
+    <p:tnLst>
+      <p:par>
+        <p:cTn id="1" dur="indefinite" restart="never" nodeType="tmRoot">
+          <p:childTnLst>
+            <p:seq concurrent="1" nextAc="seek">
+              <p:cTn id="2" dur="indefinite" nodeType="mainSeq">
+                <p:childTnLst>
+                  <p:par>
+                    <p:cTn id="3" fill="hold">
+                      <p:stCondLst>
+                        <p:cond delay="indefinite"/>
+                      </p:stCondLst>
+                      <p:childTnLst>
+                        <p:par>
+                          <p:cTn id="4" fill="hold">
+                            <p:stCondLst>
+                              <p:cond delay="0"/>
+                            </p:stCondLst>
+                            <p:childTnLst>
+                              <p:par>
+                                <p:cTn id="5" presetID="1" presetClass="entr" presetSubtype="0" fill="hold" nodeType="clickEffect">
+                                  <p:stCondLst>
+                                    <p:cond delay="0"/>
+                                  </p:stCondLst>
+                                  <p:childTnLst>
+                                    <p:set>
+                                      <p:cBhvr>
+                                        <p:cTn id="6" dur="1" fill="hold">
+                                          <p:stCondLst>
+                                            <p:cond delay="0"/>
+                                          </p:stCondLst>
+                                        </p:cTn>
+                                        <p:tgtEl>
+                                          <p:spTgt spid="4"/>
+                                        </p:tgtEl>
+                                        <p:attrNameLst>
+                                          <p:attrName>style.visibility</p:attrName>
+                                        </p:attrNameLst>
+                                      </p:cBhvr>
+                                      <p:to>
+                                        <p:strVal val="visible"/>
+                                      </p:to>
+                                    </p:set>
+                                  </p:childTnLst>
+                                </p:cTn>
+                              </p:par>
+                              <p:par>
+                                <p:cTn id="7" presetID="1" presetClass="entr" presetSubtype="0" fill="hold" nodeType="withEffect">
+                                  <p:stCondLst>
+                                    <p:cond delay="0"/>
+                                  </p:stCondLst>
+                                  <p:childTnLst>
+                                    <p:set>
+                                      <p:cBhvr>
+                                        <p:cTn id="8" dur="1" fill="hold">
+                                          <p:stCondLst>
+                                            <p:cond delay="0"/>
+                                          </p:stCondLst>
+                                        </p:cTn>
+                                        <p:tgtEl>
+                                          <p:spTgt spid="5"/>
+                                        </p:tgtEl>
+                                        <p:attrNameLst>
+                                          <p:attrName>style.visibility</p:attrName>
+                                        </p:attrNameLst>
+                                      </p:cBhvr>
+                                      <p:to>
+                                        <p:strVal val="visible"/>
+                                      </p:to>
+                                    </p:set>
+                                  </p:childTnLst>
+                                </p:cTn>
+                              </p:par>
+                            </p:childTnLst>
+                          </p:cTn>
+                        </p:par>
+                      </p:childTnLst>
+                    </p:cTn>
+                  </p:par>
+                  <p:par>
+                    <p:cTn id="9" fill="hold">
+                      <p:stCondLst>
+                        <p:cond delay="indefinite"/>
+                      </p:stCondLst>
+                      <p:childTnLst>
+                        <p:par>
+                          <p:cTn id="10" fill="hold">
+                            <p:stCondLst>
+                              <p:cond delay="0"/>
+                            </p:stCondLst>
+                            <p:childTnLst>
+                              <p:par>
+                                <p:cTn id="11" presetID="1" presetClass="entr" presetSubtype="0" fill="hold" grpId="0" nodeType="clickEffect">
+                                  <p:stCondLst>
+                                    <p:cond delay="0"/>
+                                  </p:stCondLst>
+                                  <p:childTnLst>
+                                    <p:set>
+                                      <p:cBhvr>
+                                        <p:cTn id="12" dur="1" fill="hold">
+                                          <p:stCondLst>
+                                            <p:cond delay="0"/>
+                                          </p:stCondLst>
+                                        </p:cTn>
+                                        <p:tgtEl>
+                                          <p:spTgt spid="6"/>
+                                        </p:tgtEl>
+                                        <p:attrNameLst>
+                                          <p:attrName>style.visibility</p:attrName>
+                                        </p:attrNameLst>
+                                      </p:cBhvr>
+                                      <p:to>
+                                        <p:strVal val="visible"/>
+                                      </p:to>
+                                    </p:set>
+                                  </p:childTnLst>
+                                </p:cTn>
+                              </p:par>
+                            </p:childTnLst>
+                          </p:cTn>
+                        </p:par>
+                      </p:childTnLst>
+                    </p:cTn>
+                  </p:par>
+                </p:childTnLst>
+              </p:cTn>
+              <p:prevCondLst>
+                <p:cond evt="onPrev" delay="0">
+                  <p:tgtEl>
+                    <p:sldTgt/>
+                  </p:tgtEl>
+                </p:cond>
+              </p:prevCondLst>
+              <p:nextCondLst>
+                <p:cond evt="onNext" delay="0">
+                  <p:tgtEl>
+                    <p:sldTgt/>
+                  </p:tgtEl>
+                </p:cond>
+              </p:nextCondLst>
+            </p:seq>
+          </p:childTnLst>
+        </p:cTn>
+      </p:par>
+    </p:tnLst>
+    <p:bldLst>
+      <p:bldP spid="6" grpId="0"/>
+    </p:bldLst>
+  </p:timing>
+</p:sld>
+</file>
+
+<file path=ppt/slides/slide18.xml><?xml version="1.0" encoding="utf-8"?>
+<p:sld xmlns:a="http://schemas.openxmlformats.org/drawingml/2006/main" xmlns:r="http://schemas.openxmlformats.org/officeDocument/2006/relationships" xmlns:p="http://schemas.openxmlformats.org/presentationml/2006/main">
+  <p:cSld>
+    <p:spTree>
+      <p:nvGrpSpPr>
+        <p:cNvPr id="1" name=""/>
+        <p:cNvGrpSpPr/>
+        <p:nvPr/>
+      </p:nvGrpSpPr>
+      <p:grpSpPr>
+        <a:xfrm>
+          <a:off x="0" y="0"/>
+          <a:ext cx="0" cy="0"/>
+          <a:chOff x="0" y="0"/>
+          <a:chExt cx="0" cy="0"/>
+        </a:xfrm>
+      </p:grpSpPr>
+      <p:sp>
+        <p:nvSpPr>
+          <p:cNvPr id="2" name="Title 1"/>
+          <p:cNvSpPr>
+            <a:spLocks noGrp="1"/>
+          </p:cNvSpPr>
+          <p:nvPr>
+            <p:ph type="title"/>
+          </p:nvPr>
+        </p:nvSpPr>
+        <p:spPr/>
+        <p:txBody>
+          <a:bodyPr/>
+          <a:lstStyle/>
+          <a:p>
+            <a:r>
+              <a:rPr lang="en-US" dirty="0" smtClean="0"/>
+              <a:t>Feature classification</a:t>
+            </a:r>
+            <a:endParaRPr lang="en-US" dirty="0"/>
+          </a:p>
+        </p:txBody>
+      </p:sp>
+      <p:sp>
+        <p:nvSpPr>
+          <p:cNvPr id="3" name="Content Placeholder 2"/>
+          <p:cNvSpPr>
+            <a:spLocks noGrp="1"/>
+          </p:cNvSpPr>
+          <p:nvPr>
+            <p:ph idx="1"/>
+          </p:nvPr>
+        </p:nvSpPr>
+        <p:spPr>
+          <a:xfrm>
+            <a:off x="838200" y="1516136"/>
+            <a:ext cx="10515600" cy="4351338"/>
+          </a:xfrm>
+        </p:spPr>
+        <p:txBody>
+          <a:bodyPr/>
+          <a:lstStyle/>
+          <a:p>
+            <a:r>
+              <a:rPr lang="en-US" dirty="0" smtClean="0"/>
+              <a:t>Riffles and pools have distinct morphological signatures</a:t>
+            </a:r>
+          </a:p>
+          <a:p>
+            <a:r>
+              <a:rPr lang="en-US" dirty="0" smtClean="0"/>
+              <a:t>Use k-means algorithm to distinguish between them</a:t>
+            </a:r>
+            <a:endParaRPr lang="en-US" dirty="0"/>
+          </a:p>
+        </p:txBody>
+      </p:sp>
+      <p:pic>
+        <p:nvPicPr>
+          <p:cNvPr id="4" name="Picture 3"/>
+          <p:cNvPicPr>
+            <a:picLocks noChangeAspect="1"/>
+          </p:cNvPicPr>
+          <p:nvPr/>
+        </p:nvPicPr>
+        <p:blipFill>
+          <a:blip r:embed="rId2">
+            <a:extLst>
+              <a:ext uri="{28A0092B-C50C-407E-A947-70E740481C1C}">
+                <a14:useLocalDpi xmlns:a14="http://schemas.microsoft.com/office/drawing/2010/main" val="0"/>
+              </a:ext>
+            </a:extLst>
+          </a:blip>
+          <a:stretch>
+            <a:fillRect/>
+          </a:stretch>
+        </p:blipFill>
+        <p:spPr>
+          <a:xfrm>
+            <a:off x="838200" y="2446449"/>
+            <a:ext cx="4672047" cy="1276359"/>
+          </a:xfrm>
+          <a:prstGeom prst="rect">
+            <a:avLst/>
+          </a:prstGeom>
+        </p:spPr>
+      </p:pic>
+      <p:pic>
+        <p:nvPicPr>
+          <p:cNvPr id="5" name="Picture 4"/>
+          <p:cNvPicPr>
+            <a:picLocks noChangeAspect="1"/>
+          </p:cNvPicPr>
+          <p:nvPr/>
+        </p:nvPicPr>
+        <p:blipFill>
+          <a:blip r:embed="rId3" cstate="print">
+            <a:extLst>
+              <a:ext uri="{28A0092B-C50C-407E-A947-70E740481C1C}">
+                <a14:useLocalDpi xmlns:a14="http://schemas.microsoft.com/office/drawing/2010/main" val="0"/>
+              </a:ext>
+            </a:extLst>
+          </a:blip>
+          <a:stretch>
+            <a:fillRect/>
+          </a:stretch>
+        </p:blipFill>
+        <p:spPr>
+          <a:xfrm>
+            <a:off x="449330" y="3799429"/>
+            <a:ext cx="5680944" cy="2834491"/>
+          </a:xfrm>
+          <a:prstGeom prst="rect">
+            <a:avLst/>
+          </a:prstGeom>
+        </p:spPr>
+      </p:pic>
+      <p:pic>
+        <p:nvPicPr>
+          <p:cNvPr id="6" name="Picture 5"/>
+          <p:cNvPicPr>
+            <a:picLocks noChangeAspect="1"/>
+          </p:cNvPicPr>
+          <p:nvPr/>
+        </p:nvPicPr>
+        <p:blipFill>
+          <a:blip r:embed="rId4" cstate="print">
+            <a:extLst>
+              <a:ext uri="{28A0092B-C50C-407E-A947-70E740481C1C}">
+                <a14:useLocalDpi xmlns:a14="http://schemas.microsoft.com/office/drawing/2010/main" val="0"/>
+              </a:ext>
+            </a:extLst>
+          </a:blip>
+          <a:stretch>
+            <a:fillRect/>
+          </a:stretch>
+        </p:blipFill>
+        <p:spPr>
+          <a:xfrm>
+            <a:off x="6454644" y="3799429"/>
+            <a:ext cx="5461864" cy="2834491"/>
+          </a:xfrm>
+          <a:prstGeom prst="rect">
+            <a:avLst/>
+          </a:prstGeom>
+        </p:spPr>
+      </p:pic>
+      <p:pic>
+        <p:nvPicPr>
+          <p:cNvPr id="7" name="Picture 6"/>
+          <p:cNvPicPr>
+            <a:picLocks noChangeAspect="1"/>
+          </p:cNvPicPr>
+          <p:nvPr/>
+        </p:nvPicPr>
+        <p:blipFill>
+          <a:blip r:embed="rId5">
+            <a:extLst>
+              <a:ext uri="{28A0092B-C50C-407E-A947-70E740481C1C}">
+                <a14:useLocalDpi xmlns:a14="http://schemas.microsoft.com/office/drawing/2010/main" val="0"/>
+              </a:ext>
+            </a:extLst>
+          </a:blip>
+          <a:stretch>
+            <a:fillRect/>
+          </a:stretch>
+        </p:blipFill>
+        <p:spPr>
+          <a:xfrm>
+            <a:off x="12690414" y="1691733"/>
+            <a:ext cx="5852172" cy="4215392"/>
+          </a:xfrm>
+          <a:prstGeom prst="rect">
+            <a:avLst/>
+          </a:prstGeom>
+        </p:spPr>
+      </p:pic>
+    </p:spTree>
+    <p:extLst>
+      <p:ext uri="{BB962C8B-B14F-4D97-AF65-F5344CB8AC3E}">
+        <p14:creationId xmlns:p14="http://schemas.microsoft.com/office/powerpoint/2010/main" val="2724347328"/>
+      </p:ext>
+    </p:extLst>
+  </p:cSld>
+  <p:clrMapOvr>
+    <a:masterClrMapping/>
+  </p:clrMapOvr>
+  <p:timing>
+    <p:tnLst>
+      <p:par>
+        <p:cTn id="1" dur="indefinite" restart="never" nodeType="tmRoot">
+          <p:childTnLst>
+            <p:seq concurrent="1" nextAc="seek">
+              <p:cTn id="2" dur="indefinite" nodeType="mainSeq">
+                <p:childTnLst>
+                  <p:par>
+                    <p:cTn id="3" fill="hold">
+                      <p:stCondLst>
+                        <p:cond delay="indefinite"/>
+                      </p:stCondLst>
+                      <p:childTnLst>
+                        <p:par>
+                          <p:cTn id="4" fill="hold">
+                            <p:stCondLst>
+                              <p:cond delay="0"/>
+                            </p:stCondLst>
+                            <p:childTnLst>
+                              <p:par>
+                                <p:cTn id="5" presetID="1" presetClass="entr" presetSubtype="0" fill="hold" nodeType="clickEffect">
+                                  <p:stCondLst>
+                                    <p:cond delay="0"/>
+                                  </p:stCondLst>
+                                  <p:childTnLst>
+                                    <p:set>
+                                      <p:cBhvr>
+                                        <p:cTn id="6" dur="1" fill="hold">
+                                          <p:stCondLst>
+                                            <p:cond delay="0"/>
+                                          </p:stCondLst>
+                                        </p:cTn>
+                                        <p:tgtEl>
+                                          <p:spTgt spid="4"/>
+                                        </p:tgtEl>
+                                        <p:attrNameLst>
+                                          <p:attrName>style.visibility</p:attrName>
+                                        </p:attrNameLst>
+                                      </p:cBhvr>
+                                      <p:to>
+                                        <p:strVal val="visible"/>
+                                      </p:to>
+                                    </p:set>
+                                  </p:childTnLst>
+                                </p:cTn>
+                              </p:par>
+                              <p:par>
+                                <p:cTn id="7" presetID="1" presetClass="entr" presetSubtype="0" fill="hold" nodeType="withEffect">
+                                  <p:stCondLst>
+                                    <p:cond delay="0"/>
+                                  </p:stCondLst>
+                                  <p:childTnLst>
+                                    <p:set>
+                                      <p:cBhvr>
+                                        <p:cTn id="8" dur="1" fill="hold">
+                                          <p:stCondLst>
+                                            <p:cond delay="0"/>
+                                          </p:stCondLst>
+                                        </p:cTn>
+                                        <p:tgtEl>
+                                          <p:spTgt spid="5"/>
+                                        </p:tgtEl>
+                                        <p:attrNameLst>
+                                          <p:attrName>style.visibility</p:attrName>
+                                        </p:attrNameLst>
+                                      </p:cBhvr>
+                                      <p:to>
+                                        <p:strVal val="visible"/>
+                                      </p:to>
+                                    </p:set>
+                                  </p:childTnLst>
+                                </p:cTn>
+                              </p:par>
+                              <p:par>
+                                <p:cTn id="9" presetID="1" presetClass="entr" presetSubtype="0" fill="hold" nodeType="withEffect">
+                                  <p:stCondLst>
+                                    <p:cond delay="0"/>
+                                  </p:stCondLst>
+                                  <p:childTnLst>
+                                    <p:set>
+                                      <p:cBhvr>
+                                        <p:cTn id="10" dur="1" fill="hold">
+                                          <p:stCondLst>
+                                            <p:cond delay="0"/>
+                                          </p:stCondLst>
+                                        </p:cTn>
+                                        <p:tgtEl>
+                                          <p:spTgt spid="6"/>
+                                        </p:tgtEl>
+                                        <p:attrNameLst>
+                                          <p:attrName>style.visibility</p:attrName>
+                                        </p:attrNameLst>
+                                      </p:cBhvr>
+                                      <p:to>
+                                        <p:strVal val="visible"/>
+                                      </p:to>
+                                    </p:set>
+                                  </p:childTnLst>
+                                </p:cTn>
+                              </p:par>
+                            </p:childTnLst>
+                          </p:cTn>
+                        </p:par>
+                      </p:childTnLst>
+                    </p:cTn>
+                  </p:par>
+                </p:childTnLst>
+              </p:cTn>
+              <p:prevCondLst>
+                <p:cond evt="onPrev" delay="0">
+                  <p:tgtEl>
+                    <p:sldTgt/>
+                  </p:tgtEl>
+                </p:cond>
+              </p:prevCondLst>
+              <p:nextCondLst>
+                <p:cond evt="onNext" delay="0">
+                  <p:tgtEl>
+                    <p:sldTgt/>
+                  </p:tgtEl>
+                </p:cond>
+              </p:nextCondLst>
+            </p:seq>
+          </p:childTnLst>
+        </p:cTn>
+      </p:par>
+    </p:tnLst>
+  </p:timing>
+</p:sld>
+</file>
+
+<file path=ppt/slides/slide19.xml><?xml version="1.0" encoding="utf-8"?>
+<p:sld xmlns:a="http://schemas.openxmlformats.org/drawingml/2006/main" xmlns:r="http://schemas.openxmlformats.org/officeDocument/2006/relationships" xmlns:p="http://schemas.openxmlformats.org/presentationml/2006/main">
+  <p:cSld>
+    <p:spTree>
+      <p:nvGrpSpPr>
+        <p:cNvPr id="1" name=""/>
+        <p:cNvGrpSpPr/>
+        <p:nvPr/>
+      </p:nvGrpSpPr>
+      <p:grpSpPr>
+        <a:xfrm>
+          <a:off x="0" y="0"/>
+          <a:ext cx="0" cy="0"/>
+          <a:chOff x="0" y="0"/>
+          <a:chExt cx="0" cy="0"/>
+        </a:xfrm>
+      </p:grpSpPr>
+      <p:sp>
+        <p:nvSpPr>
+          <p:cNvPr id="2" name="Title 1"/>
+          <p:cNvSpPr>
+            <a:spLocks noGrp="1"/>
+          </p:cNvSpPr>
+          <p:nvPr>
+            <p:ph type="title"/>
+          </p:nvPr>
+        </p:nvSpPr>
+        <p:spPr/>
+        <p:txBody>
+          <a:bodyPr/>
+          <a:lstStyle/>
+          <a:p>
+            <a:r>
+              <a:rPr lang="en-US" dirty="0" smtClean="0"/>
+              <a:t>pyfluv benefits</a:t>
+            </a:r>
+            <a:endParaRPr lang="en-US" dirty="0"/>
+          </a:p>
+        </p:txBody>
+      </p:sp>
+      <p:sp>
+        <p:nvSpPr>
+          <p:cNvPr id="3" name="Content Placeholder 2"/>
+          <p:cNvSpPr>
+            <a:spLocks noGrp="1"/>
+          </p:cNvSpPr>
+          <p:nvPr>
+            <p:ph idx="1"/>
+          </p:nvPr>
+        </p:nvSpPr>
+        <p:spPr/>
+        <p:txBody>
+          <a:bodyPr/>
+          <a:lstStyle/>
+          <a:p>
+            <a:r>
+              <a:rPr lang="en-US" dirty="0" smtClean="0"/>
+              <a:t>Faster turnaround of stream surveys</a:t>
+            </a:r>
+          </a:p>
+          <a:p>
+            <a:endParaRPr lang="en-US" dirty="0" smtClean="0"/>
+          </a:p>
+          <a:p>
+            <a:r>
+              <a:rPr lang="en-US" dirty="0" smtClean="0"/>
+              <a:t>More accurate and repeatable analyses</a:t>
+            </a:r>
+          </a:p>
+          <a:p>
+            <a:endParaRPr lang="en-US" dirty="0" smtClean="0"/>
+          </a:p>
+          <a:p>
+            <a:r>
+              <a:rPr lang="en-US" smtClean="0"/>
+              <a:t>Modular, easily </a:t>
+            </a:r>
+            <a:r>
+              <a:rPr lang="en-US" dirty="0" smtClean="0"/>
+              <a:t>extendable framework</a:t>
+            </a:r>
+          </a:p>
+          <a:p>
+            <a:endParaRPr lang="en-US" dirty="0" smtClean="0"/>
+          </a:p>
+          <a:p>
+            <a:r>
+              <a:rPr lang="en-US" dirty="0" smtClean="0"/>
+              <a:t>Totally free</a:t>
+            </a:r>
+            <a:endParaRPr lang="en-US" dirty="0"/>
+          </a:p>
+        </p:txBody>
+      </p:sp>
+    </p:spTree>
+    <p:extLst>
+      <p:ext uri="{BB962C8B-B14F-4D97-AF65-F5344CB8AC3E}">
+        <p14:creationId xmlns:p14="http://schemas.microsoft.com/office/powerpoint/2010/main" val="908373092"/>
+      </p:ext>
+    </p:extLst>
+  </p:cSld>
+  <p:clrMapOvr>
+    <a:masterClrMapping/>
+  </p:clrMapOvr>
+  <p:timing>
+    <p:tnLst>
+      <p:par>
+        <p:cTn id="1" dur="indefinite" restart="never" nodeType="tmRoot">
+          <p:childTnLst>
+            <p:seq concurrent="1" nextAc="seek">
+              <p:cTn id="2" dur="indefinite" nodeType="mainSeq">
+                <p:childTnLst>
+                  <p:par>
+                    <p:cTn id="3" fill="hold">
+                      <p:stCondLst>
+                        <p:cond delay="indefinite"/>
+                      </p:stCondLst>
+                      <p:childTnLst>
+                        <p:par>
+                          <p:cTn id="4" fill="hold">
+                            <p:stCondLst>
+                              <p:cond delay="0"/>
+                            </p:stCondLst>
+                            <p:childTnLst>
+                              <p:par>
+                                <p:cTn id="5" presetID="1" presetClass="entr" presetSubtype="0" fill="hold" nodeType="clickEffect">
+                                  <p:stCondLst>
+                                    <p:cond delay="0"/>
+                                  </p:stCondLst>
+                                  <p:childTnLst>
+                                    <p:set>
+                                      <p:cBhvr>
+                                        <p:cTn id="6" dur="1" fill="hold">
+                                          <p:stCondLst>
+                                            <p:cond delay="0"/>
+                                          </p:stCondLst>
+                                        </p:cTn>
+                                        <p:tgtEl>
+                                          <p:spTgt spid="3">
+                                            <p:txEl>
+                                              <p:pRg st="0" end="0"/>
+                                            </p:txEl>
+                                          </p:spTgt>
+                                        </p:tgtEl>
+                                        <p:attrNameLst>
+                                          <p:attrName>style.visibility</p:attrName>
+                                        </p:attrNameLst>
+                                      </p:cBhvr>
+                                      <p:to>
+                                        <p:strVal val="visible"/>
+                                      </p:to>
+                                    </p:set>
+                                  </p:childTnLst>
+                                </p:cTn>
+                              </p:par>
+                            </p:childTnLst>
+                          </p:cTn>
+                        </p:par>
+                      </p:childTnLst>
+                    </p:cTn>
+                  </p:par>
+                  <p:par>
+                    <p:cTn id="7" fill="hold">
+                      <p:stCondLst>
+                        <p:cond delay="indefinite"/>
+                      </p:stCondLst>
+                      <p:childTnLst>
+                        <p:par>
+                          <p:cTn id="8" fill="hold">
+                            <p:stCondLst>
+                              <p:cond delay="0"/>
+                            </p:stCondLst>
+                            <p:childTnLst>
+                              <p:par>
+                                <p:cTn id="9" presetID="1" presetClass="entr" presetSubtype="0" fill="hold" nodeType="clickEffect">
+                                  <p:stCondLst>
+                                    <p:cond delay="0"/>
+                                  </p:stCondLst>
+                                  <p:childTnLst>
+                                    <p:set>
+                                      <p:cBhvr>
+                                        <p:cTn id="10" dur="1" fill="hold">
+                                          <p:stCondLst>
+                                            <p:cond delay="0"/>
+                                          </p:stCondLst>
+                                        </p:cTn>
+                                        <p:tgtEl>
+                                          <p:spTgt spid="3">
+                                            <p:txEl>
+                                              <p:pRg st="2" end="2"/>
+                                            </p:txEl>
+                                          </p:spTgt>
+                                        </p:tgtEl>
+                                        <p:attrNameLst>
+                                          <p:attrName>style.visibility</p:attrName>
+                                        </p:attrNameLst>
+                                      </p:cBhvr>
+                                      <p:to>
+                                        <p:strVal val="visible"/>
+                                      </p:to>
+                                    </p:set>
+                                  </p:childTnLst>
+                                </p:cTn>
+                              </p:par>
+                            </p:childTnLst>
+                          </p:cTn>
+                        </p:par>
+                      </p:childTnLst>
+                    </p:cTn>
+                  </p:par>
+                  <p:par>
+                    <p:cTn id="11" fill="hold">
+                      <p:stCondLst>
+                        <p:cond delay="indefinite"/>
+                      </p:stCondLst>
+                      <p:childTnLst>
+                        <p:par>
+                          <p:cTn id="12" fill="hold">
+                            <p:stCondLst>
+                              <p:cond delay="0"/>
+                            </p:stCondLst>
+                            <p:childTnLst>
+                              <p:par>
+                                <p:cTn id="13" presetID="1" presetClass="entr" presetSubtype="0" fill="hold" nodeType="clickEffect">
+                                  <p:stCondLst>
+                                    <p:cond delay="0"/>
+                                  </p:stCondLst>
+                                  <p:childTnLst>
+                                    <p:set>
+                                      <p:cBhvr>
+                                        <p:cTn id="14" dur="1" fill="hold">
+                                          <p:stCondLst>
+                                            <p:cond delay="0"/>
+                                          </p:stCondLst>
+                                        </p:cTn>
+                                        <p:tgtEl>
+                                          <p:spTgt spid="3">
+                                            <p:txEl>
+                                              <p:pRg st="4" end="4"/>
+                                            </p:txEl>
+                                          </p:spTgt>
+                                        </p:tgtEl>
+                                        <p:attrNameLst>
+                                          <p:attrName>style.visibility</p:attrName>
+                                        </p:attrNameLst>
+                                      </p:cBhvr>
+                                      <p:to>
+                                        <p:strVal val="visible"/>
+                                      </p:to>
+                                    </p:set>
+                                  </p:childTnLst>
+                                </p:cTn>
+                              </p:par>
+                            </p:childTnLst>
+                          </p:cTn>
+                        </p:par>
+                      </p:childTnLst>
+                    </p:cTn>
+                  </p:par>
+                  <p:par>
+                    <p:cTn id="15" fill="hold">
+                      <p:stCondLst>
+                        <p:cond delay="indefinite"/>
+                      </p:stCondLst>
+                      <p:childTnLst>
+                        <p:par>
+                          <p:cTn id="16" fill="hold">
+                            <p:stCondLst>
+                              <p:cond delay="0"/>
+                            </p:stCondLst>
+                            <p:childTnLst>
+                              <p:par>
+                                <p:cTn id="17" presetID="1" presetClass="entr" presetSubtype="0" fill="hold" nodeType="clickEffect">
+                                  <p:stCondLst>
+                                    <p:cond delay="0"/>
+                                  </p:stCondLst>
+                                  <p:childTnLst>
+                                    <p:set>
+                                      <p:cBhvr>
+                                        <p:cTn id="18" dur="1" fill="hold">
+                                          <p:stCondLst>
+                                            <p:cond delay="0"/>
+                                          </p:stCondLst>
+                                        </p:cTn>
+                                        <p:tgtEl>
+                                          <p:spTgt spid="3">
+                                            <p:txEl>
+                                              <p:pRg st="6" end="6"/>
+                                            </p:txEl>
+                                          </p:spTgt>
+                                        </p:tgtEl>
+                                        <p:attrNameLst>
+                                          <p:attrName>style.visibility</p:attrName>
+                                        </p:attrNameLst>
+                                      </p:cBhvr>
+                                      <p:to>
+                                        <p:strVal val="visible"/>
+                                      </p:to>
+                                    </p:set>
+                                  </p:childTnLst>
+                                </p:cTn>
+                              </p:par>
+                            </p:childTnLst>
+                          </p:cTn>
+                        </p:par>
+                      </p:childTnLst>
+                    </p:cTn>
+                  </p:par>
+                </p:childTnLst>
+              </p:cTn>
+              <p:prevCondLst>
+                <p:cond evt="onPrev" delay="0">
+                  <p:tgtEl>
+                    <p:sldTgt/>
+                  </p:tgtEl>
+                </p:cond>
+              </p:prevCondLst>
+              <p:nextCondLst>
+                <p:cond evt="onNext" delay="0">
+                  <p:tgtEl>
+                    <p:sldTgt/>
+                  </p:tgtEl>
+                </p:cond>
+              </p:nextCondLst>
+            </p:seq>
+          </p:childTnLst>
+        </p:cTn>
+      </p:par>
+    </p:tnLst>
+  </p:timing>
+</p:sld>
+</file>
+
 <file path=ppt/slides/slide2.xml><?xml version="1.0" encoding="utf-8"?>
 <p:sld xmlns:a="http://schemas.openxmlformats.org/drawingml/2006/main" xmlns:r="http://schemas.openxmlformats.org/officeDocument/2006/relationships" xmlns:p="http://schemas.openxmlformats.org/presentationml/2006/main">
   <p:cSld>
@@ -3340,6 +7822,72 @@
 </p:sld>
 </file>
 
+<file path=ppt/slides/slide20.xml><?xml version="1.0" encoding="utf-8"?>
+<p:sld xmlns:a="http://schemas.openxmlformats.org/drawingml/2006/main" xmlns:r="http://schemas.openxmlformats.org/officeDocument/2006/relationships" xmlns:p="http://schemas.openxmlformats.org/presentationml/2006/main">
+  <p:cSld>
+    <p:spTree>
+      <p:nvGrpSpPr>
+        <p:cNvPr id="1" name=""/>
+        <p:cNvGrpSpPr/>
+        <p:nvPr/>
+      </p:nvGrpSpPr>
+      <p:grpSpPr>
+        <a:xfrm>
+          <a:off x="0" y="0"/>
+          <a:ext cx="0" cy="0"/>
+          <a:chOff x="0" y="0"/>
+          <a:chExt cx="0" cy="0"/>
+        </a:xfrm>
+      </p:grpSpPr>
+      <p:sp>
+        <p:nvSpPr>
+          <p:cNvPr id="2" name="Title 1"/>
+          <p:cNvSpPr>
+            <a:spLocks noGrp="1"/>
+          </p:cNvSpPr>
+          <p:nvPr>
+            <p:ph type="title"/>
+          </p:nvPr>
+        </p:nvSpPr>
+        <p:spPr>
+          <a:xfrm>
+            <a:off x="838200" y="2545617"/>
+            <a:ext cx="10515600" cy="1325563"/>
+          </a:xfrm>
+        </p:spPr>
+        <p:txBody>
+          <a:bodyPr/>
+          <a:lstStyle/>
+          <a:p>
+            <a:pPr algn="ctr"/>
+            <a:r>
+              <a:rPr lang="en-US" sz="7400" dirty="0" smtClean="0"/>
+              <a:t>Questions</a:t>
+            </a:r>
+            <a:endParaRPr lang="en-US" sz="7400" dirty="0"/>
+          </a:p>
+        </p:txBody>
+      </p:sp>
+    </p:spTree>
+    <p:extLst>
+      <p:ext uri="{BB962C8B-B14F-4D97-AF65-F5344CB8AC3E}">
+        <p14:creationId xmlns:p14="http://schemas.microsoft.com/office/powerpoint/2010/main" val="1832112493"/>
+      </p:ext>
+    </p:extLst>
+  </p:cSld>
+  <p:clrMapOvr>
+    <a:masterClrMapping/>
+  </p:clrMapOvr>
+  <p:timing>
+    <p:tnLst>
+      <p:par>
+        <p:cTn id="1" dur="indefinite" restart="never" nodeType="tmRoot"/>
+      </p:par>
+    </p:tnLst>
+  </p:timing>
+</p:sld>
+</file>
+
 <file path=ppt/slides/slide3.xml><?xml version="1.0" encoding="utf-8"?>
 <p:sld xmlns:a="http://schemas.openxmlformats.org/drawingml/2006/main" xmlns:r="http://schemas.openxmlformats.org/officeDocument/2006/relationships" xmlns:p="http://schemas.openxmlformats.org/presentationml/2006/main">
   <p:cSld>
@@ -3397,8 +7945,23 @@
           <a:p>
             <a:r>
               <a:rPr lang="en-US" dirty="0" smtClean="0"/>
-              <a:t>Provide an high level, extensible programming library for analyzing stream surveys</a:t>
-            </a:r>
+              <a:t>Provide </a:t>
+            </a:r>
+            <a:r>
+              <a:rPr lang="en-US" dirty="0" smtClean="0"/>
+              <a:t>a </a:t>
+            </a:r>
+            <a:r>
+              <a:rPr lang="en-US" dirty="0" smtClean="0"/>
+              <a:t>high level, extensible programming library for analyzing stream </a:t>
+            </a:r>
+            <a:r>
+              <a:rPr lang="en-US" dirty="0" smtClean="0"/>
+              <a:t>surveys, with a focus on stream restoration</a:t>
+            </a:r>
+          </a:p>
+          <a:p>
+            <a:endParaRPr lang="en-US" dirty="0" smtClean="0"/>
           </a:p>
           <a:p>
             <a:r>
@@ -3418,13 +7981,25 @@
             <a:pPr lvl="1"/>
             <a:r>
               <a:rPr lang="en-US" dirty="0" smtClean="0"/>
-              <a:t>e.g., meta-analyses, remotely sensed data</a:t>
-            </a:r>
-          </a:p>
-          <a:p>
-            <a:r>
-              <a:rPr lang="en-US" dirty="0" smtClean="0"/>
-              <a:t>Demonstrate novel techniques for stream analysis</a:t>
+              <a:t>e.g., meta-analyses, remotely sensed </a:t>
+            </a:r>
+            <a:r>
+              <a:rPr lang="en-US" dirty="0" smtClean="0"/>
+              <a:t>data</a:t>
+            </a:r>
+          </a:p>
+          <a:p>
+            <a:pPr lvl="1"/>
+            <a:endParaRPr lang="en-US" dirty="0" smtClean="0"/>
+          </a:p>
+          <a:p>
+            <a:r>
+              <a:rPr lang="en-US" dirty="0" smtClean="0"/>
+              <a:t>Demonstrate novel techniques for stream </a:t>
+            </a:r>
+            <a:r>
+              <a:rPr lang="en-US" dirty="0" smtClean="0"/>
+              <a:t>analysis</a:t>
             </a:r>
             <a:endParaRPr lang="en-US" dirty="0"/>
           </a:p>
@@ -3525,7 +8100,7 @@
                                         <p:tgtEl>
                                           <p:spTgt spid="3">
                                             <p:txEl>
-                                              <p:pRg st="1" end="1"/>
+                                              <p:pRg st="2" end="2"/>
                                             </p:txEl>
                                           </p:spTgt>
                                         </p:tgtEl>
@@ -3556,7 +8131,7 @@
                                         <p:tgtEl>
                                           <p:spTgt spid="3">
                                             <p:txEl>
-                                              <p:pRg st="2" end="2"/>
+                                              <p:pRg st="3" end="3"/>
                                             </p:txEl>
                                           </p:spTgt>
                                         </p:tgtEl>
@@ -3605,7 +8180,7 @@
                                         <p:tgtEl>
                                           <p:spTgt spid="3">
                                             <p:txEl>
-                                              <p:pRg st="3" end="3"/>
+                                              <p:pRg st="5" end="5"/>
                                             </p:txEl>
                                           </p:spTgt>
                                         </p:tgtEl>
@@ -3743,6 +8318,65 @@
           </a:p>
         </p:txBody>
       </p:sp>
+      <p:pic>
+        <p:nvPicPr>
+          <p:cNvPr id="4" name="Picture 3"/>
+          <p:cNvPicPr>
+            <a:picLocks noChangeAspect="1"/>
+          </p:cNvPicPr>
+          <p:nvPr/>
+        </p:nvPicPr>
+        <p:blipFill>
+          <a:blip r:embed="rId2">
+            <a:extLst>
+              <a:ext uri="{28A0092B-C50C-407E-A947-70E740481C1C}">
+                <a14:useLocalDpi xmlns:a14="http://schemas.microsoft.com/office/drawing/2010/main" val="0"/>
+              </a:ext>
+            </a:extLst>
+          </a:blip>
+          <a:stretch>
+            <a:fillRect/>
+          </a:stretch>
+        </p:blipFill>
+        <p:spPr>
+          <a:xfrm>
+            <a:off x="525633" y="4001294"/>
+            <a:ext cx="5429250" cy="2705100"/>
+          </a:xfrm>
+          <a:prstGeom prst="rect">
+            <a:avLst/>
+          </a:prstGeom>
+        </p:spPr>
+      </p:pic>
+      <p:sp>
+        <p:nvSpPr>
+          <p:cNvPr id="5" name="Rectangle 4"/>
+          <p:cNvSpPr/>
+          <p:nvPr/>
+        </p:nvSpPr>
+        <p:spPr>
+          <a:xfrm>
+            <a:off x="5997524" y="6449606"/>
+            <a:ext cx="1690335" cy="369332"/>
+          </a:xfrm>
+          <a:prstGeom prst="rect">
+            <a:avLst/>
+          </a:prstGeom>
+        </p:spPr>
+        <p:txBody>
+          <a:bodyPr wrap="none">
+            <a:spAutoFit/>
+          </a:bodyPr>
+          <a:lstStyle/>
+          <a:p>
+            <a:r>
+              <a:rPr lang="en-US" i="1" dirty="0" smtClean="0"/>
+              <a:t>Image: WA-DNR</a:t>
+            </a:r>
+            <a:endParaRPr lang="en-US" i="1" dirty="0"/>
+          </a:p>
+        </p:txBody>
+      </p:sp>
     </p:spTree>
     <p:extLst>
       <p:ext uri="{BB962C8B-B14F-4D97-AF65-F5344CB8AC3E}">
@@ -3782,6 +8416,52 @@
       </p:grpSpPr>
       <p:sp>
         <p:nvSpPr>
+          <p:cNvPr id="4" name="Rectangle 3"/>
+          <p:cNvSpPr/>
+          <p:nvPr/>
+        </p:nvSpPr>
+        <p:spPr>
+          <a:xfrm>
+            <a:off x="4712679" y="1842898"/>
+            <a:ext cx="1927273" cy="467409"/>
+          </a:xfrm>
+          <a:prstGeom prst="rect">
+            <a:avLst/>
+          </a:prstGeom>
+          <a:solidFill>
+            <a:schemeClr val="bg1"/>
+          </a:solidFill>
+          <a:ln>
+            <a:noFill/>
+          </a:ln>
+        </p:spPr>
+        <p:style>
+          <a:lnRef idx="2">
+            <a:schemeClr val="accent1">
+              <a:shade val="50000"/>
+            </a:schemeClr>
+          </a:lnRef>
+          <a:fillRef idx="1">
+            <a:schemeClr val="accent1"/>
+          </a:fillRef>
+          <a:effectRef idx="0">
+            <a:schemeClr val="accent1"/>
+          </a:effectRef>
+          <a:fontRef idx="minor">
+            <a:schemeClr val="lt1"/>
+          </a:fontRef>
+        </p:style>
+        <p:txBody>
+          <a:bodyPr rtlCol="0" anchor="ctr"/>
+          <a:lstStyle/>
+          <a:p>
+            <a:pPr algn="ctr"/>
+            <a:endParaRPr lang="en-US"/>
+          </a:p>
+        </p:txBody>
+      </p:sp>
+      <p:sp>
+        <p:nvSpPr>
           <p:cNvPr id="2" name="Title 1"/>
           <p:cNvSpPr>
             <a:spLocks noGrp="1"/>
@@ -3820,7 +8500,21 @@
           <a:p>
             <a:r>
               <a:rPr lang="en-US" dirty="0" smtClean="0"/>
-              <a:t>pip install pyfluv from the terminal</a:t>
+              <a:t>Anyone with Python can </a:t>
+            </a:r>
+            <a:r>
+              <a:rPr lang="en-US" sz="2400" dirty="0" smtClean="0">
+                <a:latin typeface="Consolas" panose="020B0609020204030204" pitchFamily="49" charset="0"/>
+              </a:rPr>
+              <a:t>pip install </a:t>
+            </a:r>
+            <a:r>
+              <a:rPr lang="en-US" dirty="0" smtClean="0"/>
+              <a:t>pyfluv </a:t>
+            </a:r>
+            <a:r>
+              <a:rPr lang="en-US" dirty="0" smtClean="0"/>
+              <a:t>from the terminal</a:t>
             </a:r>
           </a:p>
           <a:p>
@@ -3930,7 +8624,11 @@
             <a:pPr algn="ctr"/>
             <a:r>
               <a:rPr lang="en-US" dirty="0" smtClean="0"/>
-              <a:t>A short demonstration</a:t>
+              <a:t>A </a:t>
+            </a:r>
+            <a:r>
+              <a:rPr lang="en-US" dirty="0" smtClean="0"/>
+              <a:t>short demonstration</a:t>
             </a:r>
             <a:br>
               <a:rPr lang="en-US" dirty="0" smtClean="0"/>

--- a/TNAWRA_4-10-2019/jones_randall_pyfluv.pptx
+++ b/TNAWRA_4-10-2019/jones_randall_pyfluv.pptx
@@ -5090,8 +5090,13 @@
           <a:p>
             <a:r>
               <a:rPr lang="en-US" dirty="0" smtClean="0"/>
-              <a:t>Rating curve generation*</a:t>
-            </a:r>
+              <a:t>Rating curve generation</a:t>
+            </a:r>
+            <a:r>
+              <a:rPr lang="en-US" dirty="0" smtClean="0"/>
+              <a:t>*</a:t>
+            </a:r>
+            <a:endParaRPr lang="en-US" dirty="0" smtClean="0"/>
           </a:p>
           <a:p>
             <a:r>
@@ -5106,7 +5111,11 @@
             </a:r>
             <a:r>
               <a:rPr lang="en-US" dirty="0" smtClean="0"/>
-              <a:t> fitting</a:t>
+              <a:t> </a:t>
+            </a:r>
+            <a:r>
+              <a:rPr lang="en-US" dirty="0" smtClean="0"/>
+              <a:t>fitting</a:t>
             </a:r>
           </a:p>
           <a:p>
@@ -5519,7 +5528,19 @@
           <a:p>
             <a:r>
               <a:rPr lang="en-US" dirty="0" smtClean="0"/>
-              <a:t>Algorithms meant to facilitate the analysis of stream data that is lacking field callouts and cannot be manually inspected</a:t>
+              <a:t>Algorithms meant to facilitate the analysis of stream data that </a:t>
+            </a:r>
+            <a:r>
+              <a:rPr lang="en-US" dirty="0" smtClean="0"/>
+              <a:t>are</a:t>
+            </a:r>
+            <a:r>
+              <a:rPr lang="en-US" dirty="0" smtClean="0"/>
+              <a:t> </a:t>
+            </a:r>
+            <a:r>
+              <a:rPr lang="en-US" dirty="0" smtClean="0"/>
+              <a:t>lacking field callouts and cannot be manually inspected</a:t>
             </a:r>
           </a:p>
           <a:p>
@@ -7945,19 +7966,7 @@
           <a:p>
             <a:r>
               <a:rPr lang="en-US" dirty="0" smtClean="0"/>
-              <a:t>Provide </a:t>
-            </a:r>
-            <a:r>
-              <a:rPr lang="en-US" dirty="0" smtClean="0"/>
-              <a:t>a </a:t>
-            </a:r>
-            <a:r>
-              <a:rPr lang="en-US" dirty="0" smtClean="0"/>
-              <a:t>high level, extensible programming library for analyzing stream </a:t>
-            </a:r>
-            <a:r>
-              <a:rPr lang="en-US" dirty="0" smtClean="0"/>
-              <a:t>surveys, with a focus on stream restoration</a:t>
+              <a:t>Provide a high level, extensible programming library for analyzing stream surveys, with a focus on stream restoration</a:t>
             </a:r>
           </a:p>
           <a:p>
@@ -7981,11 +7990,7 @@
             <a:pPr lvl="1"/>
             <a:r>
               <a:rPr lang="en-US" dirty="0" smtClean="0"/>
-              <a:t>e.g., meta-analyses, remotely sensed </a:t>
-            </a:r>
-            <a:r>
-              <a:rPr lang="en-US" dirty="0" smtClean="0"/>
-              <a:t>data</a:t>
+              <a:t>e.g., meta-analyses, remotely sensed data</a:t>
             </a:r>
           </a:p>
           <a:p>
@@ -7995,11 +8000,7 @@
           <a:p>
             <a:r>
               <a:rPr lang="en-US" dirty="0" smtClean="0"/>
-              <a:t>Demonstrate novel techniques for stream </a:t>
-            </a:r>
-            <a:r>
-              <a:rPr lang="en-US" dirty="0" smtClean="0"/>
-              <a:t>analysis</a:t>
+              <a:t>Demonstrate novel techniques for stream analysis</a:t>
             </a:r>
             <a:endParaRPr lang="en-US" dirty="0"/>
           </a:p>
@@ -8510,11 +8511,7 @@
             </a:r>
             <a:r>
               <a:rPr lang="en-US" dirty="0" smtClean="0"/>
-              <a:t>pyfluv </a:t>
-            </a:r>
-            <a:r>
-              <a:rPr lang="en-US" dirty="0" smtClean="0"/>
-              <a:t>from the terminal</a:t>
+              <a:t>pyfluv from the terminal</a:t>
             </a:r>
           </a:p>
           <a:p>
@@ -8624,11 +8621,7 @@
             <a:pPr algn="ctr"/>
             <a:r>
               <a:rPr lang="en-US" dirty="0" smtClean="0"/>
-              <a:t>A </a:t>
-            </a:r>
-            <a:r>
-              <a:rPr lang="en-US" dirty="0" smtClean="0"/>
-              <a:t>short demonstration</a:t>
+              <a:t>A short demonstration</a:t>
             </a:r>
             <a:br>
               <a:rPr lang="en-US" dirty="0" smtClean="0"/>

--- a/TNAWRA_4-10-2019/jones_randall_pyfluv.pptx
+++ b/TNAWRA_4-10-2019/jones_randall_pyfluv.pptx
@@ -5090,19 +5090,23 @@
           <a:p>
             <a:r>
               <a:rPr lang="en-US" dirty="0" smtClean="0"/>
-              <a:t>Rating curve generation</a:t>
-            </a:r>
-            <a:r>
-              <a:rPr lang="en-US" dirty="0" smtClean="0"/>
-              <a:t>*</a:t>
+              <a:t>Rating curve generation*</a:t>
+            </a:r>
+          </a:p>
+          <a:p>
+            <a:r>
+              <a:rPr lang="en-US" smtClean="0"/>
+              <a:t>Profile </a:t>
+            </a:r>
+            <a:r>
+              <a:rPr lang="en-US" smtClean="0"/>
+              <a:t>data </a:t>
+            </a:r>
+            <a:r>
+              <a:rPr lang="en-US" smtClean="0"/>
+              <a:t>interpolation</a:t>
             </a:r>
             <a:endParaRPr lang="en-US" dirty="0" smtClean="0"/>
-          </a:p>
-          <a:p>
-            <a:r>
-              <a:rPr lang="en-US" dirty="0" smtClean="0"/>
-              <a:t>Profile interpolation and smoothing</a:t>
-            </a:r>
           </a:p>
           <a:p>
             <a:r>
@@ -5111,11 +5115,7 @@
             </a:r>
             <a:r>
               <a:rPr lang="en-US" dirty="0" smtClean="0"/>
-              <a:t> </a:t>
-            </a:r>
-            <a:r>
-              <a:rPr lang="en-US" dirty="0" smtClean="0"/>
-              <a:t>fitting</a:t>
+              <a:t> fitting</a:t>
             </a:r>
           </a:p>
           <a:p>
@@ -5528,19 +5528,7 @@
           <a:p>
             <a:r>
               <a:rPr lang="en-US" dirty="0" smtClean="0"/>
-              <a:t>Algorithms meant to facilitate the analysis of stream data that </a:t>
-            </a:r>
-            <a:r>
-              <a:rPr lang="en-US" dirty="0" smtClean="0"/>
-              <a:t>are</a:t>
-            </a:r>
-            <a:r>
-              <a:rPr lang="en-US" dirty="0" smtClean="0"/>
-              <a:t> </a:t>
-            </a:r>
-            <a:r>
-              <a:rPr lang="en-US" dirty="0" smtClean="0"/>
-              <a:t>lacking field callouts and cannot be manually inspected</a:t>
+              <a:t>Algorithms meant to facilitate the analysis of stream data that are lacking field callouts and cannot be manually inspected</a:t>
             </a:r>
           </a:p>
           <a:p>
@@ -7064,7 +7052,7 @@
         </p:blipFill>
         <p:spPr>
           <a:xfrm>
-            <a:off x="449330" y="3799429"/>
+            <a:off x="6341163" y="3807042"/>
             <a:ext cx="5680944" cy="2834491"/>
           </a:xfrm>
           <a:prstGeom prst="rect">
@@ -7094,7 +7082,7 @@
         </p:blipFill>
         <p:spPr>
           <a:xfrm>
-            <a:off x="6454644" y="3799429"/>
+            <a:off x="210992" y="3799428"/>
             <a:ext cx="5461864" cy="2834491"/>
           </a:xfrm>
           <a:prstGeom prst="rect">

--- a/TNAWRA_4-10-2019/jones_randall_pyfluv.pptx
+++ b/TNAWRA_4-10-2019/jones_randall_pyfluv.pptx
@@ -7,8 +7,8 @@
   <p:sldIdLst>
     <p:sldId id="256" r:id="rId2"/>
     <p:sldId id="258" r:id="rId3"/>
-    <p:sldId id="260" r:id="rId4"/>
-    <p:sldId id="259" r:id="rId5"/>
+    <p:sldId id="259" r:id="rId4"/>
+    <p:sldId id="260" r:id="rId5"/>
     <p:sldId id="261" r:id="rId6"/>
     <p:sldId id="262" r:id="rId7"/>
     <p:sldId id="263" r:id="rId8"/>
@@ -262,7 +262,7 @@
           <a:p>
             <a:fld id="{3229FAC0-02B6-4B5A-8F31-347A5E9F52A9}" type="datetimeFigureOut">
               <a:rPr lang="en-US" smtClean="0"/>
-              <a:t>4/7/2019</a:t>
+              <a:t>4/8/2019</a:t>
             </a:fld>
             <a:endParaRPr lang="en-US"/>
           </a:p>
@@ -432,7 +432,7 @@
           <a:p>
             <a:fld id="{3229FAC0-02B6-4B5A-8F31-347A5E9F52A9}" type="datetimeFigureOut">
               <a:rPr lang="en-US" smtClean="0"/>
-              <a:t>4/7/2019</a:t>
+              <a:t>4/8/2019</a:t>
             </a:fld>
             <a:endParaRPr lang="en-US"/>
           </a:p>
@@ -612,7 +612,7 @@
           <a:p>
             <a:fld id="{3229FAC0-02B6-4B5A-8F31-347A5E9F52A9}" type="datetimeFigureOut">
               <a:rPr lang="en-US" smtClean="0"/>
-              <a:t>4/7/2019</a:t>
+              <a:t>4/8/2019</a:t>
             </a:fld>
             <a:endParaRPr lang="en-US"/>
           </a:p>
@@ -782,7 +782,7 @@
           <a:p>
             <a:fld id="{3229FAC0-02B6-4B5A-8F31-347A5E9F52A9}" type="datetimeFigureOut">
               <a:rPr lang="en-US" smtClean="0"/>
-              <a:t>4/7/2019</a:t>
+              <a:t>4/8/2019</a:t>
             </a:fld>
             <a:endParaRPr lang="en-US"/>
           </a:p>
@@ -1028,7 +1028,7 @@
           <a:p>
             <a:fld id="{3229FAC0-02B6-4B5A-8F31-347A5E9F52A9}" type="datetimeFigureOut">
               <a:rPr lang="en-US" smtClean="0"/>
-              <a:t>4/7/2019</a:t>
+              <a:t>4/8/2019</a:t>
             </a:fld>
             <a:endParaRPr lang="en-US"/>
           </a:p>
@@ -1260,7 +1260,7 @@
           <a:p>
             <a:fld id="{3229FAC0-02B6-4B5A-8F31-347A5E9F52A9}" type="datetimeFigureOut">
               <a:rPr lang="en-US" smtClean="0"/>
-              <a:t>4/7/2019</a:t>
+              <a:t>4/8/2019</a:t>
             </a:fld>
             <a:endParaRPr lang="en-US"/>
           </a:p>
@@ -1627,7 +1627,7 @@
           <a:p>
             <a:fld id="{3229FAC0-02B6-4B5A-8F31-347A5E9F52A9}" type="datetimeFigureOut">
               <a:rPr lang="en-US" smtClean="0"/>
-              <a:t>4/7/2019</a:t>
+              <a:t>4/8/2019</a:t>
             </a:fld>
             <a:endParaRPr lang="en-US"/>
           </a:p>
@@ -1745,7 +1745,7 @@
           <a:p>
             <a:fld id="{3229FAC0-02B6-4B5A-8F31-347A5E9F52A9}" type="datetimeFigureOut">
               <a:rPr lang="en-US" smtClean="0"/>
-              <a:t>4/7/2019</a:t>
+              <a:t>4/8/2019</a:t>
             </a:fld>
             <a:endParaRPr lang="en-US"/>
           </a:p>
@@ -1840,7 +1840,7 @@
           <a:p>
             <a:fld id="{3229FAC0-02B6-4B5A-8F31-347A5E9F52A9}" type="datetimeFigureOut">
               <a:rPr lang="en-US" smtClean="0"/>
-              <a:t>4/7/2019</a:t>
+              <a:t>4/8/2019</a:t>
             </a:fld>
             <a:endParaRPr lang="en-US"/>
           </a:p>
@@ -2117,7 +2117,7 @@
           <a:p>
             <a:fld id="{3229FAC0-02B6-4B5A-8F31-347A5E9F52A9}" type="datetimeFigureOut">
               <a:rPr lang="en-US" smtClean="0"/>
-              <a:t>4/7/2019</a:t>
+              <a:t>4/8/2019</a:t>
             </a:fld>
             <a:endParaRPr lang="en-US"/>
           </a:p>
@@ -2370,7 +2370,7 @@
           <a:p>
             <a:fld id="{3229FAC0-02B6-4B5A-8F31-347A5E9F52A9}" type="datetimeFigureOut">
               <a:rPr lang="en-US" smtClean="0"/>
-              <a:t>4/7/2019</a:t>
+              <a:t>4/8/2019</a:t>
             </a:fld>
             <a:endParaRPr lang="en-US"/>
           </a:p>
@@ -2583,7 +2583,7 @@
           <a:p>
             <a:fld id="{3229FAC0-02B6-4B5A-8F31-347A5E9F52A9}" type="datetimeFigureOut">
               <a:rPr lang="en-US" smtClean="0"/>
-              <a:t>4/7/2019</a:t>
+              <a:t>4/8/2019</a:t>
             </a:fld>
             <a:endParaRPr lang="en-US"/>
           </a:p>
@@ -2990,33 +2990,6 @@
       </p:grpSpPr>
       <p:sp>
         <p:nvSpPr>
-          <p:cNvPr id="2" name="Title 1"/>
-          <p:cNvSpPr>
-            <a:spLocks noGrp="1"/>
-          </p:cNvSpPr>
-          <p:nvPr>
-            <p:ph type="ctrTitle"/>
-          </p:nvPr>
-        </p:nvSpPr>
-        <p:spPr/>
-        <p:txBody>
-          <a:bodyPr/>
-          <a:lstStyle/>
-          <a:p>
-            <a:r>
-              <a:rPr lang="en-US" sz="8000" dirty="0" smtClean="0">
-                <a:latin typeface="Garamond" panose="02020404030301010803" pitchFamily="18" charset="0"/>
-              </a:rPr>
-              <a:t>pyfluv</a:t>
-            </a:r>
-            <a:endParaRPr lang="en-US" sz="8000" dirty="0">
-              <a:latin typeface="Garamond" panose="02020404030301010803" pitchFamily="18" charset="0"/>
-            </a:endParaRPr>
-          </a:p>
-        </p:txBody>
-      </p:sp>
-      <p:sp>
-        <p:nvSpPr>
           <p:cNvPr id="3" name="Subtitle 2"/>
           <p:cNvSpPr>
             <a:spLocks noGrp="1"/>
@@ -3094,6 +3067,36 @@
           <a:xfrm>
             <a:off x="10416727" y="204788"/>
             <a:ext cx="1502667" cy="1828804"/>
+          </a:xfrm>
+          <a:prstGeom prst="rect">
+            <a:avLst/>
+          </a:prstGeom>
+        </p:spPr>
+      </p:pic>
+      <p:pic>
+        <p:nvPicPr>
+          <p:cNvPr id="5" name="Picture 4"/>
+          <p:cNvPicPr>
+            <a:picLocks noChangeAspect="1"/>
+          </p:cNvPicPr>
+          <p:nvPr/>
+        </p:nvPicPr>
+        <p:blipFill>
+          <a:blip r:embed="rId3" cstate="print">
+            <a:extLst>
+              <a:ext uri="{28A0092B-C50C-407E-A947-70E740481C1C}">
+                <a14:useLocalDpi xmlns:a14="http://schemas.microsoft.com/office/drawing/2010/main" val="0"/>
+              </a:ext>
+            </a:extLst>
+          </a:blip>
+          <a:stretch>
+            <a:fillRect/>
+          </a:stretch>
+        </p:blipFill>
+        <p:spPr>
+          <a:xfrm>
+            <a:off x="3569080" y="1728791"/>
+            <a:ext cx="5010976" cy="1636563"/>
           </a:xfrm>
           <a:prstGeom prst="rect">
             <a:avLst/>
@@ -5096,15 +5099,7 @@
           <a:p>
             <a:r>
               <a:rPr lang="en-US" smtClean="0"/>
-              <a:t>Profile </a:t>
-            </a:r>
-            <a:r>
-              <a:rPr lang="en-US" smtClean="0"/>
-              <a:t>data </a:t>
-            </a:r>
-            <a:r>
-              <a:rPr lang="en-US" smtClean="0"/>
-              <a:t>interpolation</a:t>
+              <a:t>Profile data interpolation</a:t>
             </a:r>
             <a:endParaRPr lang="en-US" dirty="0" smtClean="0"/>
           </a:p>
@@ -7319,7 +7314,11 @@
           <a:p>
             <a:r>
               <a:rPr lang="en-US" dirty="0" smtClean="0"/>
-              <a:t>Faster turnaround of stream surveys</a:t>
+              <a:t>Faster, more accurate, more repeatable </a:t>
+            </a:r>
+            <a:r>
+              <a:rPr lang="en-US" dirty="0" smtClean="0"/>
+              <a:t>analyses</a:t>
             </a:r>
           </a:p>
           <a:p>
@@ -7328,20 +7327,7 @@
           <a:p>
             <a:r>
               <a:rPr lang="en-US" dirty="0" smtClean="0"/>
-              <a:t>More accurate and repeatable analyses</a:t>
-            </a:r>
-          </a:p>
-          <a:p>
-            <a:endParaRPr lang="en-US" dirty="0" smtClean="0"/>
-          </a:p>
-          <a:p>
-            <a:r>
-              <a:rPr lang="en-US" smtClean="0"/>
-              <a:t>Modular, easily </a:t>
-            </a:r>
-            <a:r>
-              <a:rPr lang="en-US" dirty="0" smtClean="0"/>
-              <a:t>extendable framework</a:t>
+              <a:t>Modular, easily extendable framework</a:t>
             </a:r>
           </a:p>
           <a:p>
@@ -7521,55 +7507,6 @@
                       </p:childTnLst>
                     </p:cTn>
                   </p:par>
-                  <p:par>
-                    <p:cTn id="15" fill="hold">
-                      <p:stCondLst>
-                        <p:cond delay="indefinite"/>
-                      </p:stCondLst>
-                      <p:childTnLst>
-                        <p:par>
-                          <p:cTn id="16" fill="hold">
-                            <p:stCondLst>
-                              <p:cond delay="0"/>
-                            </p:stCondLst>
-                            <p:childTnLst>
-                              <p:par>
-                                <p:cTn id="17" presetID="1" presetClass="entr" presetSubtype="0" fill="hold" nodeType="clickEffect">
-                                  <p:stCondLst>
-                                    <p:cond delay="0"/>
-                                  </p:stCondLst>
-                                  <p:childTnLst>
-                                    <p:set>
-                                      <p:cBhvr>
-                                        <p:cTn id="18" dur="1" fill="hold">
-                                          <p:stCondLst>
-                                            <p:cond delay="0"/>
-                                          </p:stCondLst>
-                                        </p:cTn>
-                                        <p:tgtEl>
-                                          <p:spTgt spid="3">
-                                            <p:txEl>
-                                              <p:pRg st="6" end="6"/>
-                                            </p:txEl>
-                                          </p:spTgt>
-                                        </p:tgtEl>
-                                        <p:attrNameLst>
-                                          <p:attrName>style.visibility</p:attrName>
-                                        </p:attrNameLst>
-                                      </p:cBhvr>
-                                      <p:to>
-                                        <p:strVal val="visible"/>
-                                      </p:to>
-                                    </p:set>
-                                  </p:childTnLst>
-                                </p:cTn>
-                              </p:par>
-                            </p:childTnLst>
-                          </p:cTn>
-                        </p:par>
-                      </p:childTnLst>
-                    </p:cTn>
-                  </p:par>
                 </p:childTnLst>
               </p:cTn>
               <p:prevCondLst>
@@ -7659,29 +7596,45 @@
             <a:pPr marL="0" indent="0" algn="ctr">
               <a:buNone/>
             </a:pPr>
-            <a:endParaRPr lang="en-US" dirty="0" smtClean="0"/>
+            <a:endParaRPr lang="en-US" sz="3200" dirty="0" smtClean="0"/>
           </a:p>
           <a:p>
             <a:pPr marL="0" indent="0" algn="ctr">
               <a:buNone/>
             </a:pPr>
             <a:r>
-              <a:rPr lang="en-US" dirty="0" smtClean="0"/>
-              <a:t>pyfluv is a free and open source Python package that provides a high level programmatic interface for interacting with geomorphological stream surveys</a:t>
+              <a:rPr lang="en-US" sz="3200" dirty="0" smtClean="0"/>
+              <a:t>pyfluv is a free and open source Python package that provides a high level </a:t>
+            </a:r>
+            <a:r>
+              <a:rPr lang="en-US" sz="3200" dirty="0" smtClean="0"/>
+              <a:t>programming interface </a:t>
+            </a:r>
+            <a:r>
+              <a:rPr lang="en-US" sz="3200" dirty="0" smtClean="0"/>
+              <a:t>for </a:t>
+            </a:r>
+            <a:r>
+              <a:rPr lang="en-US" sz="3200" dirty="0" smtClean="0"/>
+              <a:t>working with </a:t>
+            </a:r>
+            <a:r>
+              <a:rPr lang="en-US" sz="3200" dirty="0" smtClean="0"/>
+              <a:t>geomorphological stream surveys</a:t>
             </a:r>
           </a:p>
           <a:p>
             <a:pPr marL="0" indent="0" algn="ctr">
               <a:buNone/>
             </a:pPr>
-            <a:endParaRPr lang="en-US" dirty="0"/>
+            <a:endParaRPr lang="en-US" sz="3200" dirty="0"/>
           </a:p>
           <a:p>
             <a:pPr marL="0" indent="0" algn="ctr">
               <a:buNone/>
             </a:pPr>
             <a:r>
-              <a:rPr lang="en-US" dirty="0" smtClean="0"/>
+              <a:rPr lang="en-US" sz="3200" dirty="0" smtClean="0"/>
               <a:t>(and other restoration-related data)</a:t>
             </a:r>
           </a:p>
@@ -7877,6 +7830,278 @@
           </a:p>
         </p:txBody>
       </p:sp>
+      <p:pic>
+        <p:nvPicPr>
+          <p:cNvPr id="3" name="Picture 2"/>
+          <p:cNvPicPr>
+            <a:picLocks noChangeAspect="1"/>
+          </p:cNvPicPr>
+          <p:nvPr/>
+        </p:nvPicPr>
+        <p:blipFill>
+          <a:blip r:embed="rId2" cstate="print">
+            <a:extLst>
+              <a:ext uri="{28A0092B-C50C-407E-A947-70E740481C1C}">
+                <a14:useLocalDpi xmlns:a14="http://schemas.microsoft.com/office/drawing/2010/main" val="0"/>
+              </a:ext>
+            </a:extLst>
+          </a:blip>
+          <a:stretch>
+            <a:fillRect/>
+          </a:stretch>
+        </p:blipFill>
+        <p:spPr>
+          <a:xfrm>
+            <a:off x="10416727" y="204788"/>
+            <a:ext cx="1502667" cy="1828804"/>
+          </a:xfrm>
+          <a:prstGeom prst="rect">
+            <a:avLst/>
+          </a:prstGeom>
+        </p:spPr>
+      </p:pic>
+      <p:pic>
+        <p:nvPicPr>
+          <p:cNvPr id="5" name="Picture 4"/>
+          <p:cNvPicPr>
+            <a:picLocks noChangeAspect="1"/>
+          </p:cNvPicPr>
+          <p:nvPr/>
+        </p:nvPicPr>
+        <p:blipFill>
+          <a:blip r:embed="rId3" cstate="print">
+            <a:extLst>
+              <a:ext uri="{28A0092B-C50C-407E-A947-70E740481C1C}">
+                <a14:useLocalDpi xmlns:a14="http://schemas.microsoft.com/office/drawing/2010/main" val="0"/>
+              </a:ext>
+            </a:extLst>
+          </a:blip>
+          <a:stretch>
+            <a:fillRect/>
+          </a:stretch>
+        </p:blipFill>
+        <p:spPr>
+          <a:xfrm>
+            <a:off x="447261" y="747714"/>
+            <a:ext cx="2710276" cy="885164"/>
+          </a:xfrm>
+          <a:prstGeom prst="rect">
+            <a:avLst/>
+          </a:prstGeom>
+        </p:spPr>
+      </p:pic>
+      <p:sp>
+        <p:nvSpPr>
+          <p:cNvPr id="6" name="Subtitle 2"/>
+          <p:cNvSpPr txBox="1">
+            <a:spLocks/>
+          </p:cNvSpPr>
+          <p:nvPr/>
+        </p:nvSpPr>
+        <p:spPr>
+          <a:xfrm>
+            <a:off x="1524000" y="4127193"/>
+            <a:ext cx="9144000" cy="1655762"/>
+          </a:xfrm>
+          <a:prstGeom prst="rect">
+            <a:avLst/>
+          </a:prstGeom>
+        </p:spPr>
+        <p:txBody>
+          <a:bodyPr vert="horz" lIns="91440" tIns="45720" rIns="91440" bIns="45720" rtlCol="0">
+            <a:normAutofit/>
+          </a:bodyPr>
+          <a:lstStyle>
+            <a:lvl1pPr marL="228600" indent="-228600" algn="l" defTabSz="914400" rtl="0" eaLnBrk="1" latinLnBrk="0" hangingPunct="1">
+              <a:lnSpc>
+                <a:spcPct val="90000"/>
+              </a:lnSpc>
+              <a:spcBef>
+                <a:spcPts val="1000"/>
+              </a:spcBef>
+              <a:buFont typeface="Arial" panose="020B0604020202020204" pitchFamily="34" charset="0"/>
+              <a:buChar char="•"/>
+              <a:defRPr sz="2800" kern="1200">
+                <a:solidFill>
+                  <a:schemeClr val="tx1"/>
+                </a:solidFill>
+                <a:latin typeface="+mn-lt"/>
+                <a:ea typeface="+mn-ea"/>
+                <a:cs typeface="+mn-cs"/>
+              </a:defRPr>
+            </a:lvl1pPr>
+            <a:lvl2pPr marL="685800" indent="-228600" algn="l" defTabSz="914400" rtl="0" eaLnBrk="1" latinLnBrk="0" hangingPunct="1">
+              <a:lnSpc>
+                <a:spcPct val="90000"/>
+              </a:lnSpc>
+              <a:spcBef>
+                <a:spcPts val="500"/>
+              </a:spcBef>
+              <a:buFont typeface="Arial" panose="020B0604020202020204" pitchFamily="34" charset="0"/>
+              <a:buChar char="•"/>
+              <a:defRPr sz="2400" kern="1200">
+                <a:solidFill>
+                  <a:schemeClr val="tx1"/>
+                </a:solidFill>
+                <a:latin typeface="+mn-lt"/>
+                <a:ea typeface="+mn-ea"/>
+                <a:cs typeface="+mn-cs"/>
+              </a:defRPr>
+            </a:lvl2pPr>
+            <a:lvl3pPr marL="1143000" indent="-228600" algn="l" defTabSz="914400" rtl="0" eaLnBrk="1" latinLnBrk="0" hangingPunct="1">
+              <a:lnSpc>
+                <a:spcPct val="90000"/>
+              </a:lnSpc>
+              <a:spcBef>
+                <a:spcPts val="500"/>
+              </a:spcBef>
+              <a:buFont typeface="Arial" panose="020B0604020202020204" pitchFamily="34" charset="0"/>
+              <a:buChar char="•"/>
+              <a:defRPr sz="2000" kern="1200">
+                <a:solidFill>
+                  <a:schemeClr val="tx1"/>
+                </a:solidFill>
+                <a:latin typeface="+mn-lt"/>
+                <a:ea typeface="+mn-ea"/>
+                <a:cs typeface="+mn-cs"/>
+              </a:defRPr>
+            </a:lvl3pPr>
+            <a:lvl4pPr marL="1600200" indent="-228600" algn="l" defTabSz="914400" rtl="0" eaLnBrk="1" latinLnBrk="0" hangingPunct="1">
+              <a:lnSpc>
+                <a:spcPct val="90000"/>
+              </a:lnSpc>
+              <a:spcBef>
+                <a:spcPts val="500"/>
+              </a:spcBef>
+              <a:buFont typeface="Arial" panose="020B0604020202020204" pitchFamily="34" charset="0"/>
+              <a:buChar char="•"/>
+              <a:defRPr sz="1800" kern="1200">
+                <a:solidFill>
+                  <a:schemeClr val="tx1"/>
+                </a:solidFill>
+                <a:latin typeface="+mn-lt"/>
+                <a:ea typeface="+mn-ea"/>
+                <a:cs typeface="+mn-cs"/>
+              </a:defRPr>
+            </a:lvl4pPr>
+            <a:lvl5pPr marL="2057400" indent="-228600" algn="l" defTabSz="914400" rtl="0" eaLnBrk="1" latinLnBrk="0" hangingPunct="1">
+              <a:lnSpc>
+                <a:spcPct val="90000"/>
+              </a:lnSpc>
+              <a:spcBef>
+                <a:spcPts val="500"/>
+              </a:spcBef>
+              <a:buFont typeface="Arial" panose="020B0604020202020204" pitchFamily="34" charset="0"/>
+              <a:buChar char="•"/>
+              <a:defRPr sz="1800" kern="1200">
+                <a:solidFill>
+                  <a:schemeClr val="tx1"/>
+                </a:solidFill>
+                <a:latin typeface="+mn-lt"/>
+                <a:ea typeface="+mn-ea"/>
+                <a:cs typeface="+mn-cs"/>
+              </a:defRPr>
+            </a:lvl5pPr>
+            <a:lvl6pPr marL="2514600" indent="-228600" algn="l" defTabSz="914400" rtl="0" eaLnBrk="1" latinLnBrk="0" hangingPunct="1">
+              <a:lnSpc>
+                <a:spcPct val="90000"/>
+              </a:lnSpc>
+              <a:spcBef>
+                <a:spcPts val="500"/>
+              </a:spcBef>
+              <a:buFont typeface="Arial" panose="020B0604020202020204" pitchFamily="34" charset="0"/>
+              <a:buChar char="•"/>
+              <a:defRPr sz="1800" kern="1200">
+                <a:solidFill>
+                  <a:schemeClr val="tx1"/>
+                </a:solidFill>
+                <a:latin typeface="+mn-lt"/>
+                <a:ea typeface="+mn-ea"/>
+                <a:cs typeface="+mn-cs"/>
+              </a:defRPr>
+            </a:lvl6pPr>
+            <a:lvl7pPr marL="2971800" indent="-228600" algn="l" defTabSz="914400" rtl="0" eaLnBrk="1" latinLnBrk="0" hangingPunct="1">
+              <a:lnSpc>
+                <a:spcPct val="90000"/>
+              </a:lnSpc>
+              <a:spcBef>
+                <a:spcPts val="500"/>
+              </a:spcBef>
+              <a:buFont typeface="Arial" panose="020B0604020202020204" pitchFamily="34" charset="0"/>
+              <a:buChar char="•"/>
+              <a:defRPr sz="1800" kern="1200">
+                <a:solidFill>
+                  <a:schemeClr val="tx1"/>
+                </a:solidFill>
+                <a:latin typeface="+mn-lt"/>
+                <a:ea typeface="+mn-ea"/>
+                <a:cs typeface="+mn-cs"/>
+              </a:defRPr>
+            </a:lvl7pPr>
+            <a:lvl8pPr marL="3429000" indent="-228600" algn="l" defTabSz="914400" rtl="0" eaLnBrk="1" latinLnBrk="0" hangingPunct="1">
+              <a:lnSpc>
+                <a:spcPct val="90000"/>
+              </a:lnSpc>
+              <a:spcBef>
+                <a:spcPts val="500"/>
+              </a:spcBef>
+              <a:buFont typeface="Arial" panose="020B0604020202020204" pitchFamily="34" charset="0"/>
+              <a:buChar char="•"/>
+              <a:defRPr sz="1800" kern="1200">
+                <a:solidFill>
+                  <a:schemeClr val="tx1"/>
+                </a:solidFill>
+                <a:latin typeface="+mn-lt"/>
+                <a:ea typeface="+mn-ea"/>
+                <a:cs typeface="+mn-cs"/>
+              </a:defRPr>
+            </a:lvl8pPr>
+            <a:lvl9pPr marL="3886200" indent="-228600" algn="l" defTabSz="914400" rtl="0" eaLnBrk="1" latinLnBrk="0" hangingPunct="1">
+              <a:lnSpc>
+                <a:spcPct val="90000"/>
+              </a:lnSpc>
+              <a:spcBef>
+                <a:spcPts val="500"/>
+              </a:spcBef>
+              <a:buFont typeface="Arial" panose="020B0604020202020204" pitchFamily="34" charset="0"/>
+              <a:buChar char="•"/>
+              <a:defRPr sz="1800" kern="1200">
+                <a:solidFill>
+                  <a:schemeClr val="tx1"/>
+                </a:solidFill>
+                <a:latin typeface="+mn-lt"/>
+                <a:ea typeface="+mn-ea"/>
+                <a:cs typeface="+mn-cs"/>
+              </a:defRPr>
+            </a:lvl9pPr>
+          </a:lstStyle>
+          <a:p>
+            <a:pPr marL="0" indent="0" algn="ctr">
+              <a:buNone/>
+            </a:pPr>
+            <a:r>
+              <a:rPr lang="en-US" dirty="0" smtClean="0">
+                <a:latin typeface="Garamond" panose="02020404030301010803" pitchFamily="18" charset="0"/>
+              </a:rPr>
+              <a:t>Sky Jones</a:t>
+            </a:r>
+          </a:p>
+          <a:p>
+            <a:pPr marL="0" indent="0" algn="ctr">
+              <a:buNone/>
+            </a:pPr>
+            <a:r>
+              <a:rPr lang="en-US" dirty="0" smtClean="0">
+                <a:latin typeface="Garamond" panose="02020404030301010803" pitchFamily="18" charset="0"/>
+              </a:rPr>
+              <a:t>Sky.Jones@kci.com</a:t>
+            </a:r>
+            <a:endParaRPr lang="en-US" dirty="0">
+              <a:latin typeface="Garamond" panose="02020404030301010803" pitchFamily="18" charset="0"/>
+            </a:endParaRPr>
+          </a:p>
+        </p:txBody>
+      </p:sp>
     </p:spTree>
     <p:extLst>
       <p:ext uri="{BB962C8B-B14F-4D97-AF65-F5344CB8AC3E}">
@@ -7898,6 +8123,174 @@
 </file>
 
 <file path=ppt/slides/slide3.xml><?xml version="1.0" encoding="utf-8"?>
+<p:sld xmlns:a="http://schemas.openxmlformats.org/drawingml/2006/main" xmlns:r="http://schemas.openxmlformats.org/officeDocument/2006/relationships" xmlns:p="http://schemas.openxmlformats.org/presentationml/2006/main">
+  <p:cSld>
+    <p:spTree>
+      <p:nvGrpSpPr>
+        <p:cNvPr id="1" name=""/>
+        <p:cNvGrpSpPr/>
+        <p:nvPr/>
+      </p:nvGrpSpPr>
+      <p:grpSpPr>
+        <a:xfrm>
+          <a:off x="0" y="0"/>
+          <a:ext cx="0" cy="0"/>
+          <a:chOff x="0" y="0"/>
+          <a:chExt cx="0" cy="0"/>
+        </a:xfrm>
+      </p:grpSpPr>
+      <p:sp>
+        <p:nvSpPr>
+          <p:cNvPr id="2" name="Title 1"/>
+          <p:cNvSpPr>
+            <a:spLocks noGrp="1"/>
+          </p:cNvSpPr>
+          <p:nvPr>
+            <p:ph type="title"/>
+          </p:nvPr>
+        </p:nvSpPr>
+        <p:spPr/>
+        <p:txBody>
+          <a:bodyPr/>
+          <a:lstStyle/>
+          <a:p>
+            <a:r>
+              <a:rPr lang="en-US" dirty="0" smtClean="0"/>
+              <a:t>Benefits of programmatic analysis</a:t>
+            </a:r>
+            <a:endParaRPr lang="en-US" dirty="0"/>
+          </a:p>
+        </p:txBody>
+      </p:sp>
+      <p:sp>
+        <p:nvSpPr>
+          <p:cNvPr id="3" name="Content Placeholder 2"/>
+          <p:cNvSpPr>
+            <a:spLocks noGrp="1"/>
+          </p:cNvSpPr>
+          <p:nvPr>
+            <p:ph idx="1"/>
+          </p:nvPr>
+        </p:nvSpPr>
+        <p:spPr/>
+        <p:txBody>
+          <a:bodyPr/>
+          <a:lstStyle/>
+          <a:p>
+            <a:r>
+              <a:rPr lang="en-US" dirty="0" smtClean="0"/>
+              <a:t>Repeatability and precision</a:t>
+            </a:r>
+          </a:p>
+          <a:p>
+            <a:pPr lvl="1"/>
+            <a:r>
+              <a:rPr lang="en-US" dirty="0" smtClean="0"/>
+              <a:t>Document every step of analysis from raw data to final results</a:t>
+            </a:r>
+          </a:p>
+          <a:p>
+            <a:r>
+              <a:rPr lang="en-US" dirty="0" smtClean="0"/>
+              <a:t>Automation</a:t>
+            </a:r>
+          </a:p>
+          <a:p>
+            <a:pPr lvl="1"/>
+            <a:r>
+              <a:rPr lang="en-US" dirty="0" smtClean="0"/>
+              <a:t>Create scripts that instantly analyze field data</a:t>
+            </a:r>
+          </a:p>
+          <a:p>
+            <a:pPr lvl="1"/>
+            <a:r>
+              <a:rPr lang="en-US" dirty="0" smtClean="0"/>
+              <a:t>Write routines to analyze large amounts of remotely sensed data</a:t>
+            </a:r>
+          </a:p>
+        </p:txBody>
+      </p:sp>
+      <p:pic>
+        <p:nvPicPr>
+          <p:cNvPr id="4" name="Picture 3"/>
+          <p:cNvPicPr>
+            <a:picLocks noChangeAspect="1"/>
+          </p:cNvPicPr>
+          <p:nvPr/>
+        </p:nvPicPr>
+        <p:blipFill>
+          <a:blip r:embed="rId2">
+            <a:extLst>
+              <a:ext uri="{28A0092B-C50C-407E-A947-70E740481C1C}">
+                <a14:useLocalDpi xmlns:a14="http://schemas.microsoft.com/office/drawing/2010/main" val="0"/>
+              </a:ext>
+            </a:extLst>
+          </a:blip>
+          <a:stretch>
+            <a:fillRect/>
+          </a:stretch>
+        </p:blipFill>
+        <p:spPr>
+          <a:xfrm>
+            <a:off x="525633" y="4001294"/>
+            <a:ext cx="5429250" cy="2705100"/>
+          </a:xfrm>
+          <a:prstGeom prst="rect">
+            <a:avLst/>
+          </a:prstGeom>
+        </p:spPr>
+      </p:pic>
+      <p:sp>
+        <p:nvSpPr>
+          <p:cNvPr id="5" name="Rectangle 4"/>
+          <p:cNvSpPr/>
+          <p:nvPr/>
+        </p:nvSpPr>
+        <p:spPr>
+          <a:xfrm>
+            <a:off x="5997524" y="6449606"/>
+            <a:ext cx="1690335" cy="369332"/>
+          </a:xfrm>
+          <a:prstGeom prst="rect">
+            <a:avLst/>
+          </a:prstGeom>
+        </p:spPr>
+        <p:txBody>
+          <a:bodyPr wrap="none">
+            <a:spAutoFit/>
+          </a:bodyPr>
+          <a:lstStyle/>
+          <a:p>
+            <a:r>
+              <a:rPr lang="en-US" i="1" dirty="0" smtClean="0"/>
+              <a:t>Image: WA-DNR</a:t>
+            </a:r>
+            <a:endParaRPr lang="en-US" i="1" dirty="0"/>
+          </a:p>
+        </p:txBody>
+      </p:sp>
+    </p:spTree>
+    <p:extLst>
+      <p:ext uri="{BB962C8B-B14F-4D97-AF65-F5344CB8AC3E}">
+        <p14:creationId xmlns:p14="http://schemas.microsoft.com/office/powerpoint/2010/main" val="42374573"/>
+      </p:ext>
+    </p:extLst>
+  </p:cSld>
+  <p:clrMapOvr>
+    <a:masterClrMapping/>
+  </p:clrMapOvr>
+  <p:timing>
+    <p:tnLst>
+      <p:par>
+        <p:cTn id="1" dur="indefinite" restart="never" nodeType="tmRoot"/>
+      </p:par>
+    </p:tnLst>
+  </p:timing>
+</p:sld>
+</file>
+
+<file path=ppt/slides/slide4.xml><?xml version="1.0" encoding="utf-8"?>
 <p:sld xmlns:a="http://schemas.openxmlformats.org/drawingml/2006/main" xmlns:r="http://schemas.openxmlformats.org/officeDocument/2006/relationships" xmlns:p="http://schemas.openxmlformats.org/presentationml/2006/main">
   <p:cSld>
     <p:spTree>
@@ -8214,174 +8607,6 @@
     <p:bldLst>
       <p:bldP spid="3" grpId="0" build="p"/>
     </p:bldLst>
-  </p:timing>
-</p:sld>
-</file>
-
-<file path=ppt/slides/slide4.xml><?xml version="1.0" encoding="utf-8"?>
-<p:sld xmlns:a="http://schemas.openxmlformats.org/drawingml/2006/main" xmlns:r="http://schemas.openxmlformats.org/officeDocument/2006/relationships" xmlns:p="http://schemas.openxmlformats.org/presentationml/2006/main">
-  <p:cSld>
-    <p:spTree>
-      <p:nvGrpSpPr>
-        <p:cNvPr id="1" name=""/>
-        <p:cNvGrpSpPr/>
-        <p:nvPr/>
-      </p:nvGrpSpPr>
-      <p:grpSpPr>
-        <a:xfrm>
-          <a:off x="0" y="0"/>
-          <a:ext cx="0" cy="0"/>
-          <a:chOff x="0" y="0"/>
-          <a:chExt cx="0" cy="0"/>
-        </a:xfrm>
-      </p:grpSpPr>
-      <p:sp>
-        <p:nvSpPr>
-          <p:cNvPr id="2" name="Title 1"/>
-          <p:cNvSpPr>
-            <a:spLocks noGrp="1"/>
-          </p:cNvSpPr>
-          <p:nvPr>
-            <p:ph type="title"/>
-          </p:nvPr>
-        </p:nvSpPr>
-        <p:spPr/>
-        <p:txBody>
-          <a:bodyPr/>
-          <a:lstStyle/>
-          <a:p>
-            <a:r>
-              <a:rPr lang="en-US" dirty="0" smtClean="0"/>
-              <a:t>Benefits of programmatic analysis</a:t>
-            </a:r>
-            <a:endParaRPr lang="en-US" dirty="0"/>
-          </a:p>
-        </p:txBody>
-      </p:sp>
-      <p:sp>
-        <p:nvSpPr>
-          <p:cNvPr id="3" name="Content Placeholder 2"/>
-          <p:cNvSpPr>
-            <a:spLocks noGrp="1"/>
-          </p:cNvSpPr>
-          <p:nvPr>
-            <p:ph idx="1"/>
-          </p:nvPr>
-        </p:nvSpPr>
-        <p:spPr/>
-        <p:txBody>
-          <a:bodyPr/>
-          <a:lstStyle/>
-          <a:p>
-            <a:r>
-              <a:rPr lang="en-US" dirty="0" smtClean="0"/>
-              <a:t>Repeatability and precision</a:t>
-            </a:r>
-          </a:p>
-          <a:p>
-            <a:pPr lvl="1"/>
-            <a:r>
-              <a:rPr lang="en-US" dirty="0" smtClean="0"/>
-              <a:t>Document every step of analysis from raw data to final results</a:t>
-            </a:r>
-          </a:p>
-          <a:p>
-            <a:r>
-              <a:rPr lang="en-US" dirty="0" smtClean="0"/>
-              <a:t>Automation</a:t>
-            </a:r>
-          </a:p>
-          <a:p>
-            <a:pPr lvl="1"/>
-            <a:r>
-              <a:rPr lang="en-US" dirty="0" smtClean="0"/>
-              <a:t>Create scripts that instantly analyze field data</a:t>
-            </a:r>
-          </a:p>
-          <a:p>
-            <a:pPr lvl="1"/>
-            <a:r>
-              <a:rPr lang="en-US" dirty="0" smtClean="0"/>
-              <a:t>Write routines to analyze large amounts of remotely sensed data</a:t>
-            </a:r>
-          </a:p>
-        </p:txBody>
-      </p:sp>
-      <p:pic>
-        <p:nvPicPr>
-          <p:cNvPr id="4" name="Picture 3"/>
-          <p:cNvPicPr>
-            <a:picLocks noChangeAspect="1"/>
-          </p:cNvPicPr>
-          <p:nvPr/>
-        </p:nvPicPr>
-        <p:blipFill>
-          <a:blip r:embed="rId2">
-            <a:extLst>
-              <a:ext uri="{28A0092B-C50C-407E-A947-70E740481C1C}">
-                <a14:useLocalDpi xmlns:a14="http://schemas.microsoft.com/office/drawing/2010/main" val="0"/>
-              </a:ext>
-            </a:extLst>
-          </a:blip>
-          <a:stretch>
-            <a:fillRect/>
-          </a:stretch>
-        </p:blipFill>
-        <p:spPr>
-          <a:xfrm>
-            <a:off x="525633" y="4001294"/>
-            <a:ext cx="5429250" cy="2705100"/>
-          </a:xfrm>
-          <a:prstGeom prst="rect">
-            <a:avLst/>
-          </a:prstGeom>
-        </p:spPr>
-      </p:pic>
-      <p:sp>
-        <p:nvSpPr>
-          <p:cNvPr id="5" name="Rectangle 4"/>
-          <p:cNvSpPr/>
-          <p:nvPr/>
-        </p:nvSpPr>
-        <p:spPr>
-          <a:xfrm>
-            <a:off x="5997524" y="6449606"/>
-            <a:ext cx="1690335" cy="369332"/>
-          </a:xfrm>
-          <a:prstGeom prst="rect">
-            <a:avLst/>
-          </a:prstGeom>
-        </p:spPr>
-        <p:txBody>
-          <a:bodyPr wrap="none">
-            <a:spAutoFit/>
-          </a:bodyPr>
-          <a:lstStyle/>
-          <a:p>
-            <a:r>
-              <a:rPr lang="en-US" i="1" dirty="0" smtClean="0"/>
-              <a:t>Image: WA-DNR</a:t>
-            </a:r>
-            <a:endParaRPr lang="en-US" i="1" dirty="0"/>
-          </a:p>
-        </p:txBody>
-      </p:sp>
-    </p:spTree>
-    <p:extLst>
-      <p:ext uri="{BB962C8B-B14F-4D97-AF65-F5344CB8AC3E}">
-        <p14:creationId xmlns:p14="http://schemas.microsoft.com/office/powerpoint/2010/main" val="42374573"/>
-      </p:ext>
-    </p:extLst>
-  </p:cSld>
-  <p:clrMapOvr>
-    <a:masterClrMapping/>
-  </p:clrMapOvr>
-  <p:timing>
-    <p:tnLst>
-      <p:par>
-        <p:cTn id="1" dur="indefinite" restart="never" nodeType="tmRoot"/>
-      </p:par>
-    </p:tnLst>
   </p:timing>
 </p:sld>
 </file>

--- a/TNAWRA_4-10-2019/jones_randall_pyfluv.pptx
+++ b/TNAWRA_4-10-2019/jones_randall_pyfluv.pptx
@@ -4640,7 +4640,11 @@
           <a:p>
             <a:r>
               <a:rPr lang="en-US" dirty="0" smtClean="0"/>
-              <a:t>Profile modification</a:t>
+              <a:t>Profile </a:t>
+            </a:r>
+            <a:r>
+              <a:rPr lang="en-US" dirty="0" smtClean="0"/>
+              <a:t>methods</a:t>
             </a:r>
             <a:endParaRPr lang="en-US" dirty="0"/>
           </a:p>
@@ -4668,13 +4672,18 @@
           <a:p>
             <a:r>
               <a:rPr lang="en-US" dirty="0" smtClean="0"/>
-              <a:t>Interpolating Features</a:t>
-            </a:r>
+              <a:t>Reclassify Features</a:t>
+            </a:r>
+            <a:endParaRPr lang="en-US" dirty="0" smtClean="0"/>
           </a:p>
           <a:p>
             <a:r>
               <a:rPr lang="en-US" dirty="0" smtClean="0"/>
-              <a:t>Repairing slopes</a:t>
+              <a:t>Repair </a:t>
+            </a:r>
+            <a:r>
+              <a:rPr lang="en-US" dirty="0" smtClean="0"/>
+              <a:t>slopes</a:t>
             </a:r>
             <a:endParaRPr lang="en-US" dirty="0"/>
           </a:p>
@@ -4828,7 +4837,11 @@
             </a:r>
             <a:r>
               <a:rPr lang="en-US" dirty="0" smtClean="0"/>
-              <a:t> modification</a:t>
+              <a:t> </a:t>
+            </a:r>
+            <a:r>
+              <a:rPr lang="en-US" dirty="0" smtClean="0"/>
+              <a:t>methods</a:t>
             </a:r>
             <a:endParaRPr lang="en-US" dirty="0"/>
           </a:p>
@@ -4858,7 +4871,7 @@
         </p:blipFill>
         <p:spPr>
           <a:xfrm>
-            <a:off x="838200" y="1860112"/>
+            <a:off x="838200" y="2174437"/>
             <a:ext cx="5653129" cy="1076333"/>
           </a:xfrm>
         </p:spPr>
@@ -4923,6 +4936,215 @@
           </a:prstGeom>
         </p:spPr>
       </p:pic>
+      <p:sp>
+        <p:nvSpPr>
+          <p:cNvPr id="7" name="Content Placeholder 2"/>
+          <p:cNvSpPr txBox="1">
+            <a:spLocks/>
+          </p:cNvSpPr>
+          <p:nvPr/>
+        </p:nvSpPr>
+        <p:spPr>
+          <a:xfrm>
+            <a:off x="838200" y="1697033"/>
+            <a:ext cx="9691688" cy="746125"/>
+          </a:xfrm>
+          <a:prstGeom prst="rect">
+            <a:avLst/>
+          </a:prstGeom>
+        </p:spPr>
+        <p:txBody>
+          <a:bodyPr vert="horz" lIns="91440" tIns="45720" rIns="91440" bIns="45720" rtlCol="0">
+            <a:normAutofit/>
+          </a:bodyPr>
+          <a:lstStyle>
+            <a:lvl1pPr marL="228600" indent="-228600" algn="l" defTabSz="914400" rtl="0" eaLnBrk="1" latinLnBrk="0" hangingPunct="1">
+              <a:lnSpc>
+                <a:spcPct val="90000"/>
+              </a:lnSpc>
+              <a:spcBef>
+                <a:spcPts val="1000"/>
+              </a:spcBef>
+              <a:buFont typeface="Arial" panose="020B0604020202020204" pitchFamily="34" charset="0"/>
+              <a:buChar char="•"/>
+              <a:defRPr sz="2800" kern="1200">
+                <a:solidFill>
+                  <a:schemeClr val="tx1"/>
+                </a:solidFill>
+                <a:latin typeface="+mn-lt"/>
+                <a:ea typeface="+mn-ea"/>
+                <a:cs typeface="+mn-cs"/>
+              </a:defRPr>
+            </a:lvl1pPr>
+            <a:lvl2pPr marL="685800" indent="-228600" algn="l" defTabSz="914400" rtl="0" eaLnBrk="1" latinLnBrk="0" hangingPunct="1">
+              <a:lnSpc>
+                <a:spcPct val="90000"/>
+              </a:lnSpc>
+              <a:spcBef>
+                <a:spcPts val="500"/>
+              </a:spcBef>
+              <a:buFont typeface="Arial" panose="020B0604020202020204" pitchFamily="34" charset="0"/>
+              <a:buChar char="•"/>
+              <a:defRPr sz="2400" kern="1200">
+                <a:solidFill>
+                  <a:schemeClr val="tx1"/>
+                </a:solidFill>
+                <a:latin typeface="+mn-lt"/>
+                <a:ea typeface="+mn-ea"/>
+                <a:cs typeface="+mn-cs"/>
+              </a:defRPr>
+            </a:lvl2pPr>
+            <a:lvl3pPr marL="1143000" indent="-228600" algn="l" defTabSz="914400" rtl="0" eaLnBrk="1" latinLnBrk="0" hangingPunct="1">
+              <a:lnSpc>
+                <a:spcPct val="90000"/>
+              </a:lnSpc>
+              <a:spcBef>
+                <a:spcPts val="500"/>
+              </a:spcBef>
+              <a:buFont typeface="Arial" panose="020B0604020202020204" pitchFamily="34" charset="0"/>
+              <a:buChar char="•"/>
+              <a:defRPr sz="2000" kern="1200">
+                <a:solidFill>
+                  <a:schemeClr val="tx1"/>
+                </a:solidFill>
+                <a:latin typeface="+mn-lt"/>
+                <a:ea typeface="+mn-ea"/>
+                <a:cs typeface="+mn-cs"/>
+              </a:defRPr>
+            </a:lvl3pPr>
+            <a:lvl4pPr marL="1600200" indent="-228600" algn="l" defTabSz="914400" rtl="0" eaLnBrk="1" latinLnBrk="0" hangingPunct="1">
+              <a:lnSpc>
+                <a:spcPct val="90000"/>
+              </a:lnSpc>
+              <a:spcBef>
+                <a:spcPts val="500"/>
+              </a:spcBef>
+              <a:buFont typeface="Arial" panose="020B0604020202020204" pitchFamily="34" charset="0"/>
+              <a:buChar char="•"/>
+              <a:defRPr sz="1800" kern="1200">
+                <a:solidFill>
+                  <a:schemeClr val="tx1"/>
+                </a:solidFill>
+                <a:latin typeface="+mn-lt"/>
+                <a:ea typeface="+mn-ea"/>
+                <a:cs typeface="+mn-cs"/>
+              </a:defRPr>
+            </a:lvl4pPr>
+            <a:lvl5pPr marL="2057400" indent="-228600" algn="l" defTabSz="914400" rtl="0" eaLnBrk="1" latinLnBrk="0" hangingPunct="1">
+              <a:lnSpc>
+                <a:spcPct val="90000"/>
+              </a:lnSpc>
+              <a:spcBef>
+                <a:spcPts val="500"/>
+              </a:spcBef>
+              <a:buFont typeface="Arial" panose="020B0604020202020204" pitchFamily="34" charset="0"/>
+              <a:buChar char="•"/>
+              <a:defRPr sz="1800" kern="1200">
+                <a:solidFill>
+                  <a:schemeClr val="tx1"/>
+                </a:solidFill>
+                <a:latin typeface="+mn-lt"/>
+                <a:ea typeface="+mn-ea"/>
+                <a:cs typeface="+mn-cs"/>
+              </a:defRPr>
+            </a:lvl5pPr>
+            <a:lvl6pPr marL="2514600" indent="-228600" algn="l" defTabSz="914400" rtl="0" eaLnBrk="1" latinLnBrk="0" hangingPunct="1">
+              <a:lnSpc>
+                <a:spcPct val="90000"/>
+              </a:lnSpc>
+              <a:spcBef>
+                <a:spcPts val="500"/>
+              </a:spcBef>
+              <a:buFont typeface="Arial" panose="020B0604020202020204" pitchFamily="34" charset="0"/>
+              <a:buChar char="•"/>
+              <a:defRPr sz="1800" kern="1200">
+                <a:solidFill>
+                  <a:schemeClr val="tx1"/>
+                </a:solidFill>
+                <a:latin typeface="+mn-lt"/>
+                <a:ea typeface="+mn-ea"/>
+                <a:cs typeface="+mn-cs"/>
+              </a:defRPr>
+            </a:lvl6pPr>
+            <a:lvl7pPr marL="2971800" indent="-228600" algn="l" defTabSz="914400" rtl="0" eaLnBrk="1" latinLnBrk="0" hangingPunct="1">
+              <a:lnSpc>
+                <a:spcPct val="90000"/>
+              </a:lnSpc>
+              <a:spcBef>
+                <a:spcPts val="500"/>
+              </a:spcBef>
+              <a:buFont typeface="Arial" panose="020B0604020202020204" pitchFamily="34" charset="0"/>
+              <a:buChar char="•"/>
+              <a:defRPr sz="1800" kern="1200">
+                <a:solidFill>
+                  <a:schemeClr val="tx1"/>
+                </a:solidFill>
+                <a:latin typeface="+mn-lt"/>
+                <a:ea typeface="+mn-ea"/>
+                <a:cs typeface="+mn-cs"/>
+              </a:defRPr>
+            </a:lvl7pPr>
+            <a:lvl8pPr marL="3429000" indent="-228600" algn="l" defTabSz="914400" rtl="0" eaLnBrk="1" latinLnBrk="0" hangingPunct="1">
+              <a:lnSpc>
+                <a:spcPct val="90000"/>
+              </a:lnSpc>
+              <a:spcBef>
+                <a:spcPts val="500"/>
+              </a:spcBef>
+              <a:buFont typeface="Arial" panose="020B0604020202020204" pitchFamily="34" charset="0"/>
+              <a:buChar char="•"/>
+              <a:defRPr sz="1800" kern="1200">
+                <a:solidFill>
+                  <a:schemeClr val="tx1"/>
+                </a:solidFill>
+                <a:latin typeface="+mn-lt"/>
+                <a:ea typeface="+mn-ea"/>
+                <a:cs typeface="+mn-cs"/>
+              </a:defRPr>
+            </a:lvl8pPr>
+            <a:lvl9pPr marL="3886200" indent="-228600" algn="l" defTabSz="914400" rtl="0" eaLnBrk="1" latinLnBrk="0" hangingPunct="1">
+              <a:lnSpc>
+                <a:spcPct val="90000"/>
+              </a:lnSpc>
+              <a:spcBef>
+                <a:spcPts val="500"/>
+              </a:spcBef>
+              <a:buFont typeface="Arial" panose="020B0604020202020204" pitchFamily="34" charset="0"/>
+              <a:buChar char="•"/>
+              <a:defRPr sz="1800" kern="1200">
+                <a:solidFill>
+                  <a:schemeClr val="tx1"/>
+                </a:solidFill>
+                <a:latin typeface="+mn-lt"/>
+                <a:ea typeface="+mn-ea"/>
+                <a:cs typeface="+mn-cs"/>
+              </a:defRPr>
+            </a:lvl9pPr>
+          </a:lstStyle>
+          <a:p>
+            <a:r>
+              <a:rPr lang="en-US" dirty="0" smtClean="0"/>
+              <a:t>Find </a:t>
+            </a:r>
+            <a:r>
+              <a:rPr lang="en-US" dirty="0" err="1" smtClean="0"/>
+              <a:t>bankfull</a:t>
+            </a:r>
+            <a:r>
+              <a:rPr lang="en-US" dirty="0" smtClean="0"/>
+              <a:t> elevation based on desired </a:t>
+            </a:r>
+            <a:r>
+              <a:rPr lang="en-US" dirty="0" err="1" smtClean="0"/>
+              <a:t>bankfull</a:t>
+            </a:r>
+            <a:r>
+              <a:rPr lang="en-US" dirty="0" smtClean="0"/>
+              <a:t> area</a:t>
+            </a:r>
+          </a:p>
+        </p:txBody>
+      </p:sp>
     </p:spTree>
     <p:extLst>
       <p:ext uri="{BB962C8B-B14F-4D97-AF65-F5344CB8AC3E}">
@@ -5699,7 +5921,11 @@
           <a:p>
             <a:r>
               <a:rPr lang="en-US" dirty="0" smtClean="0"/>
-              <a:t>Predictive algorithms</a:t>
+              <a:t>Predictive </a:t>
+            </a:r>
+            <a:r>
+              <a:rPr lang="en-US" dirty="0" smtClean="0"/>
+              <a:t>algorithms (continued)</a:t>
             </a:r>
             <a:endParaRPr lang="en-US" dirty="0"/>
           </a:p>
@@ -5729,7 +5955,23 @@
             <a:pPr lvl="1"/>
             <a:r>
               <a:rPr lang="en-US" dirty="0" smtClean="0"/>
-              <a:t>Find the elevation of maximum flow release in a cross section</a:t>
+              <a:t>Find the elevation of maximum flow </a:t>
+            </a:r>
+            <a:r>
+              <a:rPr lang="en-US" dirty="0" smtClean="0"/>
+              <a:t>release (stage of incipient </a:t>
+            </a:r>
+            <a:r>
+              <a:rPr lang="en-US" dirty="0" smtClean="0"/>
+              <a:t>flooding)</a:t>
+            </a:r>
+            <a:r>
+              <a:rPr lang="en-US" dirty="0" smtClean="0"/>
+              <a:t> </a:t>
+            </a:r>
+            <a:r>
+              <a:rPr lang="en-US" dirty="0" smtClean="0"/>
+              <a:t>in a cross section</a:t>
             </a:r>
           </a:p>
           <a:p>
@@ -6973,7 +7215,7 @@
         </p:nvSpPr>
         <p:spPr>
           <a:xfrm>
-            <a:off x="838200" y="1516136"/>
+            <a:off x="252408" y="1516136"/>
             <a:ext cx="10515600" cy="4351338"/>
           </a:xfrm>
         </p:spPr>
@@ -7107,8 +7349,8 @@
         </p:blipFill>
         <p:spPr>
           <a:xfrm>
-            <a:off x="12690414" y="1691733"/>
-            <a:ext cx="5852172" cy="4215392"/>
+            <a:off x="12690414" y="2185194"/>
+            <a:ext cx="3483729" cy="2509373"/>
           </a:xfrm>
           <a:prstGeom prst="rect">
             <a:avLst/>
@@ -7307,38 +7549,42 @@
             <p:ph idx="1"/>
           </p:nvPr>
         </p:nvSpPr>
-        <p:spPr/>
-        <p:txBody>
-          <a:bodyPr/>
+        <p:spPr>
+          <a:xfrm>
+            <a:off x="838200" y="2125662"/>
+            <a:ext cx="10515600" cy="4351338"/>
+          </a:xfrm>
+        </p:spPr>
+        <p:txBody>
+          <a:bodyPr>
+            <a:normAutofit/>
+          </a:bodyPr>
           <a:lstStyle/>
           <a:p>
             <a:r>
-              <a:rPr lang="en-US" dirty="0" smtClean="0"/>
-              <a:t>Faster, more accurate, more repeatable </a:t>
-            </a:r>
-            <a:r>
-              <a:rPr lang="en-US" dirty="0" smtClean="0"/>
-              <a:t>analyses</a:t>
-            </a:r>
-          </a:p>
-          <a:p>
-            <a:endParaRPr lang="en-US" dirty="0" smtClean="0"/>
-          </a:p>
-          <a:p>
-            <a:r>
-              <a:rPr lang="en-US" dirty="0" smtClean="0"/>
-              <a:t>Modular, easily extendable framework</a:t>
-            </a:r>
-          </a:p>
-          <a:p>
-            <a:endParaRPr lang="en-US" dirty="0" smtClean="0"/>
-          </a:p>
-          <a:p>
-            <a:r>
-              <a:rPr lang="en-US" dirty="0" smtClean="0"/>
+              <a:rPr lang="en-US" sz="2600" dirty="0" smtClean="0"/>
+              <a:t>Faster, more accurate, more repeatable analyses</a:t>
+            </a:r>
+          </a:p>
+          <a:p>
+            <a:endParaRPr lang="en-US" sz="2600" dirty="0" smtClean="0"/>
+          </a:p>
+          <a:p>
+            <a:r>
+              <a:rPr lang="en-US" sz="2600" dirty="0" smtClean="0"/>
+              <a:t>Modular components that can be extended to conduct more complex work</a:t>
+            </a:r>
+            <a:endParaRPr lang="en-US" sz="2600" dirty="0" smtClean="0"/>
+          </a:p>
+          <a:p>
+            <a:endParaRPr lang="en-US" sz="2600" dirty="0" smtClean="0"/>
+          </a:p>
+          <a:p>
+            <a:r>
+              <a:rPr lang="en-US" sz="2600" dirty="0" smtClean="0"/>
               <a:t>Totally free</a:t>
             </a:r>
-            <a:endParaRPr lang="en-US" dirty="0"/>
+            <a:endParaRPr lang="en-US" sz="2600" dirty="0"/>
           </a:p>
         </p:txBody>
       </p:sp>
@@ -7604,23 +7850,7 @@
             </a:pPr>
             <a:r>
               <a:rPr lang="en-US" sz="3200" dirty="0" smtClean="0"/>
-              <a:t>pyfluv is a free and open source Python package that provides a high level </a:t>
-            </a:r>
-            <a:r>
-              <a:rPr lang="en-US" sz="3200" dirty="0" smtClean="0"/>
-              <a:t>programming interface </a:t>
-            </a:r>
-            <a:r>
-              <a:rPr lang="en-US" sz="3200" dirty="0" smtClean="0"/>
-              <a:t>for </a:t>
-            </a:r>
-            <a:r>
-              <a:rPr lang="en-US" sz="3200" dirty="0" smtClean="0"/>
-              <a:t>working with </a:t>
-            </a:r>
-            <a:r>
-              <a:rPr lang="en-US" sz="3200" dirty="0" smtClean="0"/>
-              <a:t>geomorphological stream surveys</a:t>
+              <a:t>pyfluv is a free and open source Python package that provides a high level programming interface for working with geomorphological stream surveys</a:t>
             </a:r>
           </a:p>
           <a:p>
@@ -7883,7 +8113,7 @@
         <p:spPr>
           <a:xfrm>
             <a:off x="447261" y="747714"/>
-            <a:ext cx="2710276" cy="885164"/>
+            <a:ext cx="3267490" cy="1067148"/>
           </a:xfrm>
           <a:prstGeom prst="rect">
             <a:avLst/>

--- a/TNAWRA_4-10-2019/jones_randall_pyfluv.pptx
+++ b/TNAWRA_4-10-2019/jones_randall_pyfluv.pptx
@@ -3001,12 +3001,12 @@
         <p:spPr>
           <a:xfrm>
             <a:off x="1524000" y="3630614"/>
-            <a:ext cx="9144000" cy="1655762"/>
+            <a:ext cx="9144000" cy="2727324"/>
           </a:xfrm>
         </p:spPr>
         <p:txBody>
           <a:bodyPr>
-            <a:normAutofit fontScale="85000" lnSpcReduction="20000"/>
+            <a:normAutofit/>
           </a:bodyPr>
           <a:lstStyle/>
           <a:p>
@@ -3014,11 +3014,17 @@
               <a:rPr lang="en-US" sz="4000" dirty="0" smtClean="0">
                 <a:latin typeface="Garamond" panose="02020404030301010803" pitchFamily="18" charset="0"/>
               </a:rPr>
-              <a:t>A Python package for stream analysis</a:t>
-            </a:r>
-          </a:p>
-          <a:p>
-            <a:endParaRPr lang="en-US" sz="4000" dirty="0">
+              <a:t>A Python package for stream </a:t>
+            </a:r>
+            <a:r>
+              <a:rPr lang="en-US" sz="4000" dirty="0" smtClean="0">
+                <a:latin typeface="Garamond" panose="02020404030301010803" pitchFamily="18" charset="0"/>
+              </a:rPr>
+              <a:t>analysis</a:t>
+            </a:r>
+          </a:p>
+          <a:p>
+            <a:endParaRPr lang="en-US" dirty="0">
               <a:latin typeface="Garamond" panose="02020404030301010803" pitchFamily="18" charset="0"/>
             </a:endParaRPr>
           </a:p>
@@ -3032,10 +3038,48 @@
           </a:p>
           <a:p>
             <a:r>
+              <a:rPr lang="en-US" b="1" dirty="0" smtClean="0">
+                <a:latin typeface="Garamond" panose="02020404030301010803" pitchFamily="18" charset="0"/>
+              </a:rPr>
+              <a:t>Email</a:t>
+            </a:r>
+            <a:r>
+              <a:rPr lang="en-US" dirty="0" smtClean="0">
+                <a:latin typeface="Garamond" panose="02020404030301010803" pitchFamily="18" charset="0"/>
+              </a:rPr>
+              <a:t>: </a:t>
+            </a:r>
+            <a:r>
               <a:rPr lang="en-US" dirty="0" smtClean="0">
                 <a:latin typeface="Garamond" panose="02020404030301010803" pitchFamily="18" charset="0"/>
               </a:rPr>
               <a:t>Sky.Jones@kci.com</a:t>
+            </a:r>
+          </a:p>
+          <a:p>
+            <a:r>
+              <a:rPr lang="en-US" b="1" dirty="0" err="1" smtClean="0">
+                <a:latin typeface="Garamond" panose="02020404030301010803" pitchFamily="18" charset="0"/>
+              </a:rPr>
+              <a:t>Github</a:t>
+            </a:r>
+            <a:r>
+              <a:rPr lang="en-US" dirty="0" smtClean="0">
+                <a:latin typeface="Garamond" panose="02020404030301010803" pitchFamily="18" charset="0"/>
+              </a:rPr>
+              <a:t>: </a:t>
+            </a:r>
+            <a:r>
+              <a:rPr lang="en-US" dirty="0">
+                <a:latin typeface="Garamond" panose="02020404030301010803" pitchFamily="18" charset="0"/>
+              </a:rPr>
+              <a:t>https://</a:t>
+            </a:r>
+            <a:r>
+              <a:rPr lang="en-US" dirty="0" smtClean="0">
+                <a:latin typeface="Garamond" panose="02020404030301010803" pitchFamily="18" charset="0"/>
+              </a:rPr>
+              <a:t>github.com/rsjones94/pyfluv</a:t>
             </a:r>
             <a:endParaRPr lang="en-US" dirty="0">
               <a:latin typeface="Garamond" panose="02020404030301010803" pitchFamily="18" charset="0"/>
@@ -4640,11 +4684,7 @@
           <a:p>
             <a:r>
               <a:rPr lang="en-US" dirty="0" smtClean="0"/>
-              <a:t>Profile </a:t>
-            </a:r>
-            <a:r>
-              <a:rPr lang="en-US" dirty="0" smtClean="0"/>
-              <a:t>methods</a:t>
+              <a:t>Profile methods</a:t>
             </a:r>
             <a:endParaRPr lang="en-US" dirty="0"/>
           </a:p>
@@ -4674,16 +4714,11 @@
               <a:rPr lang="en-US" dirty="0" smtClean="0"/>
               <a:t>Reclassify Features</a:t>
             </a:r>
-            <a:endParaRPr lang="en-US" dirty="0" smtClean="0"/>
           </a:p>
           <a:p>
             <a:r>
               <a:rPr lang="en-US" dirty="0" smtClean="0"/>
-              <a:t>Repair </a:t>
-            </a:r>
-            <a:r>
-              <a:rPr lang="en-US" dirty="0" smtClean="0"/>
-              <a:t>slopes</a:t>
+              <a:t>Repair slopes</a:t>
             </a:r>
             <a:endParaRPr lang="en-US" dirty="0"/>
           </a:p>
@@ -4837,11 +4872,7 @@
             </a:r>
             <a:r>
               <a:rPr lang="en-US" dirty="0" smtClean="0"/>
-              <a:t> </a:t>
-            </a:r>
-            <a:r>
-              <a:rPr lang="en-US" dirty="0" smtClean="0"/>
-              <a:t>methods</a:t>
+              <a:t> methods</a:t>
             </a:r>
             <a:endParaRPr lang="en-US" dirty="0"/>
           </a:p>
@@ -5921,11 +5952,7 @@
           <a:p>
             <a:r>
               <a:rPr lang="en-US" dirty="0" smtClean="0"/>
-              <a:t>Predictive </a:t>
-            </a:r>
-            <a:r>
-              <a:rPr lang="en-US" dirty="0" smtClean="0"/>
-              <a:t>algorithms (continued)</a:t>
+              <a:t>Predictive algorithms (continued)</a:t>
             </a:r>
             <a:endParaRPr lang="en-US" dirty="0"/>
           </a:p>
@@ -5955,23 +5982,7 @@
             <a:pPr lvl="1"/>
             <a:r>
               <a:rPr lang="en-US" dirty="0" smtClean="0"/>
-              <a:t>Find the elevation of maximum flow </a:t>
-            </a:r>
-            <a:r>
-              <a:rPr lang="en-US" dirty="0" smtClean="0"/>
-              <a:t>release (stage of incipient </a:t>
-            </a:r>
-            <a:r>
-              <a:rPr lang="en-US" dirty="0" smtClean="0"/>
-              <a:t>flooding)</a:t>
-            </a:r>
-            <a:r>
-              <a:rPr lang="en-US" dirty="0" smtClean="0"/>
-              <a:t> </a:t>
-            </a:r>
-            <a:r>
-              <a:rPr lang="en-US" dirty="0" smtClean="0"/>
-              <a:t>in a cross section</a:t>
+              <a:t>Find the elevation of maximum flow release (stage of incipient flooding) in a cross section</a:t>
             </a:r>
           </a:p>
           <a:p>
@@ -7574,7 +7585,6 @@
               <a:rPr lang="en-US" sz="2600" dirty="0" smtClean="0"/>
               <a:t>Modular components that can be extended to conduct more complex work</a:t>
             </a:r>
-            <a:endParaRPr lang="en-US" sz="2600" dirty="0" smtClean="0"/>
           </a:p>
           <a:p>
             <a:endParaRPr lang="en-US" sz="2600" dirty="0" smtClean="0"/>
@@ -8310,7 +8320,7 @@
               <a:buNone/>
             </a:pPr>
             <a:r>
-              <a:rPr lang="en-US" dirty="0" smtClean="0">
+              <a:rPr lang="en-US" sz="2400" dirty="0">
                 <a:latin typeface="Garamond" panose="02020404030301010803" pitchFamily="18" charset="0"/>
               </a:rPr>
               <a:t>Sky Jones</a:t>
@@ -8321,12 +8331,35 @@
               <a:buNone/>
             </a:pPr>
             <a:r>
-              <a:rPr lang="en-US" dirty="0" smtClean="0">
+              <a:rPr lang="en-US" sz="2400" b="1" dirty="0">
                 <a:latin typeface="Garamond" panose="02020404030301010803" pitchFamily="18" charset="0"/>
               </a:rPr>
-              <a:t>Sky.Jones@kci.com</a:t>
-            </a:r>
-            <a:endParaRPr lang="en-US" dirty="0">
+              <a:t>Email</a:t>
+            </a:r>
+            <a:r>
+              <a:rPr lang="en-US" sz="2400" dirty="0">
+                <a:latin typeface="Garamond" panose="02020404030301010803" pitchFamily="18" charset="0"/>
+              </a:rPr>
+              <a:t>: Sky.Jones@kci.com</a:t>
+            </a:r>
+          </a:p>
+          <a:p>
+            <a:pPr marL="0" indent="0" algn="ctr">
+              <a:buNone/>
+            </a:pPr>
+            <a:r>
+              <a:rPr lang="en-US" sz="2400" b="1" dirty="0" err="1">
+                <a:latin typeface="Garamond" panose="02020404030301010803" pitchFamily="18" charset="0"/>
+              </a:rPr>
+              <a:t>Github</a:t>
+            </a:r>
+            <a:r>
+              <a:rPr lang="en-US" sz="2400" dirty="0">
+                <a:latin typeface="Garamond" panose="02020404030301010803" pitchFamily="18" charset="0"/>
+              </a:rPr>
+              <a:t>: https://github.com/rsjones94/pyfluv</a:t>
+            </a:r>
+            <a:endParaRPr lang="en-US" sz="2400" dirty="0">
               <a:latin typeface="Garamond" panose="02020404030301010803" pitchFamily="18" charset="0"/>
             </a:endParaRPr>
           </a:p>
